--- a/snow crab/Population Model.pptx
+++ b/snow crab/Population Model.pptx
@@ -5,31 +5,32 @@
     <p:sldMasterId id="2147483753" r:id="rId1"/>
   </p:sldMasterIdLst>
   <p:notesMasterIdLst>
-    <p:notesMasterId r:id="rId21"/>
+    <p:notesMasterId r:id="rId22"/>
   </p:notesMasterIdLst>
   <p:handoutMasterIdLst>
-    <p:handoutMasterId r:id="rId22"/>
+    <p:handoutMasterId r:id="rId23"/>
   </p:handoutMasterIdLst>
   <p:sldIdLst>
     <p:sldId id="256" r:id="rId2"/>
     <p:sldId id="273" r:id="rId3"/>
-    <p:sldId id="262" r:id="rId4"/>
-    <p:sldId id="269" r:id="rId5"/>
-    <p:sldId id="265" r:id="rId6"/>
-    <p:sldId id="268" r:id="rId7"/>
-    <p:sldId id="264" r:id="rId8"/>
-    <p:sldId id="266" r:id="rId9"/>
-    <p:sldId id="259" r:id="rId10"/>
-    <p:sldId id="257" r:id="rId11"/>
-    <p:sldId id="258" r:id="rId12"/>
-    <p:sldId id="260" r:id="rId13"/>
+    <p:sldId id="263" r:id="rId4"/>
+    <p:sldId id="265" r:id="rId5"/>
+    <p:sldId id="269" r:id="rId6"/>
+    <p:sldId id="276" r:id="rId7"/>
+    <p:sldId id="268" r:id="rId8"/>
+    <p:sldId id="264" r:id="rId9"/>
+    <p:sldId id="266" r:id="rId10"/>
+    <p:sldId id="259" r:id="rId11"/>
+    <p:sldId id="257" r:id="rId12"/>
+    <p:sldId id="258" r:id="rId13"/>
     <p:sldId id="261" r:id="rId14"/>
-    <p:sldId id="263" r:id="rId15"/>
-    <p:sldId id="267" r:id="rId16"/>
-    <p:sldId id="270" r:id="rId17"/>
-    <p:sldId id="274" r:id="rId18"/>
-    <p:sldId id="271" r:id="rId19"/>
-    <p:sldId id="272" r:id="rId20"/>
+    <p:sldId id="277" r:id="rId15"/>
+    <p:sldId id="272" r:id="rId16"/>
+    <p:sldId id="278" r:id="rId17"/>
+    <p:sldId id="270" r:id="rId18"/>
+    <p:sldId id="274" r:id="rId19"/>
+    <p:sldId id="271" r:id="rId20"/>
+    <p:sldId id="275" r:id="rId21"/>
   </p:sldIdLst>
   <p:sldSz cx="9144000" cy="6858000" type="screen4x3"/>
   <p:notesSz cx="6858000" cy="9144000"/>
@@ -128,6 +129,22 @@
       </a:defRPr>
     </a:lvl9pPr>
   </p:defaultTextStyle>
+  <p:extLst>
+    <p:ext uri="{EFAFB233-063F-42B5-8137-9DF3F51BA10A}">
+      <p15:sldGuideLst xmlns:p15="http://schemas.microsoft.com/office/powerpoint/2012/main">
+        <p15:guide id="1" orient="horz" pos="2160">
+          <p15:clr>
+            <a:srgbClr val="A4A3A4"/>
+          </p15:clr>
+        </p15:guide>
+        <p15:guide id="2" pos="2880">
+          <p15:clr>
+            <a:srgbClr val="A4A3A4"/>
+          </p15:clr>
+        </p15:guide>
+      </p15:sldGuideLst>
+    </p:ext>
+  </p:extLst>
 </p:presentation>
 </file>
 
@@ -213,7 +230,7 @@
           <a:p>
             <a:fld id="{20820833-0B4B-944C-BE1D-41D4458C9006}" type="datetimeFigureOut">
               <a:rPr lang="en-US" smtClean="0"/>
-              <a:t>21-02-01</a:t>
+              <a:t>2/3/2021</a:t>
             </a:fld>
             <a:endParaRPr lang="en-US"/>
           </a:p>
@@ -378,7 +395,7 @@
           <a:p>
             <a:fld id="{237696C7-E4BF-8147-9110-634F7DFB9847}" type="datetimeFigureOut">
               <a:rPr lang="en-US" smtClean="0"/>
-              <a:t>21-02-01</a:t>
+              <a:t>2/3/2021</a:t>
             </a:fld>
             <a:endParaRPr lang="en-US"/>
           </a:p>
@@ -711,7 +728,7 @@
           <a:p>
             <a:fld id="{9CAE947A-4681-AE4E-B108-76091BED1CFD}" type="slidenum">
               <a:rPr lang="en-US" smtClean="0"/>
-              <a:t>19</a:t>
+              <a:t>15</a:t>
             </a:fld>
             <a:endParaRPr lang="en-US"/>
           </a:p>
@@ -965,7 +982,7 @@
           <a:p>
             <a:fld id="{D140825E-4A15-4D39-8176-1F07E904CB30}" type="datetimeFigureOut">
               <a:rPr lang="en-US" smtClean="0"/>
-              <a:t>21-01-31</a:t>
+              <a:t>2/3/2021</a:t>
             </a:fld>
             <a:endParaRPr lang="en-US"/>
           </a:p>
@@ -1056,7 +1073,7 @@
           <a:p>
             <a:fld id="{4E1ECE06-1F59-BD45-8BF4-D8B6A5912696}" type="datetimeFigureOut">
               <a:rPr lang="en-US" smtClean="0"/>
-              <a:t>21-01-31</a:t>
+              <a:t>2/3/2021</a:t>
             </a:fld>
             <a:endParaRPr lang="en-US"/>
           </a:p>
@@ -1359,7 +1376,7 @@
           <a:p>
             <a:fld id="{4E1ECE06-1F59-BD45-8BF4-D8B6A5912696}" type="datetimeFigureOut">
               <a:rPr lang="en-US" smtClean="0"/>
-              <a:t>21-01-31</a:t>
+              <a:t>2/3/2021</a:t>
             </a:fld>
             <a:endParaRPr lang="en-US"/>
           </a:p>
@@ -1580,7 +1597,7 @@
           <a:p>
             <a:fld id="{4E1ECE06-1F59-BD45-8BF4-D8B6A5912696}" type="datetimeFigureOut">
               <a:rPr lang="en-US" smtClean="0"/>
-              <a:t>21-01-31</a:t>
+              <a:t>2/3/2021</a:t>
             </a:fld>
             <a:endParaRPr lang="en-US"/>
           </a:p>
@@ -1968,7 +1985,7 @@
           <a:p>
             <a:fld id="{4E1ECE06-1F59-BD45-8BF4-D8B6A5912696}" type="datetimeFigureOut">
               <a:rPr lang="en-US" smtClean="0"/>
-              <a:t>21-01-31</a:t>
+              <a:t>2/3/2021</a:t>
             </a:fld>
             <a:endParaRPr lang="en-US"/>
           </a:p>
@@ -2276,7 +2293,7 @@
           <a:p>
             <a:fld id="{4E1ECE06-1F59-BD45-8BF4-D8B6A5912696}" type="datetimeFigureOut">
               <a:rPr lang="en-US" smtClean="0"/>
-              <a:t>21-01-31</a:t>
+              <a:t>2/3/2021</a:t>
             </a:fld>
             <a:endParaRPr lang="en-US"/>
           </a:p>
@@ -2474,7 +2491,7 @@
           <a:p>
             <a:fld id="{4E1ECE06-1F59-BD45-8BF4-D8B6A5912696}" type="datetimeFigureOut">
               <a:rPr lang="en-US" smtClean="0"/>
-              <a:t>21-01-31</a:t>
+              <a:t>2/3/2021</a:t>
             </a:fld>
             <a:endParaRPr lang="en-US"/>
           </a:p>
@@ -2677,7 +2694,7 @@
           <a:p>
             <a:fld id="{4E1ECE06-1F59-BD45-8BF4-D8B6A5912696}" type="datetimeFigureOut">
               <a:rPr lang="en-US" smtClean="0"/>
-              <a:t>21-01-31</a:t>
+              <a:t>2/3/2021</a:t>
             </a:fld>
             <a:endParaRPr lang="en-US"/>
           </a:p>
@@ -2870,7 +2887,7 @@
           <a:p>
             <a:fld id="{4E1ECE06-1F59-BD45-8BF4-D8B6A5912696}" type="datetimeFigureOut">
               <a:rPr lang="en-US" smtClean="0"/>
-              <a:t>21-01-31</a:t>
+              <a:t>2/3/2021</a:t>
             </a:fld>
             <a:endParaRPr lang="en-US"/>
           </a:p>
@@ -3142,7 +3159,7 @@
           <a:p>
             <a:fld id="{D140825E-4A15-4D39-8176-1F07E904CB30}" type="datetimeFigureOut">
               <a:rPr lang="en-US" smtClean="0"/>
-              <a:t>21-01-31</a:t>
+              <a:t>2/3/2021</a:t>
             </a:fld>
             <a:endParaRPr lang="en-US"/>
           </a:p>
@@ -3453,7 +3470,7 @@
           <a:p>
             <a:fld id="{4E1ECE06-1F59-BD45-8BF4-D8B6A5912696}" type="datetimeFigureOut">
               <a:rPr lang="en-US" smtClean="0"/>
-              <a:t>21-01-31</a:t>
+              <a:t>2/3/2021</a:t>
             </a:fld>
             <a:endParaRPr lang="en-US"/>
           </a:p>
@@ -3919,7 +3936,7 @@
           <a:p>
             <a:fld id="{4E1ECE06-1F59-BD45-8BF4-D8B6A5912696}" type="datetimeFigureOut">
               <a:rPr lang="en-US" smtClean="0"/>
-              <a:t>21-01-31</a:t>
+              <a:t>2/3/2021</a:t>
             </a:fld>
             <a:endParaRPr lang="en-US"/>
           </a:p>
@@ -4283,7 +4300,7 @@
           <a:p>
             <a:fld id="{4E1ECE06-1F59-BD45-8BF4-D8B6A5912696}" type="datetimeFigureOut">
               <a:rPr lang="en-US" smtClean="0"/>
-              <a:t>21-01-31</a:t>
+              <a:t>2/3/2021</a:t>
             </a:fld>
             <a:endParaRPr lang="en-US"/>
           </a:p>
@@ -4594,7 +4611,7 @@
           <a:p>
             <a:fld id="{4E1ECE06-1F59-BD45-8BF4-D8B6A5912696}" type="datetimeFigureOut">
               <a:rPr lang="en-US" smtClean="0"/>
-              <a:t>21-01-31</a:t>
+              <a:t>2/3/2021</a:t>
             </a:fld>
             <a:endParaRPr lang="en-US"/>
           </a:p>
@@ -4905,7 +4922,7 @@
           <a:p>
             <a:fld id="{4E1ECE06-1F59-BD45-8BF4-D8B6A5912696}" type="datetimeFigureOut">
               <a:rPr lang="en-US" smtClean="0"/>
-              <a:t>21-01-31</a:t>
+              <a:t>2/3/2021</a:t>
             </a:fld>
             <a:endParaRPr lang="en-US"/>
           </a:p>
@@ -5390,7 +5407,7 @@
           <a:p>
             <a:fld id="{4E1ECE06-1F59-BD45-8BF4-D8B6A5912696}" type="datetimeFigureOut">
               <a:rPr lang="en-US" smtClean="0"/>
-              <a:t>21-01-31</a:t>
+              <a:t>2/3/2021</a:t>
             </a:fld>
             <a:endParaRPr lang="en-US"/>
           </a:p>
@@ -5653,7 +5670,7 @@
           <a:p>
             <a:fld id="{4E1ECE06-1F59-BD45-8BF4-D8B6A5912696}" type="datetimeFigureOut">
               <a:rPr lang="en-US" smtClean="0"/>
-              <a:t>21-01-31</a:t>
+              <a:t>2/3/2021</a:t>
             </a:fld>
             <a:endParaRPr lang="en-US"/>
           </a:p>
@@ -6149,8 +6166,8 @@
         </p:nvSpPr>
         <p:spPr>
           <a:xfrm>
-            <a:off x="610796" y="381000"/>
-            <a:ext cx="7583487" cy="541668"/>
+            <a:off x="581031" y="311552"/>
+            <a:ext cx="7583487" cy="551589"/>
           </a:xfrm>
         </p:spPr>
         <p:txBody>
@@ -6159,7 +6176,7 @@
           <a:p>
             <a:r>
               <a:rPr lang="en-US" sz="3200" b="1" dirty="0" smtClean="0"/>
-              <a:t>Females: Trawl selectivity</a:t>
+              <a:t>Females: size-frequencies &amp; model fit</a:t>
             </a:r>
             <a:endParaRPr lang="en-US" sz="3200" b="1" dirty="0"/>
           </a:p>
@@ -6167,7 +6184,7 @@
       </p:sp>
       <p:pic>
         <p:nvPicPr>
-          <p:cNvPr id="4" name="Picture 3" descr="Macintosh HD:Users:crustacean:Desktop:gulf-population-modelling:snow crab:female.trawl.selectivity.pdf"/>
+          <p:cNvPr id="4" name="Picture 3" descr="Macintosh HD:Users:crustacean:Desktop:gulf-population-modelling:snow crab:female.size.frequency.pdf"/>
           <p:cNvPicPr/>
           <p:nvPr/>
         </p:nvPicPr>
@@ -6186,8 +6203,8 @@
         </p:blipFill>
         <p:spPr bwMode="auto">
           <a:xfrm>
-            <a:off x="3915680" y="1567335"/>
-            <a:ext cx="4805045" cy="4229100"/>
+            <a:off x="2473252" y="966697"/>
+            <a:ext cx="6322081" cy="5561425"/>
           </a:xfrm>
           <a:prstGeom prst="rect">
             <a:avLst/>
@@ -6200,14 +6217,14 @@
       </p:pic>
       <p:sp>
         <p:nvSpPr>
-          <p:cNvPr id="5" name="TextBox 4"/>
+          <p:cNvPr id="3" name="TextBox 2"/>
           <p:cNvSpPr txBox="1"/>
           <p:nvPr/>
         </p:nvSpPr>
         <p:spPr>
           <a:xfrm>
-            <a:off x="209610" y="1567335"/>
-            <a:ext cx="3591557" cy="2308324"/>
+            <a:off x="-228594" y="1697593"/>
+            <a:ext cx="3320140" cy="1754326"/>
           </a:xfrm>
           <a:prstGeom prst="rect">
             <a:avLst/>
@@ -6215,102 +6232,120 @@
           <a:noFill/>
         </p:spPr>
         <p:txBody>
-          <a:bodyPr wrap="square" rtlCol="0">
+          <a:bodyPr wrap="none" rtlCol="0">
             <a:spAutoFit/>
           </a:bodyPr>
           <a:lstStyle/>
           <a:p>
             <a:pPr marL="285750" indent="-285750">
-              <a:buFont typeface="Arial"/>
+              <a:buFont typeface="Arial" panose="020B0604020202020204" pitchFamily="34" charset="0"/>
               <a:buChar char="•"/>
             </a:pPr>
             <a:r>
-              <a:rPr lang="en-US" dirty="0" smtClean="0">
-                <a:solidFill>
-                  <a:schemeClr val="bg1"/>
-                </a:solidFill>
-              </a:rPr>
-              <a:t>Logistic curve.</a:t>
-            </a:r>
+              <a:rPr lang="fr-CA" dirty="0" err="1" smtClean="0"/>
+              <a:t>Females</a:t>
+            </a:r>
+            <a:r>
+              <a:rPr lang="fr-CA" dirty="0" smtClean="0"/>
+              <a:t> are </a:t>
+            </a:r>
+            <a:r>
+              <a:rPr lang="fr-CA" dirty="0" err="1" smtClean="0"/>
+              <a:t>simpler</a:t>
+            </a:r>
+            <a:endParaRPr lang="fr-CA" dirty="0" smtClean="0"/>
           </a:p>
           <a:p>
             <a:pPr marL="285750" indent="-285750">
-              <a:buFont typeface="Arial"/>
+              <a:buFont typeface="Arial" panose="020B0604020202020204" pitchFamily="34" charset="0"/>
               <a:buChar char="•"/>
             </a:pPr>
-            <a:endParaRPr lang="en-US" dirty="0" smtClean="0">
-              <a:solidFill>
-                <a:schemeClr val="bg1"/>
-              </a:solidFill>
-            </a:endParaRPr>
+            <a:r>
+              <a:rPr lang="fr-CA" dirty="0" smtClean="0"/>
+              <a:t>No skip-</a:t>
+            </a:r>
+            <a:r>
+              <a:rPr lang="fr-CA" dirty="0" err="1" smtClean="0"/>
+              <a:t>moulting</a:t>
+            </a:r>
+            <a:endParaRPr lang="fr-CA" dirty="0" smtClean="0"/>
           </a:p>
           <a:p>
             <a:pPr marL="285750" indent="-285750">
-              <a:buFont typeface="Arial"/>
+              <a:buFont typeface="Arial" panose="020B0604020202020204" pitchFamily="34" charset="0"/>
               <a:buChar char="•"/>
             </a:pPr>
             <a:r>
-              <a:rPr lang="en-US" dirty="0" smtClean="0">
-                <a:solidFill>
-                  <a:schemeClr val="bg1"/>
-                </a:solidFill>
-              </a:rPr>
-              <a:t>Selectivity ramps up between 10 and 40 mm.</a:t>
-            </a:r>
+              <a:rPr lang="fr-CA" dirty="0" smtClean="0"/>
+              <a:t>No </a:t>
+            </a:r>
+            <a:r>
+              <a:rPr lang="fr-CA" dirty="0" err="1" smtClean="0"/>
+              <a:t>fishing</a:t>
+            </a:r>
+            <a:r>
+              <a:rPr lang="fr-CA" dirty="0" smtClean="0"/>
+              <a:t> </a:t>
+            </a:r>
+            <a:r>
+              <a:rPr lang="fr-CA" dirty="0" err="1" smtClean="0"/>
+              <a:t>effects</a:t>
+            </a:r>
+            <a:endParaRPr lang="fr-CA" dirty="0" smtClean="0"/>
           </a:p>
           <a:p>
             <a:pPr marL="285750" indent="-285750">
-              <a:buFont typeface="Arial"/>
+              <a:buFont typeface="Arial" panose="020B0604020202020204" pitchFamily="34" charset="0"/>
               <a:buChar char="•"/>
             </a:pPr>
-            <a:endParaRPr lang="en-US" dirty="0" smtClean="0">
-              <a:solidFill>
-                <a:schemeClr val="bg1"/>
-              </a:solidFill>
-            </a:endParaRPr>
+            <a:r>
+              <a:rPr lang="fr-CA" dirty="0" err="1" smtClean="0"/>
+              <a:t>Fewer</a:t>
+            </a:r>
+            <a:r>
+              <a:rPr lang="fr-CA" dirty="0" smtClean="0"/>
+              <a:t> instars (</a:t>
+            </a:r>
+            <a:r>
+              <a:rPr lang="fr-CA" dirty="0" err="1" smtClean="0"/>
+              <a:t>smaller</a:t>
+            </a:r>
+            <a:r>
+              <a:rPr lang="fr-CA" dirty="0" smtClean="0"/>
+              <a:t> size)</a:t>
+            </a:r>
           </a:p>
           <a:p>
             <a:pPr marL="285750" indent="-285750">
-              <a:buFont typeface="Arial"/>
+              <a:buFont typeface="Arial" panose="020B0604020202020204" pitchFamily="34" charset="0"/>
               <a:buChar char="•"/>
             </a:pPr>
             <a:r>
-              <a:rPr lang="en-US" dirty="0" smtClean="0">
-                <a:solidFill>
-                  <a:schemeClr val="bg1"/>
-                </a:solidFill>
-              </a:rPr>
-              <a:t>50% selectivity at ~25mm.</a:t>
+              <a:rPr lang="fr-CA" dirty="0" smtClean="0"/>
+              <a:t>Instars </a:t>
+            </a:r>
+            <a:r>
+              <a:rPr lang="fr-CA" dirty="0" err="1" smtClean="0"/>
+              <a:t>well-characterized</a:t>
+            </a:r>
+            <a:r>
+              <a:rPr lang="fr-CA" dirty="0" smtClean="0"/>
+              <a:t>.</a:t>
             </a:r>
           </a:p>
           <a:p>
             <a:pPr marL="285750" indent="-285750">
-              <a:buFont typeface="Arial"/>
+              <a:buFont typeface="Arial" panose="020B0604020202020204" pitchFamily="34" charset="0"/>
               <a:buChar char="•"/>
             </a:pPr>
-            <a:endParaRPr lang="en-US" dirty="0" smtClean="0">
-              <a:solidFill>
-                <a:schemeClr val="bg1"/>
-              </a:solidFill>
-            </a:endParaRPr>
-          </a:p>
-          <a:p>
-            <a:pPr marL="285750" indent="-285750">
-              <a:buFont typeface="Arial"/>
-              <a:buChar char="•"/>
-            </a:pPr>
-            <a:endParaRPr lang="en-US" dirty="0">
-              <a:solidFill>
-                <a:schemeClr val="bg1"/>
-              </a:solidFill>
-            </a:endParaRPr>
+            <a:endParaRPr lang="en-CA" dirty="0"/>
           </a:p>
         </p:txBody>
       </p:sp>
     </p:spTree>
     <p:extLst>
       <p:ext uri="{BB962C8B-B14F-4D97-AF65-F5344CB8AC3E}">
-        <p14:creationId xmlns:p14="http://schemas.microsoft.com/office/powerpoint/2010/main" val="2691677187"/>
+        <p14:creationId xmlns:p14="http://schemas.microsoft.com/office/powerpoint/2010/main" val="3055775552"/>
       </p:ext>
     </p:extLst>
   </p:cSld>
@@ -6349,8 +6384,8 @@
         </p:nvSpPr>
         <p:spPr>
           <a:xfrm>
-            <a:off x="551266" y="381000"/>
-            <a:ext cx="7583487" cy="571431"/>
+            <a:off x="610796" y="381000"/>
+            <a:ext cx="7583487" cy="541668"/>
           </a:xfrm>
         </p:spPr>
         <p:txBody>
@@ -6359,11 +6394,7 @@
           <a:p>
             <a:r>
               <a:rPr lang="en-US" sz="3200" b="1" dirty="0" smtClean="0"/>
-              <a:t>Females: relative </a:t>
-            </a:r>
-            <a:r>
-              <a:rPr lang="en-US" sz="3200" b="1" dirty="0" err="1" smtClean="0"/>
-              <a:t>catchability</a:t>
+              <a:t>Females: Trawl selectivity</a:t>
             </a:r>
             <a:endParaRPr lang="en-US" sz="3200" b="1" dirty="0"/>
           </a:p>
@@ -6371,7 +6402,7 @@
       </p:sp>
       <p:pic>
         <p:nvPicPr>
-          <p:cNvPr id="4" name="Picture 3" descr="Macintosh HD:Users:crustacean:Desktop:gulf-population-modelling:snow crab:female.year.effects.pdf"/>
+          <p:cNvPr id="4" name="Picture 3" descr="Macintosh HD:Users:crustacean:Desktop:gulf-population-modelling:snow crab:female.trawl.selectivity.pdf"/>
           <p:cNvPicPr/>
           <p:nvPr/>
         </p:nvPicPr>
@@ -6390,8 +6421,8 @@
         </p:blipFill>
         <p:spPr bwMode="auto">
           <a:xfrm>
-            <a:off x="3892607" y="1354134"/>
-            <a:ext cx="4931038" cy="4241399"/>
+            <a:off x="3915680" y="1567335"/>
+            <a:ext cx="4805045" cy="4229100"/>
           </a:xfrm>
           <a:prstGeom prst="rect">
             <a:avLst/>
@@ -6410,8 +6441,8 @@
         </p:nvSpPr>
         <p:spPr>
           <a:xfrm>
-            <a:off x="209610" y="1354134"/>
-            <a:ext cx="3682997" cy="2862323"/>
+            <a:off x="209610" y="1567335"/>
+            <a:ext cx="3591557" cy="2585323"/>
           </a:xfrm>
           <a:prstGeom prst="rect">
             <a:avLst/>
@@ -6434,8 +6465,91 @@
                   <a:schemeClr val="bg1"/>
                 </a:solidFill>
               </a:rPr>
-              <a:t>Relative to 2020.</a:t>
-            </a:r>
+              <a:t>Maybe remove … </a:t>
+            </a:r>
+          </a:p>
+          <a:p>
+            <a:pPr marL="285750" indent="-285750">
+              <a:buFont typeface="Arial"/>
+              <a:buChar char="•"/>
+            </a:pPr>
+            <a:r>
+              <a:rPr lang="en-US" dirty="0" smtClean="0">
+                <a:solidFill>
+                  <a:schemeClr val="bg1"/>
+                </a:solidFill>
+              </a:rPr>
+              <a:t>Logistic </a:t>
+            </a:r>
+            <a:r>
+              <a:rPr lang="en-US" dirty="0" smtClean="0">
+                <a:solidFill>
+                  <a:schemeClr val="bg1"/>
+                </a:solidFill>
+              </a:rPr>
+              <a:t>curve.</a:t>
+            </a:r>
+          </a:p>
+          <a:p>
+            <a:pPr marL="285750" indent="-285750">
+              <a:buFont typeface="Arial"/>
+              <a:buChar char="•"/>
+            </a:pPr>
+            <a:endParaRPr lang="en-US" dirty="0" smtClean="0">
+              <a:solidFill>
+                <a:schemeClr val="bg1"/>
+              </a:solidFill>
+            </a:endParaRPr>
+          </a:p>
+          <a:p>
+            <a:pPr marL="285750" indent="-285750">
+              <a:buFont typeface="Arial"/>
+              <a:buChar char="•"/>
+            </a:pPr>
+            <a:r>
+              <a:rPr lang="en-US" dirty="0" smtClean="0">
+                <a:solidFill>
+                  <a:schemeClr val="bg1"/>
+                </a:solidFill>
+              </a:rPr>
+              <a:t>Selectivity ramps up between 10 and 40 mm.</a:t>
+            </a:r>
+          </a:p>
+          <a:p>
+            <a:pPr marL="285750" indent="-285750">
+              <a:buFont typeface="Arial"/>
+              <a:buChar char="•"/>
+            </a:pPr>
+            <a:endParaRPr lang="en-US" dirty="0" smtClean="0">
+              <a:solidFill>
+                <a:schemeClr val="bg1"/>
+              </a:solidFill>
+            </a:endParaRPr>
+          </a:p>
+          <a:p>
+            <a:pPr marL="285750" indent="-285750">
+              <a:buFont typeface="Arial"/>
+              <a:buChar char="•"/>
+            </a:pPr>
+            <a:r>
+              <a:rPr lang="en-US" dirty="0" smtClean="0">
+                <a:solidFill>
+                  <a:schemeClr val="bg1"/>
+                </a:solidFill>
+              </a:rPr>
+              <a:t>50% selectivity at ~25mm.</a:t>
+            </a:r>
+          </a:p>
+          <a:p>
+            <a:pPr marL="285750" indent="-285750">
+              <a:buFont typeface="Arial"/>
+              <a:buChar char="•"/>
+            </a:pPr>
+            <a:endParaRPr lang="en-US" dirty="0" smtClean="0">
+              <a:solidFill>
+                <a:schemeClr val="bg1"/>
+              </a:solidFill>
+            </a:endParaRPr>
           </a:p>
           <a:p>
             <a:pPr marL="285750" indent="-285750">
@@ -6448,164 +6562,12 @@
               </a:solidFill>
             </a:endParaRPr>
           </a:p>
-          <a:p>
-            <a:pPr marL="285750" indent="-285750">
-              <a:buFont typeface="Arial"/>
-              <a:buChar char="•"/>
-            </a:pPr>
-            <a:r>
-              <a:rPr lang="en-US" dirty="0" smtClean="0">
-                <a:solidFill>
-                  <a:schemeClr val="bg1"/>
-                </a:solidFill>
-              </a:rPr>
-              <a:t>Treated as global year effects.</a:t>
-            </a:r>
-          </a:p>
-          <a:p>
-            <a:endParaRPr lang="en-US" dirty="0" smtClean="0">
-              <a:solidFill>
-                <a:schemeClr val="bg1"/>
-              </a:solidFill>
-            </a:endParaRPr>
-          </a:p>
-          <a:p>
-            <a:pPr marL="285750" indent="-285750">
-              <a:buFont typeface="Arial"/>
-              <a:buChar char="•"/>
-            </a:pPr>
-            <a:r>
-              <a:rPr lang="en-US" dirty="0" smtClean="0">
-                <a:solidFill>
-                  <a:schemeClr val="bg1"/>
-                </a:solidFill>
-              </a:rPr>
-              <a:t>Jean Mathieu is associated with lower levels.</a:t>
-            </a:r>
-          </a:p>
-          <a:p>
-            <a:pPr marL="285750" indent="-285750">
-              <a:buFont typeface="Arial"/>
-              <a:buChar char="•"/>
-            </a:pPr>
-            <a:endParaRPr lang="en-US" dirty="0" smtClean="0">
-              <a:solidFill>
-                <a:schemeClr val="bg1"/>
-              </a:solidFill>
-            </a:endParaRPr>
-          </a:p>
-          <a:p>
-            <a:pPr marL="285750" indent="-285750">
-              <a:buFont typeface="Arial"/>
-              <a:buChar char="•"/>
-            </a:pPr>
-            <a:r>
-              <a:rPr lang="en-US" dirty="0" smtClean="0">
-                <a:solidFill>
-                  <a:schemeClr val="bg1"/>
-                </a:solidFill>
-              </a:rPr>
-              <a:t>Jean Mathieu shows increasing </a:t>
-            </a:r>
-            <a:r>
-              <a:rPr lang="en-US" dirty="0" err="1" smtClean="0">
-                <a:solidFill>
-                  <a:schemeClr val="bg1"/>
-                </a:solidFill>
-              </a:rPr>
-              <a:t>catchability</a:t>
-            </a:r>
-            <a:r>
-              <a:rPr lang="en-US" dirty="0" smtClean="0">
-                <a:solidFill>
-                  <a:schemeClr val="bg1"/>
-                </a:solidFill>
-              </a:rPr>
-              <a:t> trend.</a:t>
-            </a:r>
-          </a:p>
-          <a:p>
-            <a:pPr marL="285750" indent="-285750">
-              <a:buFont typeface="Arial"/>
-              <a:buChar char="•"/>
-            </a:pPr>
-            <a:endParaRPr lang="en-US" dirty="0">
-              <a:solidFill>
-                <a:schemeClr val="bg1"/>
-              </a:solidFill>
-            </a:endParaRPr>
-          </a:p>
-        </p:txBody>
-      </p:sp>
-      <p:sp>
-        <p:nvSpPr>
-          <p:cNvPr id="7" name="Rectangle 6"/>
-          <p:cNvSpPr/>
-          <p:nvPr/>
-        </p:nvSpPr>
-        <p:spPr>
-          <a:xfrm>
-            <a:off x="454324" y="5623827"/>
-            <a:ext cx="8221934" cy="923330"/>
-          </a:xfrm>
-          <a:prstGeom prst="rect">
-            <a:avLst/>
-          </a:prstGeom>
-        </p:spPr>
-        <p:txBody>
-          <a:bodyPr wrap="square">
-            <a:spAutoFit/>
-          </a:bodyPr>
-          <a:lstStyle/>
-          <a:p>
-            <a:pPr marL="285750" indent="-285750">
-              <a:buFont typeface="Arial"/>
-              <a:buChar char="•"/>
-            </a:pPr>
-            <a:r>
-              <a:rPr lang="en-US" dirty="0" smtClean="0">
-                <a:solidFill>
-                  <a:schemeClr val="bg1"/>
-                </a:solidFill>
-              </a:rPr>
-              <a:t>Marco Michel (2006-2012) and Avalon Voyager II (2019-2020) </a:t>
-            </a:r>
-            <a:r>
-              <a:rPr lang="en-US" i="1" dirty="0" smtClean="0">
-                <a:solidFill>
-                  <a:schemeClr val="bg1"/>
-                </a:solidFill>
-              </a:rPr>
-              <a:t>seem</a:t>
-            </a:r>
-            <a:r>
-              <a:rPr lang="en-US" dirty="0" smtClean="0">
-                <a:solidFill>
-                  <a:schemeClr val="bg1"/>
-                </a:solidFill>
-              </a:rPr>
-              <a:t> to have comparable levels, but changes across a wide time interval are probably </a:t>
-            </a:r>
-            <a:r>
-              <a:rPr lang="en-US" dirty="0" smtClean="0">
-                <a:solidFill>
-                  <a:schemeClr val="bg1"/>
-                </a:solidFill>
-              </a:rPr>
-              <a:t>unreliable.</a:t>
-            </a:r>
-            <a:endParaRPr lang="en-US" dirty="0" smtClean="0">
-              <a:solidFill>
-                <a:schemeClr val="bg1"/>
-              </a:solidFill>
-            </a:endParaRPr>
-          </a:p>
         </p:txBody>
       </p:sp>
     </p:spTree>
     <p:extLst>
       <p:ext uri="{BB962C8B-B14F-4D97-AF65-F5344CB8AC3E}">
-        <p14:creationId xmlns:p14="http://schemas.microsoft.com/office/powerpoint/2010/main" val="3227379028"/>
+        <p14:creationId xmlns:p14="http://schemas.microsoft.com/office/powerpoint/2010/main" val="2691677187"/>
       </p:ext>
     </p:extLst>
   </p:cSld>
@@ -6644,8 +6606,8 @@
         </p:nvSpPr>
         <p:spPr>
           <a:xfrm>
-            <a:off x="581031" y="381001"/>
-            <a:ext cx="7583487" cy="531746"/>
+            <a:off x="551266" y="381000"/>
+            <a:ext cx="7583487" cy="571431"/>
           </a:xfrm>
         </p:spPr>
         <p:txBody>
@@ -6654,7 +6616,11 @@
           <a:p>
             <a:r>
               <a:rPr lang="en-US" sz="3200" b="1" dirty="0" smtClean="0"/>
-              <a:t>Females: Population by instar</a:t>
+              <a:t>Females: relative </a:t>
+            </a:r>
+            <a:r>
+              <a:rPr lang="en-US" sz="3200" b="1" dirty="0" err="1" smtClean="0"/>
+              <a:t>catchability</a:t>
             </a:r>
             <a:endParaRPr lang="en-US" sz="3200" b="1" dirty="0"/>
           </a:p>
@@ -6662,7 +6628,7 @@
       </p:sp>
       <p:pic>
         <p:nvPicPr>
-          <p:cNvPr id="4" name="Picture 3" descr="Macintosh HD:Users:crustacean:Desktop:gulf-population-modelling:snow crab:female.population.instar.pdf"/>
+          <p:cNvPr id="4" name="Picture 3" descr="Macintosh HD:Users:crustacean:Desktop:gulf-population-modelling:snow crab:female.year.effects.pdf"/>
           <p:cNvPicPr/>
           <p:nvPr/>
         </p:nvPicPr>
@@ -6681,8 +6647,8 @@
         </p:blipFill>
         <p:spPr bwMode="auto">
           <a:xfrm>
-            <a:off x="2384078" y="1090154"/>
-            <a:ext cx="6207062" cy="5244994"/>
+            <a:off x="3892607" y="1354134"/>
+            <a:ext cx="4931038" cy="4241399"/>
           </a:xfrm>
           <a:prstGeom prst="rect">
             <a:avLst/>
@@ -6693,10 +6659,353 @@
           </a:ln>
         </p:spPr>
       </p:pic>
+      <p:sp>
+        <p:nvSpPr>
+          <p:cNvPr id="5" name="TextBox 4"/>
+          <p:cNvSpPr txBox="1"/>
+          <p:nvPr/>
+        </p:nvSpPr>
+        <p:spPr>
+          <a:xfrm>
+            <a:off x="209610" y="1354134"/>
+            <a:ext cx="3682997" cy="2862323"/>
+          </a:xfrm>
+          <a:prstGeom prst="rect">
+            <a:avLst/>
+          </a:prstGeom>
+          <a:noFill/>
+        </p:spPr>
+        <p:txBody>
+          <a:bodyPr wrap="square" rtlCol="0">
+            <a:spAutoFit/>
+          </a:bodyPr>
+          <a:lstStyle/>
+          <a:p>
+            <a:pPr marL="285750" indent="-285750">
+              <a:buFont typeface="Arial"/>
+              <a:buChar char="•"/>
+            </a:pPr>
+            <a:r>
+              <a:rPr lang="en-US" dirty="0" smtClean="0">
+                <a:solidFill>
+                  <a:schemeClr val="bg1"/>
+                </a:solidFill>
+              </a:rPr>
+              <a:t>Relative to 2020.</a:t>
+            </a:r>
+          </a:p>
+          <a:p>
+            <a:pPr marL="285750" indent="-285750">
+              <a:buFont typeface="Arial"/>
+              <a:buChar char="•"/>
+            </a:pPr>
+            <a:endParaRPr lang="en-US" dirty="0">
+              <a:solidFill>
+                <a:schemeClr val="bg1"/>
+              </a:solidFill>
+            </a:endParaRPr>
+          </a:p>
+          <a:p>
+            <a:pPr marL="285750" indent="-285750">
+              <a:buFont typeface="Arial"/>
+              <a:buChar char="•"/>
+            </a:pPr>
+            <a:r>
+              <a:rPr lang="en-US" dirty="0" smtClean="0">
+                <a:solidFill>
+                  <a:schemeClr val="bg1"/>
+                </a:solidFill>
+              </a:rPr>
+              <a:t>Treated as global year effects.</a:t>
+            </a:r>
+          </a:p>
+          <a:p>
+            <a:endParaRPr lang="en-US" dirty="0" smtClean="0">
+              <a:solidFill>
+                <a:schemeClr val="bg1"/>
+              </a:solidFill>
+            </a:endParaRPr>
+          </a:p>
+          <a:p>
+            <a:pPr marL="285750" indent="-285750">
+              <a:buFont typeface="Arial"/>
+              <a:buChar char="•"/>
+            </a:pPr>
+            <a:r>
+              <a:rPr lang="en-US" dirty="0" smtClean="0">
+                <a:solidFill>
+                  <a:schemeClr val="bg1"/>
+                </a:solidFill>
+              </a:rPr>
+              <a:t>Jean Mathieu is associated with lower levels.</a:t>
+            </a:r>
+          </a:p>
+          <a:p>
+            <a:pPr marL="285750" indent="-285750">
+              <a:buFont typeface="Arial"/>
+              <a:buChar char="•"/>
+            </a:pPr>
+            <a:endParaRPr lang="en-US" dirty="0" smtClean="0">
+              <a:solidFill>
+                <a:schemeClr val="bg1"/>
+              </a:solidFill>
+            </a:endParaRPr>
+          </a:p>
+          <a:p>
+            <a:pPr marL="285750" indent="-285750">
+              <a:buFont typeface="Arial"/>
+              <a:buChar char="•"/>
+            </a:pPr>
+            <a:r>
+              <a:rPr lang="en-US" dirty="0" smtClean="0">
+                <a:solidFill>
+                  <a:schemeClr val="bg1"/>
+                </a:solidFill>
+              </a:rPr>
+              <a:t>Jean Mathieu shows increasing </a:t>
+            </a:r>
+            <a:r>
+              <a:rPr lang="en-US" dirty="0" err="1" smtClean="0">
+                <a:solidFill>
+                  <a:schemeClr val="bg1"/>
+                </a:solidFill>
+              </a:rPr>
+              <a:t>catchability</a:t>
+            </a:r>
+            <a:r>
+              <a:rPr lang="en-US" dirty="0" smtClean="0">
+                <a:solidFill>
+                  <a:schemeClr val="bg1"/>
+                </a:solidFill>
+              </a:rPr>
+              <a:t> trend.</a:t>
+            </a:r>
+          </a:p>
+          <a:p>
+            <a:pPr marL="285750" indent="-285750">
+              <a:buFont typeface="Arial"/>
+              <a:buChar char="•"/>
+            </a:pPr>
+            <a:endParaRPr lang="en-US" dirty="0">
+              <a:solidFill>
+                <a:schemeClr val="bg1"/>
+              </a:solidFill>
+            </a:endParaRPr>
+          </a:p>
+        </p:txBody>
+      </p:sp>
+      <p:sp>
+        <p:nvSpPr>
+          <p:cNvPr id="7" name="Rectangle 6"/>
+          <p:cNvSpPr/>
+          <p:nvPr/>
+        </p:nvSpPr>
+        <p:spPr>
+          <a:xfrm>
+            <a:off x="387649" y="5623827"/>
+            <a:ext cx="8221934" cy="923330"/>
+          </a:xfrm>
+          <a:prstGeom prst="rect">
+            <a:avLst/>
+          </a:prstGeom>
+        </p:spPr>
+        <p:txBody>
+          <a:bodyPr wrap="square">
+            <a:spAutoFit/>
+          </a:bodyPr>
+          <a:lstStyle/>
+          <a:p>
+            <a:pPr marL="285750" indent="-285750">
+              <a:buFont typeface="Arial"/>
+              <a:buChar char="•"/>
+            </a:pPr>
+            <a:r>
+              <a:rPr lang="en-US" dirty="0" smtClean="0">
+                <a:solidFill>
+                  <a:schemeClr val="bg1"/>
+                </a:solidFill>
+              </a:rPr>
+              <a:t>Marco Michel (2006-2012) and Avalon Voyager II (2019-2020) </a:t>
+            </a:r>
+            <a:r>
+              <a:rPr lang="en-US" i="1" dirty="0" smtClean="0">
+                <a:solidFill>
+                  <a:schemeClr val="bg1"/>
+                </a:solidFill>
+              </a:rPr>
+              <a:t>seem</a:t>
+            </a:r>
+            <a:r>
+              <a:rPr lang="en-US" dirty="0" smtClean="0">
+                <a:solidFill>
+                  <a:schemeClr val="bg1"/>
+                </a:solidFill>
+              </a:rPr>
+              <a:t> to have comparable levels, but changes across a wide time interval are probably unreliable.</a:t>
+            </a:r>
+          </a:p>
+        </p:txBody>
+      </p:sp>
+      <p:sp>
+        <p:nvSpPr>
+          <p:cNvPr id="3" name="TextBox 2"/>
+          <p:cNvSpPr txBox="1"/>
+          <p:nvPr/>
+        </p:nvSpPr>
+        <p:spPr>
+          <a:xfrm>
+            <a:off x="586964" y="4216457"/>
+            <a:ext cx="7823304" cy="1200329"/>
+          </a:xfrm>
+          <a:prstGeom prst="rect">
+            <a:avLst/>
+          </a:prstGeom>
+          <a:noFill/>
+        </p:spPr>
+        <p:txBody>
+          <a:bodyPr wrap="square" rtlCol="0">
+            <a:spAutoFit/>
+          </a:bodyPr>
+          <a:lstStyle/>
+          <a:p>
+            <a:r>
+              <a:rPr lang="fr-CA" dirty="0" err="1" smtClean="0"/>
+              <a:t>Though</a:t>
+            </a:r>
+            <a:r>
+              <a:rPr lang="fr-CA" dirty="0" smtClean="0"/>
+              <a:t> </a:t>
+            </a:r>
+            <a:r>
+              <a:rPr lang="fr-CA" dirty="0" err="1" smtClean="0"/>
+              <a:t>decreases</a:t>
+            </a:r>
+            <a:r>
+              <a:rPr lang="fr-CA" dirty="0" smtClean="0"/>
+              <a:t> in </a:t>
+            </a:r>
+            <a:r>
+              <a:rPr lang="fr-CA" dirty="0" err="1" smtClean="0"/>
+              <a:t>year</a:t>
+            </a:r>
+            <a:r>
+              <a:rPr lang="fr-CA" dirty="0" smtClean="0"/>
+              <a:t> </a:t>
+            </a:r>
+            <a:r>
+              <a:rPr lang="fr-CA" dirty="0" err="1" smtClean="0"/>
+              <a:t>effect</a:t>
+            </a:r>
+            <a:r>
+              <a:rPr lang="fr-CA" dirty="0" smtClean="0"/>
+              <a:t> </a:t>
+            </a:r>
+            <a:r>
+              <a:rPr lang="fr-CA" dirty="0" err="1" smtClean="0"/>
+              <a:t>can</a:t>
+            </a:r>
+            <a:r>
+              <a:rPr lang="fr-CA" dirty="0" smtClean="0"/>
+              <a:t> </a:t>
+            </a:r>
+            <a:r>
+              <a:rPr lang="fr-CA" dirty="0" err="1" smtClean="0"/>
+              <a:t>be</a:t>
+            </a:r>
+            <a:r>
+              <a:rPr lang="fr-CA" dirty="0"/>
+              <a:t> </a:t>
+            </a:r>
+            <a:r>
+              <a:rPr lang="fr-CA" dirty="0" err="1" smtClean="0"/>
+              <a:t>explained</a:t>
+            </a:r>
+            <a:r>
+              <a:rPr lang="fr-CA" dirty="0" smtClean="0"/>
+              <a:t> by an </a:t>
+            </a:r>
+            <a:r>
+              <a:rPr lang="fr-CA" dirty="0" err="1" smtClean="0"/>
+              <a:t>increase</a:t>
+            </a:r>
+            <a:r>
+              <a:rPr lang="fr-CA" dirty="0" smtClean="0"/>
+              <a:t> in </a:t>
+            </a:r>
+            <a:r>
+              <a:rPr lang="fr-CA" dirty="0" err="1" smtClean="0"/>
+              <a:t>mortality</a:t>
+            </a:r>
+            <a:r>
+              <a:rPr lang="fr-CA" dirty="0" smtClean="0"/>
+              <a:t> for all sizes, </a:t>
+            </a:r>
+          </a:p>
+          <a:p>
+            <a:r>
+              <a:rPr lang="fr-CA" dirty="0" err="1" smtClean="0"/>
+              <a:t>increases</a:t>
+            </a:r>
+            <a:r>
+              <a:rPr lang="fr-CA" dirty="0" smtClean="0"/>
+              <a:t> </a:t>
+            </a:r>
+            <a:r>
+              <a:rPr lang="fr-CA" dirty="0" err="1" smtClean="0"/>
+              <a:t>such</a:t>
+            </a:r>
+            <a:r>
+              <a:rPr lang="fr-CA" dirty="0" smtClean="0"/>
+              <a:t> as </a:t>
+            </a:r>
+            <a:r>
+              <a:rPr lang="fr-CA" dirty="0" err="1" smtClean="0"/>
+              <a:t>that</a:t>
+            </a:r>
+            <a:r>
+              <a:rPr lang="fr-CA" dirty="0" smtClean="0"/>
+              <a:t> </a:t>
+            </a:r>
+            <a:r>
+              <a:rPr lang="fr-CA" dirty="0" err="1" smtClean="0"/>
+              <a:t>observed</a:t>
+            </a:r>
+            <a:r>
+              <a:rPr lang="fr-CA" dirty="0" smtClean="0"/>
+              <a:t> in 2019 </a:t>
+            </a:r>
+            <a:r>
+              <a:rPr lang="fr-CA" dirty="0" err="1" smtClean="0"/>
+              <a:t>strongly</a:t>
+            </a:r>
+            <a:r>
+              <a:rPr lang="fr-CA" dirty="0" smtClean="0"/>
+              <a:t> signal an </a:t>
+            </a:r>
+            <a:r>
+              <a:rPr lang="fr-CA" dirty="0" err="1" smtClean="0"/>
+              <a:t>increase</a:t>
+            </a:r>
+            <a:r>
+              <a:rPr lang="fr-CA" dirty="0" smtClean="0"/>
+              <a:t> in </a:t>
+            </a:r>
+            <a:r>
+              <a:rPr lang="fr-CA" dirty="0" err="1" smtClean="0"/>
+              <a:t>catchability</a:t>
+            </a:r>
+            <a:r>
+              <a:rPr lang="fr-CA" dirty="0" smtClean="0"/>
+              <a:t>.</a:t>
+            </a:r>
+            <a:endParaRPr lang="en-CA" dirty="0"/>
+          </a:p>
+        </p:txBody>
+      </p:sp>
     </p:spTree>
     <p:extLst>
       <p:ext uri="{BB962C8B-B14F-4D97-AF65-F5344CB8AC3E}">
-        <p14:creationId xmlns:p14="http://schemas.microsoft.com/office/powerpoint/2010/main" val="619714132"/>
+        <p14:creationId xmlns:p14="http://schemas.microsoft.com/office/powerpoint/2010/main" val="3227379028"/>
       </p:ext>
     </p:extLst>
   </p:cSld>
@@ -6772,7 +7081,7 @@
         </p:blipFill>
         <p:spPr bwMode="auto">
           <a:xfrm>
-            <a:off x="1496141" y="1016303"/>
+            <a:off x="2552309" y="1233466"/>
             <a:ext cx="6183181" cy="5472134"/>
           </a:xfrm>
           <a:prstGeom prst="rect">
@@ -6784,6 +7093,187 @@
           </a:ln>
         </p:spPr>
       </p:pic>
+      <p:sp>
+        <p:nvSpPr>
+          <p:cNvPr id="3" name="TextBox 2"/>
+          <p:cNvSpPr txBox="1"/>
+          <p:nvPr/>
+        </p:nvSpPr>
+        <p:spPr>
+          <a:xfrm>
+            <a:off x="123825" y="1016534"/>
+            <a:ext cx="2757486" cy="369332"/>
+          </a:xfrm>
+          <a:prstGeom prst="rect">
+            <a:avLst/>
+          </a:prstGeom>
+          <a:noFill/>
+        </p:spPr>
+        <p:txBody>
+          <a:bodyPr wrap="none" rtlCol="0">
+            <a:spAutoFit/>
+          </a:bodyPr>
+          <a:lstStyle/>
+          <a:p>
+            <a:r>
+              <a:rPr lang="fr-CA" dirty="0" smtClean="0"/>
+              <a:t>Compare </a:t>
+            </a:r>
+            <a:r>
+              <a:rPr lang="fr-CA" dirty="0" err="1" smtClean="0"/>
+              <a:t>with</a:t>
+            </a:r>
+            <a:r>
+              <a:rPr lang="fr-CA" dirty="0" smtClean="0"/>
+              <a:t> SAR figure</a:t>
+            </a:r>
+            <a:endParaRPr lang="en-CA" dirty="0"/>
+          </a:p>
+        </p:txBody>
+      </p:sp>
+      <p:sp>
+        <p:nvSpPr>
+          <p:cNvPr id="4" name="TextBox 3"/>
+          <p:cNvSpPr txBox="1"/>
+          <p:nvPr/>
+        </p:nvSpPr>
+        <p:spPr>
+          <a:xfrm>
+            <a:off x="476250" y="4996648"/>
+            <a:ext cx="2496196" cy="369332"/>
+          </a:xfrm>
+          <a:prstGeom prst="rect">
+            <a:avLst/>
+          </a:prstGeom>
+          <a:noFill/>
+        </p:spPr>
+        <p:txBody>
+          <a:bodyPr wrap="none" rtlCol="0">
+            <a:spAutoFit/>
+          </a:bodyPr>
+          <a:lstStyle/>
+          <a:p>
+            <a:r>
+              <a:rPr lang="fr-CA" dirty="0" smtClean="0"/>
+              <a:t>Show instar VIII trend</a:t>
+            </a:r>
+            <a:endParaRPr lang="en-CA" dirty="0"/>
+          </a:p>
+        </p:txBody>
+      </p:sp>
+      <p:sp>
+        <p:nvSpPr>
+          <p:cNvPr id="6" name="TextBox 5"/>
+          <p:cNvSpPr txBox="1"/>
+          <p:nvPr/>
+        </p:nvSpPr>
+        <p:spPr>
+          <a:xfrm>
+            <a:off x="237931" y="2644604"/>
+            <a:ext cx="2095304" cy="2031325"/>
+          </a:xfrm>
+          <a:prstGeom prst="rect">
+            <a:avLst/>
+          </a:prstGeom>
+          <a:noFill/>
+        </p:spPr>
+        <p:txBody>
+          <a:bodyPr wrap="square" rtlCol="0">
+            <a:spAutoFit/>
+          </a:bodyPr>
+          <a:lstStyle/>
+          <a:p>
+            <a:r>
+              <a:rPr lang="fr-CA" dirty="0" err="1" smtClean="0"/>
+              <a:t>These</a:t>
+            </a:r>
+            <a:r>
+              <a:rPr lang="fr-CA" dirty="0" smtClean="0"/>
+              <a:t> </a:t>
+            </a:r>
+            <a:r>
+              <a:rPr lang="fr-CA" dirty="0" err="1" smtClean="0"/>
+              <a:t>numbers</a:t>
+            </a:r>
+            <a:r>
+              <a:rPr lang="fr-CA" dirty="0" smtClean="0"/>
+              <a:t> are </a:t>
+            </a:r>
+            <a:r>
+              <a:rPr lang="fr-CA" dirty="0" err="1" smtClean="0"/>
+              <a:t>corrected</a:t>
+            </a:r>
+            <a:r>
+              <a:rPr lang="fr-CA" dirty="0" smtClean="0"/>
+              <a:t> for </a:t>
+            </a:r>
+            <a:r>
+              <a:rPr lang="fr-CA" dirty="0" err="1" smtClean="0"/>
+              <a:t>year</a:t>
+            </a:r>
+            <a:r>
+              <a:rPr lang="fr-CA" dirty="0" smtClean="0"/>
+              <a:t> </a:t>
+            </a:r>
+            <a:r>
+              <a:rPr lang="fr-CA" dirty="0" err="1" smtClean="0"/>
+              <a:t>effects</a:t>
+            </a:r>
+            <a:r>
+              <a:rPr lang="fr-CA" dirty="0" smtClean="0"/>
+              <a:t> (</a:t>
+            </a:r>
+            <a:r>
+              <a:rPr lang="fr-CA" dirty="0" err="1" smtClean="0"/>
+              <a:t>catchability</a:t>
+            </a:r>
+            <a:r>
+              <a:rPr lang="fr-CA" dirty="0" smtClean="0"/>
+              <a:t>) and </a:t>
+            </a:r>
+            <a:r>
+              <a:rPr lang="fr-CA" dirty="0" err="1" smtClean="0"/>
+              <a:t>trawl</a:t>
+            </a:r>
+            <a:r>
+              <a:rPr lang="fr-CA" dirty="0" smtClean="0"/>
+              <a:t> </a:t>
+            </a:r>
+            <a:r>
+              <a:rPr lang="fr-CA" dirty="0" err="1" smtClean="0"/>
+              <a:t>selectivity</a:t>
+            </a:r>
+            <a:endParaRPr lang="fr-CA" dirty="0" smtClean="0"/>
+          </a:p>
+          <a:p>
+            <a:r>
+              <a:rPr lang="fr-CA" dirty="0" err="1" smtClean="0"/>
+              <a:t>They</a:t>
+            </a:r>
+            <a:r>
+              <a:rPr lang="fr-CA" dirty="0" smtClean="0"/>
+              <a:t> are all on the </a:t>
+            </a:r>
+            <a:r>
+              <a:rPr lang="fr-CA" dirty="0" err="1" smtClean="0"/>
+              <a:t>same</a:t>
+            </a:r>
+            <a:r>
+              <a:rPr lang="fr-CA" dirty="0" smtClean="0"/>
+              <a:t> </a:t>
+            </a:r>
+            <a:r>
+              <a:rPr lang="fr-CA" dirty="0" err="1" smtClean="0"/>
+              <a:t>scale</a:t>
+            </a:r>
+            <a:r>
+              <a:rPr lang="fr-CA" dirty="0" smtClean="0"/>
+              <a:t> …</a:t>
+            </a:r>
+            <a:endParaRPr lang="en-CA" dirty="0"/>
+          </a:p>
+        </p:txBody>
+      </p:sp>
     </p:spTree>
     <p:extLst>
       <p:ext uri="{BB962C8B-B14F-4D97-AF65-F5344CB8AC3E}">
@@ -6824,25 +7314,28 @@
             <p:ph type="title"/>
           </p:nvPr>
         </p:nvSpPr>
-        <p:spPr>
-          <a:xfrm>
-            <a:off x="521501" y="371080"/>
-            <a:ext cx="7921786" cy="541668"/>
-          </a:xfrm>
-        </p:spPr>
+        <p:spPr/>
         <p:txBody>
           <a:bodyPr/>
           <a:lstStyle/>
           <a:p>
             <a:r>
-              <a:rPr lang="en-US" sz="3200" b="1" dirty="0"/>
-              <a:t>P</a:t>
-            </a:r>
-            <a:r>
-              <a:rPr lang="en-US" sz="3200" b="1" dirty="0" smtClean="0"/>
-              <a:t>opulation Model in Stock Assessment:</a:t>
-            </a:r>
-            <a:endParaRPr lang="en-US" sz="3200" b="1" dirty="0"/>
+              <a:rPr lang="fr-CA" dirty="0" err="1" smtClean="0"/>
+              <a:t>Other</a:t>
+            </a:r>
+            <a:r>
+              <a:rPr lang="fr-CA" dirty="0" smtClean="0"/>
+              <a:t> </a:t>
+            </a:r>
+            <a:r>
+              <a:rPr lang="fr-CA" dirty="0" err="1" smtClean="0"/>
+              <a:t>results</a:t>
+            </a:r>
+            <a:r>
+              <a:rPr lang="fr-CA" dirty="0" smtClean="0"/>
+              <a:t>:</a:t>
+            </a:r>
+            <a:endParaRPr lang="en-CA" dirty="0"/>
           </a:p>
         </p:txBody>
       </p:sp>
@@ -6856,59 +7349,158 @@
             <p:ph idx="1"/>
           </p:nvPr>
         </p:nvSpPr>
-        <p:spPr>
-          <a:xfrm>
-            <a:off x="590952" y="1293057"/>
-            <a:ext cx="7991237" cy="3260754"/>
-          </a:xfrm>
-        </p:spPr>
-        <p:txBody>
-          <a:bodyPr>
-            <a:normAutofit fontScale="92500" lnSpcReduction="10000"/>
+        <p:spPr/>
+        <p:txBody>
+          <a:bodyPr/>
+          <a:lstStyle/>
+          <a:p>
+            <a:r>
+              <a:rPr lang="fr-CA" dirty="0" smtClean="0"/>
+              <a:t>Natural </a:t>
+            </a:r>
+            <a:r>
+              <a:rPr lang="fr-CA" dirty="0" err="1" smtClean="0"/>
+              <a:t>mortality</a:t>
+            </a:r>
+            <a:r>
+              <a:rPr lang="fr-CA" dirty="0" smtClean="0"/>
+              <a:t> </a:t>
+            </a:r>
+            <a:r>
+              <a:rPr lang="fr-CA" dirty="0" err="1" smtClean="0"/>
+              <a:t>estimates</a:t>
+            </a:r>
+            <a:r>
+              <a:rPr lang="fr-CA" dirty="0" smtClean="0"/>
+              <a:t>:</a:t>
+            </a:r>
+            <a:endParaRPr lang="en-CA" dirty="0"/>
+          </a:p>
+        </p:txBody>
+      </p:sp>
+      <p:sp>
+        <p:nvSpPr>
+          <p:cNvPr id="4" name="TextBox 3"/>
+          <p:cNvSpPr txBox="1"/>
+          <p:nvPr/>
+        </p:nvSpPr>
+        <p:spPr>
+          <a:xfrm>
+            <a:off x="476250" y="2712482"/>
+            <a:ext cx="8115299" cy="369332"/>
+          </a:xfrm>
+          <a:prstGeom prst="rect">
+            <a:avLst/>
+          </a:prstGeom>
+          <a:noFill/>
+        </p:spPr>
+        <p:txBody>
+          <a:bodyPr wrap="square" rtlCol="0">
+            <a:spAutoFit/>
           </a:bodyPr>
           <a:lstStyle/>
           <a:p>
-            <a:pPr marL="0" indent="0">
-              <a:buNone/>
-            </a:pPr>
-            <a:r>
-              <a:rPr lang="en-US" sz="2800" dirty="0" smtClean="0"/>
-              <a:t>Short-term:</a:t>
-            </a:r>
-          </a:p>
-          <a:p>
-            <a:r>
-              <a:rPr lang="en-US" sz="2800" dirty="0" smtClean="0"/>
-              <a:t>Replace prediction model</a:t>
-            </a:r>
-          </a:p>
-          <a:p>
-            <a:r>
-              <a:rPr lang="en-US" sz="2800" dirty="0" smtClean="0"/>
-              <a:t>Improve mortality estimates</a:t>
-            </a:r>
-          </a:p>
-          <a:p>
-            <a:r>
-              <a:rPr lang="en-US" sz="2800" dirty="0" smtClean="0"/>
-              <a:t>Year-to-year relationships tend to accumulate errors (i.e. drift off)</a:t>
-            </a:r>
-          </a:p>
-          <a:p>
-            <a:pPr marL="0" indent="0">
-              <a:buNone/>
-            </a:pPr>
-            <a:r>
-              <a:rPr lang="en-US" sz="2800" dirty="0"/>
-              <a:t>	</a:t>
-            </a:r>
+            <a:r>
+              <a:rPr lang="fr-CA" dirty="0" smtClean="0"/>
+              <a:t>Show sexes </a:t>
+            </a:r>
+            <a:r>
+              <a:rPr lang="fr-CA" dirty="0" err="1" smtClean="0"/>
+              <a:t>side</a:t>
+            </a:r>
+            <a:r>
+              <a:rPr lang="fr-CA" dirty="0" smtClean="0"/>
+              <a:t> by </a:t>
+            </a:r>
+            <a:r>
+              <a:rPr lang="fr-CA" dirty="0" err="1" smtClean="0"/>
+              <a:t>side</a:t>
+            </a:r>
+            <a:r>
+              <a:rPr lang="fr-CA" dirty="0" smtClean="0"/>
+              <a:t>, </a:t>
+            </a:r>
+            <a:r>
+              <a:rPr lang="fr-CA" dirty="0" err="1" smtClean="0"/>
+              <a:t>along</a:t>
+            </a:r>
+            <a:r>
+              <a:rPr lang="fr-CA" dirty="0" smtClean="0"/>
+              <a:t> </a:t>
+            </a:r>
+            <a:r>
+              <a:rPr lang="fr-CA" dirty="0" err="1" smtClean="0"/>
+              <a:t>with</a:t>
+            </a:r>
+            <a:r>
+              <a:rPr lang="fr-CA" dirty="0" smtClean="0"/>
+              <a:t> </a:t>
+            </a:r>
+            <a:r>
+              <a:rPr lang="fr-CA" dirty="0" err="1" smtClean="0"/>
+              <a:t>comparisons</a:t>
+            </a:r>
+            <a:r>
+              <a:rPr lang="fr-CA" dirty="0" smtClean="0"/>
+              <a:t> </a:t>
+            </a:r>
+            <a:r>
+              <a:rPr lang="fr-CA" dirty="0" err="1" smtClean="0"/>
+              <a:t>from</a:t>
+            </a:r>
+            <a:r>
+              <a:rPr lang="fr-CA" dirty="0" smtClean="0"/>
+              <a:t> SSR </a:t>
+            </a:r>
+            <a:r>
+              <a:rPr lang="fr-CA" dirty="0" err="1" smtClean="0"/>
+              <a:t>where</a:t>
+            </a:r>
+            <a:r>
+              <a:rPr lang="fr-CA" dirty="0" smtClean="0"/>
+              <a:t> relevant</a:t>
+            </a:r>
+          </a:p>
+        </p:txBody>
+      </p:sp>
+      <p:sp>
+        <p:nvSpPr>
+          <p:cNvPr id="5" name="TextBox 4"/>
+          <p:cNvSpPr txBox="1"/>
+          <p:nvPr/>
+        </p:nvSpPr>
+        <p:spPr>
+          <a:xfrm>
+            <a:off x="1285875" y="4000500"/>
+            <a:ext cx="1736373" cy="369332"/>
+          </a:xfrm>
+          <a:prstGeom prst="rect">
+            <a:avLst/>
+          </a:prstGeom>
+          <a:noFill/>
+        </p:spPr>
+        <p:txBody>
+          <a:bodyPr wrap="none" rtlCol="0">
+            <a:spAutoFit/>
+          </a:bodyPr>
+          <a:lstStyle/>
+          <a:p>
+            <a:r>
+              <a:rPr lang="fr-CA" dirty="0" err="1" smtClean="0"/>
+              <a:t>Summary</a:t>
+            </a:r>
+            <a:r>
+              <a:rPr lang="fr-CA" dirty="0" smtClean="0"/>
+              <a:t> table</a:t>
+            </a:r>
+            <a:endParaRPr lang="en-CA" dirty="0"/>
           </a:p>
         </p:txBody>
       </p:sp>
     </p:spTree>
     <p:extLst>
       <p:ext uri="{BB962C8B-B14F-4D97-AF65-F5344CB8AC3E}">
-        <p14:creationId xmlns:p14="http://schemas.microsoft.com/office/powerpoint/2010/main" val="1569213219"/>
+        <p14:creationId xmlns:p14="http://schemas.microsoft.com/office/powerpoint/2010/main" val="1207002901"/>
       </p:ext>
     </p:extLst>
   </p:cSld>
@@ -6937,104 +7529,127 @@
       </p:grpSpPr>
       <p:sp>
         <p:nvSpPr>
-          <p:cNvPr id="2" name="Title 1"/>
-          <p:cNvSpPr>
-            <a:spLocks noGrp="1"/>
-          </p:cNvSpPr>
-          <p:nvPr>
-            <p:ph type="title"/>
-          </p:nvPr>
-        </p:nvSpPr>
-        <p:spPr>
-          <a:xfrm>
-            <a:off x="521501" y="390922"/>
-            <a:ext cx="7921786" cy="541668"/>
+          <p:cNvPr id="3" name="Content Placeholder 2"/>
+          <p:cNvSpPr>
+            <a:spLocks noGrp="1"/>
+          </p:cNvSpPr>
+          <p:nvPr>
+            <p:ph idx="1"/>
+          </p:nvPr>
+        </p:nvSpPr>
+        <p:spPr>
+          <a:xfrm>
+            <a:off x="779463" y="1200460"/>
+            <a:ext cx="7583487" cy="4837270"/>
           </a:xfrm>
         </p:spPr>
         <p:txBody>
           <a:bodyPr/>
-          <a:lstStyle/>
-          <a:p>
-            <a:r>
-              <a:rPr lang="en-US" sz="3200" b="1" dirty="0"/>
-              <a:t>P</a:t>
-            </a:r>
-            <a:r>
-              <a:rPr lang="en-US" sz="3200" b="1" dirty="0" smtClean="0"/>
-              <a:t>opulation Model in Stock Assessment:</a:t>
-            </a:r>
-            <a:endParaRPr lang="en-US" sz="3200" b="1" dirty="0"/>
-          </a:p>
-        </p:txBody>
-      </p:sp>
-      <p:sp>
-        <p:nvSpPr>
-          <p:cNvPr id="3" name="Content Placeholder 2"/>
-          <p:cNvSpPr>
-            <a:spLocks noGrp="1"/>
-          </p:cNvSpPr>
-          <p:nvPr>
-            <p:ph idx="1"/>
-          </p:nvPr>
-        </p:nvSpPr>
-        <p:spPr>
-          <a:xfrm>
-            <a:off x="521501" y="1293056"/>
-            <a:ext cx="8249199" cy="4242949"/>
-          </a:xfrm>
-        </p:spPr>
-        <p:txBody>
-          <a:bodyPr>
-            <a:normAutofit/>
-          </a:bodyPr>
           <a:lstStyle/>
           <a:p>
             <a:pPr marL="0" indent="0">
               <a:buNone/>
             </a:pPr>
             <a:r>
-              <a:rPr lang="en-US" sz="2800" dirty="0" smtClean="0"/>
-              <a:t>Long-term:</a:t>
-            </a:r>
-          </a:p>
-          <a:p>
-            <a:r>
-              <a:rPr lang="en-US" sz="2800" dirty="0" smtClean="0"/>
-              <a:t>Standardize abundance or biomass indices (retroactive).</a:t>
-            </a:r>
-          </a:p>
-          <a:p>
-            <a:r>
-              <a:rPr lang="en-US" sz="2800" dirty="0" smtClean="0"/>
-              <a:t>Growth variation</a:t>
-            </a:r>
-          </a:p>
-          <a:p>
-            <a:r>
-              <a:rPr lang="en-US" sz="2800" dirty="0" smtClean="0"/>
-              <a:t>Skip-</a:t>
-            </a:r>
-            <a:r>
-              <a:rPr lang="en-US" sz="2800" dirty="0" err="1" smtClean="0"/>
-              <a:t>moulting</a:t>
-            </a:r>
-            <a:r>
-              <a:rPr lang="en-US" sz="2800" dirty="0" smtClean="0"/>
-              <a:t> estimates</a:t>
-            </a:r>
-          </a:p>
-          <a:p>
-            <a:r>
-              <a:rPr lang="en-US" sz="2800" dirty="0" smtClean="0"/>
-              <a:t>Incidental fishing mortality</a:t>
-            </a:r>
+              <a:rPr lang="en-US" b="1" dirty="0" smtClean="0"/>
+              <a:t>Population Trends:</a:t>
+            </a:r>
+          </a:p>
+          <a:p>
+            <a:r>
+              <a:rPr lang="en-US" dirty="0" smtClean="0"/>
+              <a:t>Propagation of errors means that large-scale population trends can be very uncertain </a:t>
+            </a:r>
+            <a:r>
+              <a:rPr lang="mr-IN" dirty="0" smtClean="0"/>
+              <a:t>…</a:t>
+            </a:r>
+            <a:r>
+              <a:rPr lang="en-CA" dirty="0" smtClean="0"/>
+              <a:t> can lead to global increase or decrease in the global trend, without much change in model fit to the indices.</a:t>
+            </a:r>
+            <a:r>
+              <a:rPr lang="en-US" dirty="0" smtClean="0"/>
+              <a:t> </a:t>
+            </a:r>
+            <a:endParaRPr lang="en-US" dirty="0" smtClean="0"/>
+          </a:p>
+          <a:p>
+            <a:r>
+              <a:rPr lang="en-US" sz="2000" dirty="0" smtClean="0"/>
+              <a:t>Year-to-year </a:t>
+            </a:r>
+            <a:r>
+              <a:rPr lang="en-US" sz="2000" dirty="0"/>
+              <a:t>relationships tend to accumulate errors (i.e. drift off</a:t>
+            </a:r>
+            <a:r>
+              <a:rPr lang="en-US" sz="2000" dirty="0" smtClean="0"/>
+              <a:t>)</a:t>
+            </a:r>
+          </a:p>
+          <a:p>
+            <a:r>
+              <a:rPr lang="en-US" sz="2000" dirty="0" err="1" smtClean="0"/>
+              <a:t>Moult</a:t>
+            </a:r>
+            <a:r>
+              <a:rPr lang="en-US" sz="2000" dirty="0" smtClean="0"/>
+              <a:t> frequency for small instars IV-VIII are underestimated : these can </a:t>
+            </a:r>
+            <a:r>
+              <a:rPr lang="en-US" sz="2000" dirty="0" err="1" smtClean="0"/>
+              <a:t>moult</a:t>
+            </a:r>
+            <a:r>
+              <a:rPr lang="en-US" sz="2000" dirty="0" smtClean="0"/>
+              <a:t> multiple times per year.</a:t>
+            </a:r>
+          </a:p>
+          <a:p>
+            <a:r>
+              <a:rPr lang="en-US" sz="2000" dirty="0" smtClean="0"/>
+              <a:t>Mortality held as fixed through time.</a:t>
+            </a:r>
+            <a:endParaRPr lang="en-US" sz="2000" dirty="0"/>
+          </a:p>
+          <a:p>
+            <a:endParaRPr lang="en-US" dirty="0" smtClean="0"/>
+          </a:p>
+        </p:txBody>
+      </p:sp>
+      <p:sp>
+        <p:nvSpPr>
+          <p:cNvPr id="5" name="Title 1"/>
+          <p:cNvSpPr>
+            <a:spLocks noGrp="1"/>
+          </p:cNvSpPr>
+          <p:nvPr>
+            <p:ph type="title"/>
+          </p:nvPr>
+        </p:nvSpPr>
+        <p:spPr>
+          <a:xfrm>
+            <a:off x="779463" y="381000"/>
+            <a:ext cx="7583487" cy="492062"/>
+          </a:xfrm>
+        </p:spPr>
+        <p:txBody>
+          <a:bodyPr/>
+          <a:lstStyle/>
+          <a:p>
+            <a:r>
+              <a:rPr lang="en-US" sz="2800" b="1" dirty="0" smtClean="0"/>
+              <a:t>Model Issues:</a:t>
+            </a:r>
+            <a:endParaRPr lang="en-US" sz="2800" b="1" dirty="0"/>
           </a:p>
         </p:txBody>
       </p:sp>
     </p:spTree>
     <p:extLst>
       <p:ext uri="{BB962C8B-B14F-4D97-AF65-F5344CB8AC3E}">
-        <p14:creationId xmlns:p14="http://schemas.microsoft.com/office/powerpoint/2010/main" val="3473980020"/>
+        <p14:creationId xmlns:p14="http://schemas.microsoft.com/office/powerpoint/2010/main" val="147775876"/>
       </p:ext>
     </p:extLst>
   </p:cSld>
@@ -7073,8 +7688,8 @@
         </p:nvSpPr>
         <p:spPr>
           <a:xfrm>
-            <a:off x="643745" y="381000"/>
-            <a:ext cx="6830439" cy="492062"/>
+            <a:off x="521501" y="390922"/>
+            <a:ext cx="7921786" cy="541668"/>
           </a:xfrm>
         </p:spPr>
         <p:txBody>
@@ -7082,8 +7697,12 @@
           <a:lstStyle/>
           <a:p>
             <a:r>
+              <a:rPr lang="en-US" sz="3200" b="1" dirty="0"/>
+              <a:t>P</a:t>
+            </a:r>
+            <a:r>
               <a:rPr lang="en-US" sz="3200" b="1" dirty="0" smtClean="0"/>
-              <a:t>Approach:</a:t>
+              <a:t>opulation Model in Stock Assessment:</a:t>
             </a:r>
             <a:endParaRPr lang="en-US" sz="3200" b="1" dirty="0"/>
           </a:p>
@@ -7101,121 +7720,59 @@
         </p:nvSpPr>
         <p:spPr>
           <a:xfrm>
-            <a:off x="643745" y="1644621"/>
-            <a:ext cx="7583487" cy="4763773"/>
+            <a:off x="521501" y="1293056"/>
+            <a:ext cx="8249199" cy="4641019"/>
           </a:xfrm>
         </p:spPr>
         <p:txBody>
           <a:bodyPr>
-            <a:normAutofit fontScale="92500" lnSpcReduction="10000"/>
+            <a:normAutofit/>
           </a:bodyPr>
           <a:lstStyle/>
           <a:p>
-            <a:r>
-              <a:rPr lang="en-US" dirty="0" smtClean="0"/>
-              <a:t>There are all these processes changing through time </a:t>
-            </a:r>
-            <a:r>
-              <a:rPr lang="mr-IN" dirty="0" smtClean="0"/>
-              <a:t>…</a:t>
-            </a:r>
-            <a:r>
-              <a:rPr lang="en-CA" dirty="0" smtClean="0"/>
-              <a:t> so how do we resolve them? i.e. how do we tease each of them out so that we can draw informative inferences?</a:t>
-            </a:r>
-          </a:p>
-          <a:p>
-            <a:r>
-              <a:rPr lang="en-CA" dirty="0" smtClean="0"/>
-              <a:t>The approach is to be as informative about the different processes as possible, but not so much that we are forced to make unreasonable assumptions. </a:t>
-            </a:r>
-          </a:p>
-          <a:p>
-            <a:pPr lvl="1"/>
-            <a:r>
-              <a:rPr lang="en-CA" dirty="0" smtClean="0"/>
-              <a:t>Informative: </a:t>
-            </a:r>
-          </a:p>
-          <a:p>
-            <a:pPr lvl="2"/>
-            <a:r>
-              <a:rPr lang="en-CA" dirty="0" smtClean="0"/>
-              <a:t>structural information i.e. how the model is put together, </a:t>
-            </a:r>
-          </a:p>
-          <a:p>
-            <a:pPr lvl="2"/>
-            <a:r>
-              <a:rPr lang="en-CA" dirty="0" smtClean="0"/>
-              <a:t>Informative parameters: prior constraints (fixed, distributions, ranges).</a:t>
-            </a:r>
-          </a:p>
-          <a:p>
-            <a:r>
-              <a:rPr lang="en-CA" dirty="0" smtClean="0"/>
-              <a:t>Hopefully most of these processes are predictable, i.e. sufficiently stable that they can be used as a baseline for processes that we are interested in, e.g. </a:t>
-            </a:r>
-            <a:r>
-              <a:rPr lang="en-CA" dirty="0" err="1" smtClean="0"/>
-              <a:t>catchability</a:t>
-            </a:r>
-            <a:r>
-              <a:rPr lang="en-CA" dirty="0" smtClean="0"/>
-              <a:t> and mortality.</a:t>
-            </a:r>
-          </a:p>
-        </p:txBody>
-      </p:sp>
-      <p:sp>
-        <p:nvSpPr>
-          <p:cNvPr id="4" name="Rectangle 3"/>
-          <p:cNvSpPr/>
-          <p:nvPr/>
-        </p:nvSpPr>
-        <p:spPr>
-          <a:xfrm>
-            <a:off x="643745" y="1062959"/>
-            <a:ext cx="2562120" cy="461665"/>
-          </a:xfrm>
-          <a:prstGeom prst="rect">
-            <a:avLst/>
-          </a:prstGeom>
-        </p:spPr>
-        <p:txBody>
-          <a:bodyPr wrap="none">
-            <a:spAutoFit/>
-          </a:bodyPr>
-          <a:lstStyle/>
-          <a:p>
-            <a:r>
-              <a:rPr lang="en-US" sz="2400" b="1" dirty="0">
-                <a:solidFill>
-                  <a:srgbClr val="FFFFFF"/>
-                </a:solidFill>
-              </a:rPr>
-              <a:t>U</a:t>
-            </a:r>
-            <a:r>
-              <a:rPr lang="en-US" sz="2400" b="1" dirty="0" smtClean="0">
-                <a:solidFill>
-                  <a:srgbClr val="FFFFFF"/>
-                </a:solidFill>
-              </a:rPr>
-              <a:t>nderlying idea:</a:t>
-            </a:r>
-            <a:endParaRPr lang="en-US" sz="2400" b="1" dirty="0">
-              <a:solidFill>
-                <a:srgbClr val="FFFFFF"/>
-              </a:solidFill>
-            </a:endParaRPr>
+            <a:pPr marL="0" indent="0">
+              <a:buNone/>
+            </a:pPr>
+            <a:r>
+              <a:rPr lang="en-US" sz="2800" dirty="0" smtClean="0"/>
+              <a:t>Long-term:</a:t>
+            </a:r>
+          </a:p>
+          <a:p>
+            <a:r>
+              <a:rPr lang="en-US" sz="2800" dirty="0" smtClean="0"/>
+              <a:t>Standardize abundance or biomass indices (retroactive).</a:t>
+            </a:r>
+          </a:p>
+          <a:p>
+            <a:r>
+              <a:rPr lang="en-US" sz="2800" dirty="0" smtClean="0"/>
+              <a:t>Growth </a:t>
+            </a:r>
+            <a:r>
+              <a:rPr lang="en-US" sz="2800" dirty="0" smtClean="0"/>
+              <a:t>variation</a:t>
+            </a:r>
+          </a:p>
+          <a:p>
+            <a:r>
+              <a:rPr lang="en-US" sz="2800" dirty="0" smtClean="0"/>
+              <a:t>Improved understanding of population dynamics can then be linked to environmental changes.</a:t>
+            </a:r>
+          </a:p>
+          <a:p>
+            <a:r>
+              <a:rPr lang="en-US" sz="2800" dirty="0" smtClean="0"/>
+              <a:t>Build spatially-referenced model: examine how model varies at a local scale.</a:t>
+            </a:r>
+            <a:endParaRPr lang="en-US" sz="2800" dirty="0" smtClean="0"/>
           </a:p>
         </p:txBody>
       </p:sp>
     </p:spTree>
     <p:extLst>
       <p:ext uri="{BB962C8B-B14F-4D97-AF65-F5344CB8AC3E}">
-        <p14:creationId xmlns:p14="http://schemas.microsoft.com/office/powerpoint/2010/main" val="815537326"/>
+        <p14:creationId xmlns:p14="http://schemas.microsoft.com/office/powerpoint/2010/main" val="3239180756"/>
       </p:ext>
     </p:extLst>
   </p:cSld>
@@ -7254,8 +7811,8 @@
         </p:nvSpPr>
         <p:spPr>
           <a:xfrm>
-            <a:off x="506648" y="381000"/>
-            <a:ext cx="7583487" cy="550333"/>
+            <a:off x="643745" y="381000"/>
+            <a:ext cx="6830439" cy="492062"/>
           </a:xfrm>
         </p:spPr>
         <p:txBody>
@@ -7264,7 +7821,7 @@
           <a:p>
             <a:r>
               <a:rPr lang="en-US" sz="3200" b="1" dirty="0" smtClean="0"/>
-              <a:t>Perspective:</a:t>
+              <a:t>Approach:</a:t>
             </a:r>
             <a:endParaRPr lang="en-US" sz="3200" b="1" dirty="0"/>
           </a:p>
@@ -7282,57 +7839,121 @@
         </p:nvSpPr>
         <p:spPr>
           <a:xfrm>
-            <a:off x="506648" y="1461912"/>
-            <a:ext cx="8129352" cy="4208930"/>
-          </a:xfrm>
-        </p:spPr>
-        <p:txBody>
-          <a:bodyPr/>
-          <a:lstStyle/>
-          <a:p>
-            <a:r>
-              <a:rPr lang="en-US" dirty="0"/>
-              <a:t>Models are developed, different versions are examined and tested using diagnostics. They are not </a:t>
-            </a:r>
-            <a:r>
-              <a:rPr lang="en-US" i="1" dirty="0"/>
-              <a:t>true</a:t>
-            </a:r>
-            <a:r>
-              <a:rPr lang="en-US" dirty="0"/>
-              <a:t>, but they can be </a:t>
-            </a:r>
-            <a:r>
-              <a:rPr lang="en-US" i="1" dirty="0"/>
-              <a:t>useful</a:t>
-            </a:r>
-            <a:r>
-              <a:rPr lang="en-US" dirty="0"/>
-              <a:t>. Knowing the limits of their reliability is key. A model should be used insofar that it is useful and objective for the purposes it is being used. i.e. different objectives = different models.</a:t>
-            </a:r>
-          </a:p>
-          <a:p>
-            <a:r>
-              <a:rPr lang="en-US" dirty="0"/>
-              <a:t>When key processes are well modeled, they can allow for a contextualized assessment of quantities of interest (idea of signal and noise).</a:t>
+            <a:off x="643745" y="1644621"/>
+            <a:ext cx="7583487" cy="4763773"/>
+          </a:xfrm>
+        </p:spPr>
+        <p:txBody>
+          <a:bodyPr>
+            <a:normAutofit fontScale="92500" lnSpcReduction="10000"/>
+          </a:bodyPr>
+          <a:lstStyle/>
+          <a:p>
+            <a:r>
+              <a:rPr lang="en-US" dirty="0" smtClean="0"/>
+              <a:t>There are all these processes changing through time </a:t>
+            </a:r>
+            <a:r>
+              <a:rPr lang="mr-IN" dirty="0" smtClean="0"/>
+              <a:t>…</a:t>
+            </a:r>
+            <a:r>
+              <a:rPr lang="en-CA" dirty="0" smtClean="0"/>
+              <a:t> so how do we resolve them? i.e. how do we tease each of them out so that we can draw informative inferences?</a:t>
+            </a:r>
+          </a:p>
+          <a:p>
+            <a:r>
+              <a:rPr lang="en-CA" dirty="0" smtClean="0"/>
+              <a:t>The approach is to be as informative about the different processes as possible, but not so much that we are forced to make unreasonable assumptions. </a:t>
             </a:r>
           </a:p>
           <a:p>
             <a:pPr lvl="1"/>
             <a:r>
-              <a:rPr lang="en-US" dirty="0"/>
-              <a:t>When you have a lot of moving parts, it is hard to know the scale of isolated changes.</a:t>
-            </a:r>
-          </a:p>
-          <a:p>
-            <a:endParaRPr lang="en-US" dirty="0"/>
+              <a:rPr lang="en-CA" dirty="0" smtClean="0"/>
+              <a:t>Informative: </a:t>
+            </a:r>
+          </a:p>
+          <a:p>
+            <a:pPr lvl="2"/>
+            <a:r>
+              <a:rPr lang="en-CA" dirty="0" smtClean="0"/>
+              <a:t>structural information i.e. how the model is put together, </a:t>
+            </a:r>
+          </a:p>
+          <a:p>
+            <a:pPr lvl="2"/>
+            <a:r>
+              <a:rPr lang="en-CA" dirty="0" smtClean="0"/>
+              <a:t>Informative parameters: prior constraints (fixed, distributions, ranges).</a:t>
+            </a:r>
+          </a:p>
+          <a:p>
+            <a:r>
+              <a:rPr lang="en-CA" dirty="0" smtClean="0"/>
+              <a:t>Hopefully most of these processes are predictable, i.e. sufficiently stable that they can be used as a baseline for processes that we are interested in, e.g. </a:t>
+            </a:r>
+            <a:r>
+              <a:rPr lang="en-CA" dirty="0" err="1" smtClean="0"/>
+              <a:t>catchability</a:t>
+            </a:r>
+            <a:r>
+              <a:rPr lang="en-CA" dirty="0" smtClean="0"/>
+              <a:t> and mortality.</a:t>
+            </a:r>
+          </a:p>
+        </p:txBody>
+      </p:sp>
+      <p:sp>
+        <p:nvSpPr>
+          <p:cNvPr id="4" name="Rectangle 3"/>
+          <p:cNvSpPr/>
+          <p:nvPr/>
+        </p:nvSpPr>
+        <p:spPr>
+          <a:xfrm>
+            <a:off x="643745" y="1062959"/>
+            <a:ext cx="2562120" cy="461665"/>
+          </a:xfrm>
+          <a:prstGeom prst="rect">
+            <a:avLst/>
+          </a:prstGeom>
+        </p:spPr>
+        <p:txBody>
+          <a:bodyPr wrap="none">
+            <a:spAutoFit/>
+          </a:bodyPr>
+          <a:lstStyle/>
+          <a:p>
+            <a:r>
+              <a:rPr lang="en-US" sz="2400" b="1" dirty="0">
+                <a:solidFill>
+                  <a:srgbClr val="FFFFFF"/>
+                </a:solidFill>
+              </a:rPr>
+              <a:t>U</a:t>
+            </a:r>
+            <a:r>
+              <a:rPr lang="en-US" sz="2400" b="1" dirty="0" smtClean="0">
+                <a:solidFill>
+                  <a:srgbClr val="FFFFFF"/>
+                </a:solidFill>
+              </a:rPr>
+              <a:t>nderlying idea:</a:t>
+            </a:r>
+            <a:endParaRPr lang="en-US" sz="2400" b="1" dirty="0">
+              <a:solidFill>
+                <a:srgbClr val="FFFFFF"/>
+              </a:solidFill>
+            </a:endParaRPr>
           </a:p>
         </p:txBody>
       </p:sp>
     </p:spTree>
     <p:extLst>
       <p:ext uri="{BB962C8B-B14F-4D97-AF65-F5344CB8AC3E}">
-        <p14:creationId xmlns:p14="http://schemas.microsoft.com/office/powerpoint/2010/main" val="448692763"/>
+        <p14:creationId xmlns:p14="http://schemas.microsoft.com/office/powerpoint/2010/main" val="815537326"/>
       </p:ext>
     </p:extLst>
   </p:cSld>
@@ -7371,8 +7992,8 @@
         </p:nvSpPr>
         <p:spPr>
           <a:xfrm>
-            <a:off x="779463" y="381000"/>
-            <a:ext cx="7583487" cy="492062"/>
+            <a:off x="506648" y="381000"/>
+            <a:ext cx="7583487" cy="550333"/>
           </a:xfrm>
         </p:spPr>
         <p:txBody>
@@ -7380,10 +8001,10 @@
           <a:lstStyle/>
           <a:p>
             <a:r>
-              <a:rPr lang="en-US" sz="2800" b="1" dirty="0" smtClean="0"/>
-              <a:t>Model Issues:</a:t>
-            </a:r>
-            <a:endParaRPr lang="en-US" sz="2800" b="1" dirty="0"/>
+              <a:rPr lang="en-US" sz="3200" b="1" dirty="0" smtClean="0"/>
+              <a:t>Perspective:</a:t>
+            </a:r>
+            <a:endParaRPr lang="en-US" sz="3200" b="1" dirty="0"/>
           </a:p>
         </p:txBody>
       </p:sp>
@@ -7399,74 +8020,40 @@
         </p:nvSpPr>
         <p:spPr>
           <a:xfrm>
-            <a:off x="779463" y="1121091"/>
-            <a:ext cx="7583487" cy="4916639"/>
+            <a:off x="506648" y="1461912"/>
+            <a:ext cx="8129352" cy="4208930"/>
           </a:xfrm>
         </p:spPr>
         <p:txBody>
           <a:bodyPr/>
           <a:lstStyle/>
           <a:p>
-            <a:pPr marL="0" indent="0">
-              <a:buNone/>
-            </a:pPr>
-            <a:r>
-              <a:rPr lang="en-CA" dirty="0" smtClean="0"/>
-              <a:t>Examples of processes that are often confounded:</a:t>
-            </a:r>
-          </a:p>
-          <a:p>
-            <a:r>
-              <a:rPr lang="en-CA" dirty="0" smtClean="0"/>
-              <a:t>Decrease in survey </a:t>
-            </a:r>
-            <a:r>
-              <a:rPr lang="en-CA" dirty="0" err="1" smtClean="0"/>
-              <a:t>catchability</a:t>
-            </a:r>
-            <a:r>
-              <a:rPr lang="en-CA" dirty="0" smtClean="0"/>
-              <a:t> and increase in natural mortality.</a:t>
-            </a:r>
-          </a:p>
-          <a:p>
-            <a:pPr lvl="1"/>
-            <a:r>
-              <a:rPr lang="en-CA" dirty="0" smtClean="0"/>
-              <a:t>How would we tell these apart?</a:t>
-            </a:r>
-          </a:p>
-          <a:p>
-            <a:r>
-              <a:rPr lang="en-CA" dirty="0" smtClean="0"/>
-              <a:t>Increase in </a:t>
-            </a:r>
-            <a:r>
-              <a:rPr lang="en-CA" dirty="0" err="1" smtClean="0"/>
-              <a:t>catchability</a:t>
-            </a:r>
-            <a:r>
-              <a:rPr lang="en-CA" dirty="0" smtClean="0"/>
-              <a:t> and increase in recruitment (or migration)</a:t>
-            </a:r>
-          </a:p>
-          <a:p>
-            <a:r>
-              <a:rPr lang="en-CA" dirty="0" smtClean="0"/>
-              <a:t>Trawl size selectivity and size or instar-based mortality.</a:t>
-            </a:r>
-          </a:p>
-          <a:p>
-            <a:r>
-              <a:rPr lang="en-CA" dirty="0" smtClean="0"/>
-              <a:t>Instar size structure is hard to infer for larger sizes, especially in males.</a:t>
-            </a:r>
-          </a:p>
-          <a:p>
-            <a:endParaRPr lang="en-CA" dirty="0" smtClean="0"/>
-          </a:p>
-          <a:p>
-            <a:endParaRPr lang="en-CA" dirty="0" smtClean="0"/>
+            <a:r>
+              <a:rPr lang="en-US" dirty="0"/>
+              <a:t>Models are developed, different versions are examined and tested using diagnostics. They are not </a:t>
+            </a:r>
+            <a:r>
+              <a:rPr lang="en-US" i="1" dirty="0"/>
+              <a:t>true</a:t>
+            </a:r>
+            <a:r>
+              <a:rPr lang="en-US" dirty="0"/>
+              <a:t>, but they can be </a:t>
+            </a:r>
+            <a:r>
+              <a:rPr lang="en-US" i="1" dirty="0"/>
+              <a:t>useful</a:t>
+            </a:r>
+            <a:r>
+              <a:rPr lang="en-US" dirty="0"/>
+              <a:t>. Knowing the limits of their reliability is key. A model should be used insofar that it is useful and objective for the purposes it is being used. i.e. different objectives = different models.</a:t>
+            </a:r>
+          </a:p>
+          <a:p>
+            <a:r>
+              <a:rPr lang="en-US" dirty="0"/>
+              <a:t>When key processes are well modeled, they can allow for a contextualized assessment of quantities of interest (idea of signal and noise).</a:t>
+            </a:r>
           </a:p>
           <a:p>
             <a:endParaRPr lang="en-US" dirty="0"/>
@@ -7476,7 +8063,7 @@
     </p:spTree>
     <p:extLst>
       <p:ext uri="{BB962C8B-B14F-4D97-AF65-F5344CB8AC3E}">
-        <p14:creationId xmlns:p14="http://schemas.microsoft.com/office/powerpoint/2010/main" val="3865280399"/>
+        <p14:creationId xmlns:p14="http://schemas.microsoft.com/office/powerpoint/2010/main" val="448692763"/>
       </p:ext>
     </p:extLst>
   </p:cSld>
@@ -7505,6 +8092,38 @@
       </p:grpSpPr>
       <p:sp>
         <p:nvSpPr>
+          <p:cNvPr id="2" name="Title 1"/>
+          <p:cNvSpPr>
+            <a:spLocks noGrp="1"/>
+          </p:cNvSpPr>
+          <p:nvPr>
+            <p:ph type="title"/>
+          </p:nvPr>
+        </p:nvSpPr>
+        <p:spPr>
+          <a:xfrm>
+            <a:off x="779463" y="381000"/>
+            <a:ext cx="7583487" cy="492062"/>
+          </a:xfrm>
+        </p:spPr>
+        <p:txBody>
+          <a:bodyPr/>
+          <a:lstStyle/>
+          <a:p>
+            <a:r>
+              <a:rPr lang="en-US" sz="2800" b="1" dirty="0" smtClean="0"/>
+              <a:t>Specific Model </a:t>
+            </a:r>
+            <a:r>
+              <a:rPr lang="en-US" sz="2800" b="1" dirty="0" smtClean="0"/>
+              <a:t>Issues:</a:t>
+            </a:r>
+            <a:endParaRPr lang="en-US" sz="2800" b="1" dirty="0"/>
+          </a:p>
+        </p:txBody>
+      </p:sp>
+      <p:sp>
+        <p:nvSpPr>
           <p:cNvPr id="3" name="Content Placeholder 2"/>
           <p:cNvSpPr>
             <a:spLocks noGrp="1"/>
@@ -7515,39 +8134,42 @@
         </p:nvSpPr>
         <p:spPr>
           <a:xfrm>
-            <a:off x="779463" y="1200460"/>
-            <a:ext cx="7583487" cy="4837270"/>
-          </a:xfrm>
-        </p:spPr>
-        <p:txBody>
-          <a:bodyPr/>
+            <a:off x="779463" y="1121091"/>
+            <a:ext cx="7583487" cy="4916639"/>
+          </a:xfrm>
+        </p:spPr>
+        <p:txBody>
+          <a:bodyPr>
+            <a:normAutofit/>
+          </a:bodyPr>
           <a:lstStyle/>
           <a:p>
             <a:pPr marL="0" indent="0">
               <a:buNone/>
             </a:pPr>
             <a:r>
-              <a:rPr lang="en-US" b="1" dirty="0" smtClean="0"/>
-              <a:t>Population Trends:</a:t>
-            </a:r>
-          </a:p>
-          <a:p>
-            <a:r>
-              <a:rPr lang="en-US" dirty="0" smtClean="0"/>
-              <a:t>Propagation of errors means that large-scale population trends can be very uncertain </a:t>
-            </a:r>
-            <a:r>
-              <a:rPr lang="mr-IN" dirty="0" smtClean="0"/>
-              <a:t>…</a:t>
-            </a:r>
-            <a:r>
               <a:rPr lang="en-CA" dirty="0" smtClean="0"/>
-              <a:t> can lead to global increase or decrease in the global trend, without much change in model fit to the indices.</a:t>
-            </a:r>
-            <a:r>
-              <a:rPr lang="en-US" dirty="0" smtClean="0"/>
-              <a:t> </a:t>
-            </a:r>
+              <a:t>Examples of processes that are often confounded:</a:t>
+            </a:r>
+          </a:p>
+          <a:p>
+            <a:r>
+              <a:rPr lang="en-CA" dirty="0" smtClean="0"/>
+              <a:t>Trawl </a:t>
+            </a:r>
+            <a:r>
+              <a:rPr lang="en-CA" dirty="0" smtClean="0"/>
+              <a:t>size selectivity and size or instar-based mortality.</a:t>
+            </a:r>
+          </a:p>
+          <a:p>
+            <a:r>
+              <a:rPr lang="en-CA" dirty="0" smtClean="0"/>
+              <a:t>Instar size structure is hard to infer for larger sizes, especially in males.</a:t>
+            </a:r>
+          </a:p>
+          <a:p>
+            <a:endParaRPr lang="en-CA" dirty="0" smtClean="0"/>
           </a:p>
           <a:p>
             <a:pPr marL="0" indent="0">
@@ -7555,7 +8177,11 @@
             </a:pPr>
             <a:r>
               <a:rPr lang="en-US" dirty="0" smtClean="0"/>
-              <a:t>Model correlations can flatten some effects or processes into irrelevance.</a:t>
+              <a:t>Model </a:t>
+            </a:r>
+            <a:r>
+              <a:rPr lang="en-US" dirty="0"/>
+              <a:t>correlations can flatten some effects or processes into irrelevance.</a:t>
             </a:r>
           </a:p>
           <a:p>
@@ -7563,45 +8189,22 @@
               <a:buNone/>
             </a:pPr>
             <a:r>
-              <a:rPr lang="en-US" dirty="0" smtClean="0"/>
+              <a:rPr lang="en-US" dirty="0"/>
               <a:t>Models can be so obtuse that it is very difficult to properly evaluate its performance.</a:t>
             </a:r>
+          </a:p>
+          <a:p>
+            <a:endParaRPr lang="en-CA" dirty="0" smtClean="0"/>
+          </a:p>
+          <a:p>
             <a:endParaRPr lang="en-US" dirty="0"/>
-          </a:p>
-        </p:txBody>
-      </p:sp>
-      <p:sp>
-        <p:nvSpPr>
-          <p:cNvPr id="5" name="Title 1"/>
-          <p:cNvSpPr>
-            <a:spLocks noGrp="1"/>
-          </p:cNvSpPr>
-          <p:nvPr>
-            <p:ph type="title"/>
-          </p:nvPr>
-        </p:nvSpPr>
-        <p:spPr>
-          <a:xfrm>
-            <a:off x="779463" y="381000"/>
-            <a:ext cx="7583487" cy="492062"/>
-          </a:xfrm>
-        </p:spPr>
-        <p:txBody>
-          <a:bodyPr/>
-          <a:lstStyle/>
-          <a:p>
-            <a:r>
-              <a:rPr lang="en-US" sz="2800" b="1" dirty="0" smtClean="0"/>
-              <a:t>Model Issues:</a:t>
-            </a:r>
-            <a:endParaRPr lang="en-US" sz="2800" b="1" dirty="0"/>
           </a:p>
         </p:txBody>
       </p:sp>
     </p:spTree>
     <p:extLst>
       <p:ext uri="{BB962C8B-B14F-4D97-AF65-F5344CB8AC3E}">
-        <p14:creationId xmlns:p14="http://schemas.microsoft.com/office/powerpoint/2010/main" val="147775876"/>
+        <p14:creationId xmlns:p14="http://schemas.microsoft.com/office/powerpoint/2010/main" val="3865280399"/>
       </p:ext>
     </p:extLst>
   </p:cSld>
@@ -7640,7 +8243,7 @@
         </p:nvSpPr>
         <p:spPr>
           <a:xfrm>
-            <a:off x="544278" y="409222"/>
+            <a:off x="544278" y="494947"/>
             <a:ext cx="7583487" cy="493889"/>
           </a:xfrm>
         </p:spPr>
@@ -7650,7 +8253,11 @@
           <a:p>
             <a:r>
               <a:rPr lang="en-US" sz="3200" b="1" dirty="0" smtClean="0"/>
-              <a:t>Population models:</a:t>
+              <a:t>Why </a:t>
+            </a:r>
+            <a:r>
+              <a:rPr lang="en-US" sz="3200" b="1" dirty="0" smtClean="0"/>
+              <a:t>Population Models?</a:t>
             </a:r>
             <a:endParaRPr lang="en-US" sz="3200" b="1" dirty="0"/>
           </a:p>
@@ -7668,7 +8275,7 @@
         </p:nvSpPr>
         <p:spPr>
           <a:xfrm>
-            <a:off x="544278" y="1495778"/>
+            <a:off x="544278" y="1591028"/>
             <a:ext cx="8308092" cy="4007556"/>
           </a:xfrm>
         </p:spPr>
@@ -7680,16 +8287,7 @@
           <a:p>
             <a:r>
               <a:rPr lang="en-US" sz="2400" dirty="0" smtClean="0"/>
-              <a:t>Mathematical model applied to the study of how populations change through time.</a:t>
-            </a:r>
-          </a:p>
-          <a:p>
-            <a:endParaRPr lang="en-US" sz="2400" dirty="0" smtClean="0"/>
-          </a:p>
-          <a:p>
-            <a:r>
-              <a:rPr lang="en-US" sz="2400" dirty="0"/>
-              <a:t>Synthesis of sampling, biological, and fishery processes</a:t>
+              <a:t>Mathematical model applied to the study of how populations change through time</a:t>
             </a:r>
             <a:r>
               <a:rPr lang="en-US" sz="2400" dirty="0" smtClean="0"/>
@@ -7697,20 +8295,88 @@
             </a:r>
           </a:p>
           <a:p>
+            <a:pPr marL="0" indent="0">
+              <a:buNone/>
+            </a:pPr>
             <a:endParaRPr lang="en-US" sz="2400" dirty="0" smtClean="0"/>
           </a:p>
           <a:p>
             <a:r>
               <a:rPr lang="en-US" sz="2400" dirty="0" smtClean="0"/>
-              <a:t>Models serve as toy versions </a:t>
+              <a:t>Combines </a:t>
+            </a:r>
+            <a:r>
+              <a:rPr lang="en-US" sz="2400" b="1" dirty="0" smtClean="0"/>
+              <a:t>survey</a:t>
+            </a:r>
+            <a:r>
+              <a:rPr lang="en-US" sz="2400" dirty="0" smtClean="0"/>
+              <a:t>, </a:t>
+            </a:r>
+            <a:r>
+              <a:rPr lang="en-US" sz="2400" b="1" dirty="0" smtClean="0"/>
+              <a:t>biological</a:t>
+            </a:r>
+            <a:r>
+              <a:rPr lang="en-US" sz="2400" dirty="0" smtClean="0"/>
+              <a:t> </a:t>
             </a:r>
             <a:r>
               <a:rPr lang="en-US" sz="2400" dirty="0"/>
-              <a:t>of </a:t>
+              <a:t>and </a:t>
+            </a:r>
+            <a:r>
+              <a:rPr lang="en-US" sz="2400" b="1" dirty="0"/>
+              <a:t>fishery</a:t>
+            </a:r>
+            <a:r>
+              <a:rPr lang="en-US" sz="2400" dirty="0"/>
+              <a:t> processes</a:t>
             </a:r>
             <a:r>
               <a:rPr lang="en-US" sz="2400" dirty="0" smtClean="0"/>
-              <a:t>reality which we can be used explore how processes work and interact.</a:t>
+              <a:t>.</a:t>
+            </a:r>
+          </a:p>
+          <a:p>
+            <a:endParaRPr lang="en-US" sz="2400" dirty="0" smtClean="0"/>
+          </a:p>
+          <a:p>
+            <a:r>
+              <a:rPr lang="en-US" sz="2400" dirty="0" smtClean="0"/>
+              <a:t>Models </a:t>
+            </a:r>
+            <a:r>
+              <a:rPr lang="en-US" sz="2400" dirty="0" smtClean="0"/>
+              <a:t>are approximations of </a:t>
+            </a:r>
+            <a:r>
+              <a:rPr lang="en-US" sz="2400" dirty="0" smtClean="0"/>
+              <a:t>reality which </a:t>
+            </a:r>
+            <a:r>
+              <a:rPr lang="en-US" sz="2400" dirty="0" smtClean="0"/>
+              <a:t>can </a:t>
+            </a:r>
+            <a:r>
+              <a:rPr lang="en-US" sz="2400" dirty="0" smtClean="0"/>
+              <a:t>be used </a:t>
+            </a:r>
+            <a:r>
+              <a:rPr lang="en-US" sz="2400" dirty="0" smtClean="0"/>
+              <a:t>to explore </a:t>
+            </a:r>
+            <a:r>
+              <a:rPr lang="en-US" sz="2400" dirty="0" smtClean="0"/>
+              <a:t>how </a:t>
+            </a:r>
+            <a:r>
+              <a:rPr lang="en-US" sz="2400" dirty="0" smtClean="0"/>
+              <a:t>different processes </a:t>
+            </a:r>
+            <a:r>
+              <a:rPr lang="en-US" sz="2400" dirty="0" smtClean="0"/>
+              <a:t>work and interact.</a:t>
             </a:r>
           </a:p>
         </p:txBody>
@@ -7719,6 +8385,217 @@
     <p:extLst>
       <p:ext uri="{BB962C8B-B14F-4D97-AF65-F5344CB8AC3E}">
         <p14:creationId xmlns:p14="http://schemas.microsoft.com/office/powerpoint/2010/main" val="250243338"/>
+      </p:ext>
+    </p:extLst>
+  </p:cSld>
+  <p:clrMapOvr>
+    <a:masterClrMapping/>
+  </p:clrMapOvr>
+</p:sld>
+</file>
+
+<file path=ppt/slides/slide20.xml><?xml version="1.0" encoding="utf-8"?>
+<p:sld xmlns:a="http://schemas.openxmlformats.org/drawingml/2006/main" xmlns:r="http://schemas.openxmlformats.org/officeDocument/2006/relationships" xmlns:p="http://schemas.openxmlformats.org/presentationml/2006/main">
+  <p:cSld>
+    <p:spTree>
+      <p:nvGrpSpPr>
+        <p:cNvPr id="1" name=""/>
+        <p:cNvGrpSpPr/>
+        <p:nvPr/>
+      </p:nvGrpSpPr>
+      <p:grpSpPr>
+        <a:xfrm>
+          <a:off x="0" y="0"/>
+          <a:ext cx="0" cy="0"/>
+          <a:chOff x="0" y="0"/>
+          <a:chExt cx="0" cy="0"/>
+        </a:xfrm>
+      </p:grpSpPr>
+      <p:sp>
+        <p:nvSpPr>
+          <p:cNvPr id="2" name="Title 1"/>
+          <p:cNvSpPr>
+            <a:spLocks noGrp="1"/>
+          </p:cNvSpPr>
+          <p:nvPr>
+            <p:ph type="title"/>
+          </p:nvPr>
+        </p:nvSpPr>
+        <p:spPr>
+          <a:xfrm>
+            <a:off x="531423" y="448865"/>
+            <a:ext cx="7583487" cy="551589"/>
+          </a:xfrm>
+        </p:spPr>
+        <p:txBody>
+          <a:bodyPr/>
+          <a:lstStyle/>
+          <a:p>
+            <a:r>
+              <a:rPr lang="en-US" sz="3200" b="1" dirty="0" smtClean="0"/>
+              <a:t>Strategy:</a:t>
+            </a:r>
+            <a:endParaRPr lang="en-US" sz="3200" b="1" dirty="0"/>
+          </a:p>
+        </p:txBody>
+      </p:sp>
+      <p:sp>
+        <p:nvSpPr>
+          <p:cNvPr id="3" name="Content Placeholder 2"/>
+          <p:cNvSpPr>
+            <a:spLocks noGrp="1"/>
+          </p:cNvSpPr>
+          <p:nvPr>
+            <p:ph idx="1"/>
+          </p:nvPr>
+        </p:nvSpPr>
+        <p:spPr>
+          <a:xfrm>
+            <a:off x="531423" y="1361913"/>
+            <a:ext cx="7951550" cy="2942668"/>
+          </a:xfrm>
+        </p:spPr>
+        <p:txBody>
+          <a:bodyPr>
+            <a:normAutofit/>
+          </a:bodyPr>
+          <a:lstStyle/>
+          <a:p>
+            <a:pPr marL="0" indent="0">
+              <a:buNone/>
+            </a:pPr>
+            <a:r>
+              <a:rPr lang="en-US" sz="2400" dirty="0" smtClean="0"/>
+              <a:t>Explain changes in annual size-distribution by modeling:</a:t>
+            </a:r>
+          </a:p>
+          <a:p>
+            <a:pPr lvl="2"/>
+            <a:r>
+              <a:rPr lang="en-US" sz="2000" dirty="0" smtClean="0"/>
+              <a:t>Population </a:t>
+            </a:r>
+            <a:r>
+              <a:rPr lang="en-US" sz="2000" b="1" dirty="0" smtClean="0"/>
+              <a:t>recruitment </a:t>
+            </a:r>
+          </a:p>
+          <a:p>
+            <a:pPr lvl="2"/>
+            <a:r>
+              <a:rPr lang="en-US" sz="2000" b="1" dirty="0" smtClean="0"/>
+              <a:t>Growth </a:t>
+            </a:r>
+            <a:r>
+              <a:rPr lang="en-US" sz="2000" dirty="0" smtClean="0"/>
+              <a:t>(size increase &amp; </a:t>
+            </a:r>
+            <a:r>
+              <a:rPr lang="en-US" sz="2000" dirty="0" err="1" smtClean="0"/>
+              <a:t>moulting</a:t>
+            </a:r>
+            <a:r>
+              <a:rPr lang="en-US" sz="2000" dirty="0" smtClean="0"/>
+              <a:t>)</a:t>
+            </a:r>
+          </a:p>
+          <a:p>
+            <a:pPr lvl="2"/>
+            <a:r>
+              <a:rPr lang="en-US" sz="2000" dirty="0" smtClean="0"/>
+              <a:t>Natural </a:t>
+            </a:r>
+            <a:r>
+              <a:rPr lang="en-US" sz="2000" b="1" dirty="0" smtClean="0"/>
+              <a:t>mortality</a:t>
+            </a:r>
+            <a:r>
+              <a:rPr lang="en-US" sz="2000" dirty="0" smtClean="0"/>
+              <a:t> </a:t>
+            </a:r>
+          </a:p>
+          <a:p>
+            <a:pPr lvl="2"/>
+            <a:r>
+              <a:rPr lang="en-US" sz="2000" dirty="0" smtClean="0"/>
+              <a:t>Survey </a:t>
+            </a:r>
+            <a:r>
+              <a:rPr lang="en-US" sz="2000" b="1" dirty="0" smtClean="0"/>
+              <a:t>selectivity</a:t>
+            </a:r>
+          </a:p>
+          <a:p>
+            <a:pPr lvl="2"/>
+            <a:r>
+              <a:rPr lang="en-US" sz="2000" dirty="0" smtClean="0"/>
+              <a:t>Survey </a:t>
+            </a:r>
+            <a:r>
+              <a:rPr lang="en-US" sz="2000" b="1" dirty="0" err="1" smtClean="0"/>
+              <a:t>catchability</a:t>
+            </a:r>
+            <a:endParaRPr lang="en-US" sz="2000" b="1" dirty="0" smtClean="0"/>
+          </a:p>
+          <a:p>
+            <a:pPr lvl="2"/>
+            <a:r>
+              <a:rPr lang="en-US" sz="2000" dirty="0"/>
+              <a:t>Fishery </a:t>
+            </a:r>
+            <a:r>
+              <a:rPr lang="en-US" sz="2000" b="1" dirty="0" smtClean="0"/>
+              <a:t>removals </a:t>
+            </a:r>
+            <a:r>
+              <a:rPr lang="en-US" sz="2000" dirty="0" smtClean="0"/>
+              <a:t>(fishing mortality)</a:t>
+            </a:r>
+          </a:p>
+        </p:txBody>
+      </p:sp>
+      <p:sp>
+        <p:nvSpPr>
+          <p:cNvPr id="4" name="TextBox 3"/>
+          <p:cNvSpPr txBox="1"/>
+          <p:nvPr/>
+        </p:nvSpPr>
+        <p:spPr>
+          <a:xfrm>
+            <a:off x="2940903" y="4530209"/>
+            <a:ext cx="3132589" cy="369332"/>
+          </a:xfrm>
+          <a:prstGeom prst="rect">
+            <a:avLst/>
+          </a:prstGeom>
+          <a:noFill/>
+        </p:spPr>
+        <p:txBody>
+          <a:bodyPr wrap="none" rtlCol="0">
+            <a:spAutoFit/>
+          </a:bodyPr>
+          <a:lstStyle/>
+          <a:p>
+            <a:r>
+              <a:rPr lang="fr-CA" dirty="0" smtClean="0"/>
+              <a:t>Insert size-</a:t>
+            </a:r>
+            <a:r>
+              <a:rPr lang="fr-CA" dirty="0" err="1" smtClean="0"/>
+              <a:t>frequency</a:t>
+            </a:r>
+            <a:r>
+              <a:rPr lang="fr-CA" dirty="0" smtClean="0"/>
+              <a:t> figure</a:t>
+            </a:r>
+            <a:endParaRPr lang="en-CA" dirty="0"/>
+          </a:p>
+        </p:txBody>
+      </p:sp>
+    </p:spTree>
+    <p:extLst>
+      <p:ext uri="{BB962C8B-B14F-4D97-AF65-F5344CB8AC3E}">
+        <p14:creationId xmlns:p14="http://schemas.microsoft.com/office/powerpoint/2010/main" val="3351094321"/>
       </p:ext>
     </p:extLst>
   </p:cSld>
@@ -7757,8 +8634,8 @@
         </p:nvSpPr>
         <p:spPr>
           <a:xfrm>
-            <a:off x="531423" y="448865"/>
-            <a:ext cx="7583487" cy="551589"/>
+            <a:off x="521501" y="371080"/>
+            <a:ext cx="7921786" cy="541668"/>
           </a:xfrm>
         </p:spPr>
         <p:txBody>
@@ -7767,7 +8644,7 @@
           <a:p>
             <a:r>
               <a:rPr lang="en-US" sz="3200" b="1" dirty="0" smtClean="0"/>
-              <a:t>Strategy:</a:t>
+              <a:t>Short-term goals:</a:t>
             </a:r>
             <a:endParaRPr lang="en-US" sz="3200" b="1" dirty="0"/>
           </a:p>
@@ -7785,8 +8662,8 @@
         </p:nvSpPr>
         <p:spPr>
           <a:xfrm>
-            <a:off x="531423" y="1361913"/>
-            <a:ext cx="7951550" cy="2942668"/>
+            <a:off x="521501" y="1486206"/>
+            <a:ext cx="8172048" cy="4219422"/>
           </a:xfrm>
         </p:spPr>
         <p:txBody>
@@ -7799,99 +8676,118 @@
               <a:buNone/>
             </a:pPr>
             <a:r>
-              <a:rPr lang="en-US" sz="2400" dirty="0" smtClean="0"/>
-              <a:t>Explain changes in annual size-distribution by modeling:</a:t>
-            </a:r>
-          </a:p>
-          <a:p>
-            <a:pPr lvl="2"/>
-            <a:r>
-              <a:rPr lang="en-US" sz="2000" dirty="0" smtClean="0"/>
-              <a:t>Population </a:t>
-            </a:r>
-            <a:r>
-              <a:rPr lang="en-US" sz="2000" b="1" dirty="0" smtClean="0"/>
-              <a:t>recruitment </a:t>
-            </a:r>
-          </a:p>
-          <a:p>
-            <a:pPr lvl="2"/>
-            <a:r>
-              <a:rPr lang="en-US" sz="2000" b="1" dirty="0" smtClean="0"/>
-              <a:t>Growth </a:t>
-            </a:r>
-            <a:r>
-              <a:rPr lang="en-US" sz="2000" dirty="0" smtClean="0"/>
-              <a:t>(size increase &amp; </a:t>
-            </a:r>
-            <a:r>
-              <a:rPr lang="en-US" sz="2000" dirty="0" err="1" smtClean="0"/>
+              <a:rPr lang="en-US" sz="2600" dirty="0" smtClean="0"/>
+              <a:t>Replace </a:t>
+            </a:r>
+            <a:r>
+              <a:rPr lang="en-US" sz="2600" dirty="0" smtClean="0"/>
+              <a:t>prediction </a:t>
+            </a:r>
+            <a:r>
+              <a:rPr lang="en-US" sz="2600" dirty="0" smtClean="0"/>
+              <a:t>model:</a:t>
+            </a:r>
+          </a:p>
+          <a:p>
+            <a:pPr lvl="1"/>
+            <a:r>
+              <a:rPr lang="en-US" dirty="0" smtClean="0"/>
+              <a:t>Skip-</a:t>
+            </a:r>
+            <a:r>
+              <a:rPr lang="en-US" dirty="0" err="1" smtClean="0"/>
               <a:t>moulting</a:t>
             </a:r>
-            <a:r>
-              <a:rPr lang="en-US" sz="2000" dirty="0" smtClean="0"/>
-              <a:t>)</a:t>
-            </a:r>
-          </a:p>
-          <a:p>
-            <a:pPr lvl="2"/>
-            <a:r>
-              <a:rPr lang="en-US" sz="2000" dirty="0" smtClean="0"/>
-              <a:t>Natural </a:t>
-            </a:r>
-            <a:r>
-              <a:rPr lang="en-US" sz="2000" b="1" dirty="0" smtClean="0"/>
-              <a:t>mortality</a:t>
-            </a:r>
-            <a:r>
-              <a:rPr lang="en-US" sz="2000" dirty="0" smtClean="0"/>
-              <a:t> </a:t>
-            </a:r>
-          </a:p>
-          <a:p>
-            <a:pPr lvl="2"/>
-            <a:r>
-              <a:rPr lang="en-US" sz="2000" dirty="0" smtClean="0"/>
+            <a:endParaRPr lang="en-US" dirty="0" smtClean="0"/>
+          </a:p>
+          <a:p>
+            <a:pPr lvl="1"/>
+            <a:r>
+              <a:rPr lang="en-US" dirty="0" smtClean="0"/>
+              <a:t>Better characterization of recruits</a:t>
+            </a:r>
+          </a:p>
+          <a:p>
+            <a:pPr lvl="1"/>
+            <a:r>
+              <a:rPr lang="en-US" dirty="0" smtClean="0"/>
+              <a:t>Reduce reliance on shell condition identification</a:t>
+            </a:r>
+          </a:p>
+          <a:p>
+            <a:pPr lvl="1"/>
+            <a:r>
+              <a:rPr lang="en-US" dirty="0"/>
               <a:t>Survey </a:t>
             </a:r>
             <a:r>
-              <a:rPr lang="en-US" sz="2000" b="1" dirty="0" smtClean="0"/>
-              <a:t>selectivity</a:t>
-            </a:r>
-          </a:p>
-          <a:p>
-            <a:pPr lvl="2"/>
-            <a:r>
-              <a:rPr lang="en-US" sz="2000" dirty="0" smtClean="0"/>
-              <a:t>Survey </a:t>
-            </a:r>
-            <a:r>
-              <a:rPr lang="en-US" sz="2000" b="1" dirty="0" err="1" smtClean="0"/>
-              <a:t>catchability</a:t>
-            </a:r>
-            <a:endParaRPr lang="en-US" sz="2000" b="1" dirty="0" smtClean="0"/>
-          </a:p>
-          <a:p>
-            <a:pPr lvl="2"/>
-            <a:r>
-              <a:rPr lang="en-US" sz="2000" dirty="0"/>
-              <a:t>Fishery </a:t>
-            </a:r>
-            <a:r>
-              <a:rPr lang="en-US" sz="2000" b="1" dirty="0" smtClean="0"/>
-              <a:t>removals </a:t>
-            </a:r>
-            <a:r>
-              <a:rPr lang="en-US" sz="2000" dirty="0" smtClean="0"/>
-              <a:t>(fishing mortality)</a:t>
-            </a:r>
+              <a:rPr lang="en-US" dirty="0" smtClean="0"/>
+              <a:t>Catchability</a:t>
+            </a:r>
+            <a:endParaRPr lang="en-US" dirty="0" smtClean="0"/>
+          </a:p>
+          <a:p>
+            <a:pPr marL="0" indent="0">
+              <a:buNone/>
+            </a:pPr>
+            <a:r>
+              <a:rPr lang="en-US" sz="2600" dirty="0" smtClean="0"/>
+              <a:t>Refine </a:t>
+            </a:r>
+            <a:r>
+              <a:rPr lang="en-US" sz="2600" dirty="0" smtClean="0"/>
+              <a:t>mortality estimates:</a:t>
+            </a:r>
+          </a:p>
+          <a:p>
+            <a:pPr lvl="1"/>
+            <a:r>
+              <a:rPr lang="en-US" dirty="0" smtClean="0"/>
+              <a:t>Shell </a:t>
+            </a:r>
+            <a:r>
+              <a:rPr lang="en-US" dirty="0"/>
+              <a:t>condition </a:t>
+            </a:r>
+            <a:r>
+              <a:rPr lang="en-US" dirty="0" smtClean="0"/>
+              <a:t>uncertainty</a:t>
+            </a:r>
+          </a:p>
+          <a:p>
+            <a:pPr lvl="1"/>
+            <a:r>
+              <a:rPr lang="en-US" dirty="0"/>
+              <a:t>Survey c</a:t>
+            </a:r>
+            <a:r>
+              <a:rPr lang="en-US" dirty="0" smtClean="0"/>
+              <a:t>atchability</a:t>
+            </a:r>
+          </a:p>
+          <a:p>
+            <a:pPr lvl="1"/>
+            <a:r>
+              <a:rPr lang="en-US" dirty="0" smtClean="0"/>
+              <a:t>Partition </a:t>
+            </a:r>
+            <a:r>
+              <a:rPr lang="en-US" dirty="0" smtClean="0"/>
+              <a:t>commercial mortality by natural mortality, discard mortality and fishing mortality.</a:t>
+            </a:r>
+          </a:p>
+          <a:p>
+            <a:pPr marL="0" indent="0">
+              <a:buNone/>
+            </a:pPr>
+            <a:endParaRPr lang="en-US" sz="2400" dirty="0" smtClean="0"/>
           </a:p>
         </p:txBody>
       </p:sp>
     </p:spTree>
     <p:extLst>
       <p:ext uri="{BB962C8B-B14F-4D97-AF65-F5344CB8AC3E}">
-        <p14:creationId xmlns:p14="http://schemas.microsoft.com/office/powerpoint/2010/main" val="3442113359"/>
+        <p14:creationId xmlns:p14="http://schemas.microsoft.com/office/powerpoint/2010/main" val="1569213219"/>
       </p:ext>
     </p:extLst>
   </p:cSld>
@@ -7920,142 +8816,184 @@
       </p:grpSpPr>
       <p:sp>
         <p:nvSpPr>
-          <p:cNvPr id="4" name="Rectangle 3"/>
-          <p:cNvSpPr/>
+          <p:cNvPr id="2" name="Title 1"/>
+          <p:cNvSpPr>
+            <a:spLocks noGrp="1"/>
+          </p:cNvSpPr>
+          <p:nvPr>
+            <p:ph type="title"/>
+          </p:nvPr>
+        </p:nvSpPr>
+        <p:spPr>
+          <a:xfrm>
+            <a:off x="531423" y="381001"/>
+            <a:ext cx="7583487" cy="511904"/>
+          </a:xfrm>
+        </p:spPr>
+        <p:txBody>
+          <a:bodyPr/>
+          <a:lstStyle/>
+          <a:p>
+            <a:r>
+              <a:rPr lang="en-US" sz="3200" b="1" dirty="0" smtClean="0"/>
+              <a:t>Model </a:t>
+            </a:r>
+            <a:r>
+              <a:rPr lang="en-US" sz="3200" b="1" dirty="0" smtClean="0"/>
+              <a:t>overview:</a:t>
+            </a:r>
+            <a:endParaRPr lang="en-US" sz="3200" b="1" dirty="0"/>
+          </a:p>
+        </p:txBody>
+      </p:sp>
+      <p:sp>
+        <p:nvSpPr>
+          <p:cNvPr id="3" name="Content Placeholder 2"/>
+          <p:cNvSpPr>
+            <a:spLocks noGrp="1"/>
+          </p:cNvSpPr>
+          <p:nvPr>
+            <p:ph idx="1"/>
+          </p:nvPr>
+        </p:nvSpPr>
+        <p:spPr>
+          <a:xfrm>
+            <a:off x="531423" y="1437913"/>
+            <a:ext cx="8090452" cy="4699322"/>
+          </a:xfrm>
+        </p:spPr>
+        <p:txBody>
+          <a:bodyPr/>
+          <a:lstStyle/>
+          <a:p>
+            <a:r>
+              <a:rPr lang="en-US" dirty="0" smtClean="0"/>
+              <a:t>Size and instar-based.</a:t>
+            </a:r>
+          </a:p>
+          <a:p>
+            <a:r>
+              <a:rPr lang="en-US" dirty="0" smtClean="0"/>
+              <a:t>Instar-based processes:</a:t>
+            </a:r>
+          </a:p>
+          <a:p>
+            <a:pPr lvl="1"/>
+            <a:r>
+              <a:rPr lang="en-US" dirty="0" smtClean="0"/>
+              <a:t>Recruitment</a:t>
+            </a:r>
+            <a:endParaRPr lang="en-US" dirty="0" smtClean="0"/>
+          </a:p>
+          <a:p>
+            <a:pPr lvl="1"/>
+            <a:r>
+              <a:rPr lang="en-US" dirty="0" smtClean="0"/>
+              <a:t>Growth</a:t>
+            </a:r>
+          </a:p>
+          <a:p>
+            <a:pPr lvl="1"/>
+            <a:r>
+              <a:rPr lang="en-US" dirty="0" err="1" smtClean="0"/>
+              <a:t>Moulting</a:t>
+            </a:r>
+            <a:r>
+              <a:rPr lang="en-US" dirty="0" smtClean="0"/>
+              <a:t> probabilities (skip-</a:t>
+            </a:r>
+            <a:r>
+              <a:rPr lang="en-US" dirty="0" err="1" smtClean="0"/>
+              <a:t>moulting</a:t>
+            </a:r>
+            <a:r>
+              <a:rPr lang="en-US" dirty="0" smtClean="0"/>
+              <a:t>, terminal </a:t>
+            </a:r>
+            <a:r>
+              <a:rPr lang="en-US" dirty="0" err="1" smtClean="0"/>
+              <a:t>moults</a:t>
+            </a:r>
+            <a:r>
+              <a:rPr lang="en-US" dirty="0" smtClean="0"/>
+              <a:t>).</a:t>
+            </a:r>
+          </a:p>
+          <a:p>
+            <a:pPr lvl="1"/>
+            <a:r>
+              <a:rPr lang="en-US" dirty="0" smtClean="0"/>
+              <a:t>Mortality</a:t>
+            </a:r>
+          </a:p>
+          <a:p>
+            <a:r>
+              <a:rPr lang="en-US" dirty="0" smtClean="0"/>
+              <a:t>Size-based processes:</a:t>
+            </a:r>
+          </a:p>
+          <a:p>
+            <a:pPr lvl="1"/>
+            <a:r>
+              <a:rPr lang="en-US" dirty="0" smtClean="0"/>
+              <a:t>Trawl selectivity</a:t>
+            </a:r>
+          </a:p>
+          <a:p>
+            <a:pPr lvl="1"/>
+            <a:r>
+              <a:rPr lang="en-US" dirty="0" smtClean="0"/>
+              <a:t>Fishery removals</a:t>
+            </a:r>
+          </a:p>
+          <a:p>
+            <a:pPr lvl="1"/>
+            <a:endParaRPr lang="en-US" dirty="0"/>
+          </a:p>
+        </p:txBody>
+      </p:sp>
+      <p:sp>
+        <p:nvSpPr>
+          <p:cNvPr id="4" name="TextBox 3"/>
+          <p:cNvSpPr txBox="1"/>
           <p:nvPr/>
         </p:nvSpPr>
         <p:spPr>
           <a:xfrm>
-            <a:off x="531423" y="1481232"/>
-            <a:ext cx="8047219" cy="2308324"/>
+            <a:off x="5306264" y="1319673"/>
+            <a:ext cx="2808646" cy="923330"/>
           </a:xfrm>
           <a:prstGeom prst="rect">
             <a:avLst/>
           </a:prstGeom>
-        </p:spPr>
-        <p:txBody>
-          <a:bodyPr wrap="square">
+          <a:noFill/>
+        </p:spPr>
+        <p:txBody>
+          <a:bodyPr wrap="square" rtlCol="0">
             <a:spAutoFit/>
           </a:bodyPr>
           <a:lstStyle/>
           <a:p>
-            <a:pPr marL="342900" indent="-342900">
-              <a:buFont typeface="Arial"/>
-              <a:buChar char="•"/>
-            </a:pPr>
-            <a:r>
-              <a:rPr lang="en-US" sz="2400" dirty="0" smtClean="0">
-                <a:solidFill>
-                  <a:srgbClr val="FFFFFF"/>
-                </a:solidFill>
-              </a:rPr>
-              <a:t>Often difficult to resolve different processes, but can be informative.</a:t>
-            </a:r>
-          </a:p>
-          <a:p>
-            <a:endParaRPr lang="en-US" sz="2400" dirty="0" smtClean="0">
-              <a:solidFill>
-                <a:srgbClr val="FFFFFF"/>
-              </a:solidFill>
-            </a:endParaRPr>
-          </a:p>
-          <a:p>
-            <a:pPr marL="342900" indent="-342900">
-              <a:buFont typeface="Arial"/>
-              <a:buChar char="•"/>
-            </a:pPr>
-            <a:r>
-              <a:rPr lang="en-US" sz="2400" dirty="0" smtClean="0">
-                <a:solidFill>
-                  <a:srgbClr val="FFFFFF"/>
-                </a:solidFill>
-              </a:rPr>
-              <a:t>Many variables, lots of interaction between different components of the model</a:t>
-            </a:r>
-          </a:p>
-          <a:p>
-            <a:r>
-              <a:rPr lang="en-US" sz="2400" dirty="0">
-                <a:solidFill>
-                  <a:srgbClr val="FFFFFF"/>
-                </a:solidFill>
-              </a:rPr>
-              <a:t>	</a:t>
-            </a:r>
-            <a:r>
-              <a:rPr lang="en-US" sz="2400" dirty="0" smtClean="0">
-                <a:solidFill>
-                  <a:srgbClr val="FFFFFF"/>
-                </a:solidFill>
-              </a:rPr>
-              <a:t>e.g. if selectivity goes up, then mortality goes down</a:t>
-            </a:r>
-            <a:r>
-              <a:rPr lang="en-US" sz="2400" dirty="0">
-                <a:solidFill>
-                  <a:srgbClr val="FFFFFF"/>
-                </a:solidFill>
-              </a:rPr>
-              <a:t>.</a:t>
-            </a:r>
-            <a:endParaRPr lang="en-US" sz="2400" dirty="0" smtClean="0">
-              <a:solidFill>
-                <a:srgbClr val="FFFFFF"/>
-              </a:solidFill>
-            </a:endParaRPr>
-          </a:p>
-        </p:txBody>
-      </p:sp>
-      <p:sp>
-        <p:nvSpPr>
-          <p:cNvPr id="5" name="Title 1"/>
-          <p:cNvSpPr txBox="1">
-            <a:spLocks/>
-          </p:cNvSpPr>
-          <p:nvPr/>
-        </p:nvSpPr>
-        <p:spPr>
-          <a:xfrm>
-            <a:off x="531423" y="381000"/>
-            <a:ext cx="7583487" cy="551589"/>
-          </a:xfrm>
-          <a:prstGeom prst="rect">
-            <a:avLst/>
-          </a:prstGeom>
-        </p:spPr>
-        <p:txBody>
-          <a:bodyPr vert="horz" lIns="91440" tIns="45720" rIns="91440" bIns="45720" rtlCol="0" anchor="b" anchorCtr="0">
-            <a:noAutofit/>
-          </a:bodyPr>
-          <a:lstStyle>
-            <a:lvl1pPr algn="l" defTabSz="914400" rtl="0" eaLnBrk="1" latinLnBrk="0" hangingPunct="1">
-              <a:spcBef>
-                <a:spcPct val="0"/>
-              </a:spcBef>
-              <a:buNone/>
-              <a:defRPr sz="3800" kern="1200">
-                <a:solidFill>
-                  <a:schemeClr val="bg1"/>
-                </a:solidFill>
-                <a:latin typeface="+mj-lt"/>
-                <a:ea typeface="+mj-ea"/>
-                <a:cs typeface="+mj-cs"/>
-              </a:defRPr>
-            </a:lvl1pPr>
-          </a:lstStyle>
-          <a:p>
-            <a:r>
-              <a:rPr lang="en-US" sz="3200" b="1" dirty="0" smtClean="0"/>
-              <a:t>Overview:</a:t>
-            </a:r>
-            <a:endParaRPr lang="en-US" sz="3200" b="1" dirty="0"/>
+            <a:r>
+              <a:rPr lang="fr-CA" dirty="0" smtClean="0"/>
+              <a:t>Insert size-instar figure </a:t>
+            </a:r>
+            <a:r>
+              <a:rPr lang="fr-CA" dirty="0" err="1" smtClean="0"/>
+              <a:t>with</a:t>
+            </a:r>
+            <a:r>
+              <a:rPr lang="fr-CA" dirty="0" smtClean="0"/>
+              <a:t> annotations 2019-2020</a:t>
+            </a:r>
+            <a:endParaRPr lang="en-CA" dirty="0"/>
           </a:p>
         </p:txBody>
       </p:sp>
     </p:spTree>
     <p:extLst>
       <p:ext uri="{BB962C8B-B14F-4D97-AF65-F5344CB8AC3E}">
-        <p14:creationId xmlns:p14="http://schemas.microsoft.com/office/powerpoint/2010/main" val="4191285326"/>
+        <p14:creationId xmlns:p14="http://schemas.microsoft.com/office/powerpoint/2010/main" val="1403078090"/>
       </p:ext>
     </p:extLst>
   </p:cSld>
@@ -8084,27 +9022,194 @@
       </p:grpSpPr>
       <p:sp>
         <p:nvSpPr>
-          <p:cNvPr id="2" name="Title 1"/>
-          <p:cNvSpPr>
-            <a:spLocks noGrp="1"/>
-          </p:cNvSpPr>
-          <p:nvPr>
-            <p:ph type="title"/>
-          </p:nvPr>
-        </p:nvSpPr>
-        <p:spPr>
-          <a:xfrm>
-            <a:off x="531423" y="381001"/>
-            <a:ext cx="7583487" cy="511904"/>
-          </a:xfrm>
-        </p:spPr>
-        <p:txBody>
-          <a:bodyPr/>
-          <a:lstStyle/>
+          <p:cNvPr id="4" name="Rectangle 3"/>
+          <p:cNvSpPr/>
+          <p:nvPr/>
+        </p:nvSpPr>
+        <p:spPr>
+          <a:xfrm>
+            <a:off x="1096781" y="3313471"/>
+            <a:ext cx="8047219" cy="2308324"/>
+          </a:xfrm>
+          <a:prstGeom prst="rect">
+            <a:avLst/>
+          </a:prstGeom>
+        </p:spPr>
+        <p:txBody>
+          <a:bodyPr wrap="square">
+            <a:spAutoFit/>
+          </a:bodyPr>
+          <a:lstStyle/>
+          <a:p>
+            <a:pPr marL="342900" indent="-342900">
+              <a:buFont typeface="Arial"/>
+              <a:buChar char="•"/>
+            </a:pPr>
+            <a:r>
+              <a:rPr lang="en-US" sz="2400" dirty="0" smtClean="0">
+                <a:solidFill>
+                  <a:srgbClr val="FFFFFF"/>
+                </a:solidFill>
+              </a:rPr>
+              <a:t>Abundance increases can be explained by </a:t>
+            </a:r>
+            <a:r>
+              <a:rPr lang="en-US" sz="2400" b="1" dirty="0" smtClean="0">
+                <a:solidFill>
+                  <a:srgbClr val="FFFFFF"/>
+                </a:solidFill>
+              </a:rPr>
+              <a:t>lower mortality</a:t>
+            </a:r>
+            <a:r>
+              <a:rPr lang="en-US" sz="2400" dirty="0" smtClean="0">
+                <a:solidFill>
+                  <a:srgbClr val="FFFFFF"/>
+                </a:solidFill>
+              </a:rPr>
+              <a:t> for that year OR </a:t>
+            </a:r>
+            <a:r>
+              <a:rPr lang="en-US" sz="2400" b="1" dirty="0" smtClean="0">
+                <a:solidFill>
+                  <a:srgbClr val="FFFFFF"/>
+                </a:solidFill>
+              </a:rPr>
+              <a:t>increase in trawl catchability</a:t>
+            </a:r>
+            <a:r>
+              <a:rPr lang="en-US" sz="2400" dirty="0" smtClean="0">
+                <a:solidFill>
+                  <a:srgbClr val="FFFFFF"/>
+                </a:solidFill>
+              </a:rPr>
+              <a:t>.</a:t>
+            </a:r>
+          </a:p>
+          <a:p>
+            <a:pPr marL="342900" indent="-342900">
+              <a:buFont typeface="Arial"/>
+              <a:buChar char="•"/>
+            </a:pPr>
+            <a:r>
+              <a:rPr lang="en-US" sz="2400" dirty="0" smtClean="0">
+                <a:solidFill>
+                  <a:srgbClr val="FFFFFF"/>
+                </a:solidFill>
+              </a:rPr>
+              <a:t>Decreases </a:t>
+            </a:r>
+            <a:r>
+              <a:rPr lang="en-US" sz="2400" dirty="0">
+                <a:solidFill>
+                  <a:srgbClr val="FFFFFF"/>
+                </a:solidFill>
+              </a:rPr>
+              <a:t>can be explained by </a:t>
+            </a:r>
+            <a:r>
+              <a:rPr lang="en-US" sz="2400" b="1" dirty="0" smtClean="0">
+                <a:solidFill>
+                  <a:srgbClr val="FFFFFF"/>
+                </a:solidFill>
+              </a:rPr>
+              <a:t>higher </a:t>
+            </a:r>
+            <a:r>
+              <a:rPr lang="en-US" sz="2400" b="1" dirty="0">
+                <a:solidFill>
+                  <a:srgbClr val="FFFFFF"/>
+                </a:solidFill>
+              </a:rPr>
+              <a:t>mortality</a:t>
+            </a:r>
+            <a:r>
+              <a:rPr lang="en-US" sz="2400" dirty="0">
+                <a:solidFill>
+                  <a:srgbClr val="FFFFFF"/>
+                </a:solidFill>
+              </a:rPr>
+              <a:t> for that year OR </a:t>
+            </a:r>
+            <a:r>
+              <a:rPr lang="en-US" sz="2400" b="1" dirty="0" smtClean="0">
+                <a:solidFill>
+                  <a:srgbClr val="FFFFFF"/>
+                </a:solidFill>
+              </a:rPr>
+              <a:t>decrease </a:t>
+            </a:r>
+            <a:r>
+              <a:rPr lang="en-US" sz="2400" b="1" dirty="0">
+                <a:solidFill>
+                  <a:srgbClr val="FFFFFF"/>
+                </a:solidFill>
+              </a:rPr>
+              <a:t>in trawl catchability</a:t>
+            </a:r>
+            <a:r>
+              <a:rPr lang="en-US" sz="2400" dirty="0">
+                <a:solidFill>
+                  <a:srgbClr val="FFFFFF"/>
+                </a:solidFill>
+              </a:rPr>
+              <a:t>.</a:t>
+            </a:r>
+          </a:p>
+          <a:p>
+            <a:pPr marL="342900" indent="-342900">
+              <a:buFont typeface="Arial"/>
+              <a:buChar char="•"/>
+            </a:pPr>
+            <a:endParaRPr lang="en-US" sz="2400" dirty="0" smtClean="0">
+              <a:solidFill>
+                <a:srgbClr val="FFFFFF"/>
+              </a:solidFill>
+            </a:endParaRPr>
+          </a:p>
+        </p:txBody>
+      </p:sp>
+      <p:sp>
+        <p:nvSpPr>
+          <p:cNvPr id="5" name="Title 1"/>
+          <p:cNvSpPr txBox="1">
+            <a:spLocks/>
+          </p:cNvSpPr>
+          <p:nvPr/>
+        </p:nvSpPr>
+        <p:spPr>
+          <a:xfrm>
+            <a:off x="531423" y="381000"/>
+            <a:ext cx="7583487" cy="551589"/>
+          </a:xfrm>
+          <a:prstGeom prst="rect">
+            <a:avLst/>
+          </a:prstGeom>
+        </p:spPr>
+        <p:txBody>
+          <a:bodyPr vert="horz" lIns="91440" tIns="45720" rIns="91440" bIns="45720" rtlCol="0" anchor="b" anchorCtr="0">
+            <a:noAutofit/>
+          </a:bodyPr>
+          <a:lstStyle>
+            <a:lvl1pPr algn="l" defTabSz="914400" rtl="0" eaLnBrk="1" latinLnBrk="0" hangingPunct="1">
+              <a:spcBef>
+                <a:spcPct val="0"/>
+              </a:spcBef>
+              <a:buNone/>
+              <a:defRPr sz="3800" kern="1200">
+                <a:solidFill>
+                  <a:schemeClr val="bg1"/>
+                </a:solidFill>
+                <a:latin typeface="+mj-lt"/>
+                <a:ea typeface="+mj-ea"/>
+                <a:cs typeface="+mj-cs"/>
+              </a:defRPr>
+            </a:lvl1pPr>
+          </a:lstStyle>
           <a:p>
             <a:r>
               <a:rPr lang="en-US" sz="3200" b="1" dirty="0" smtClean="0"/>
-              <a:t>Model description:</a:t>
+              <a:t>Heads up: Warning</a:t>
             </a:r>
             <a:endParaRPr lang="en-US" sz="3200" b="1" dirty="0"/>
           </a:p>
@@ -8112,113 +9217,181 @@
       </p:sp>
       <p:sp>
         <p:nvSpPr>
-          <p:cNvPr id="3" name="Content Placeholder 2"/>
-          <p:cNvSpPr>
-            <a:spLocks noGrp="1"/>
-          </p:cNvSpPr>
-          <p:nvPr>
-            <p:ph idx="1"/>
-          </p:nvPr>
-        </p:nvSpPr>
-        <p:spPr>
-          <a:xfrm>
-            <a:off x="531423" y="1342663"/>
-            <a:ext cx="8090452" cy="4699322"/>
-          </a:xfrm>
-        </p:spPr>
-        <p:txBody>
-          <a:bodyPr/>
-          <a:lstStyle/>
-          <a:p>
-            <a:r>
-              <a:rPr lang="en-US" dirty="0" smtClean="0"/>
-              <a:t>Size and instar-based.</a:t>
-            </a:r>
-          </a:p>
-          <a:p>
-            <a:r>
-              <a:rPr lang="en-US" dirty="0" smtClean="0"/>
-              <a:t>Instar-based processes:</a:t>
-            </a:r>
-          </a:p>
+          <p:cNvPr id="3" name="Rectangle 2"/>
+          <p:cNvSpPr/>
+          <p:nvPr/>
+        </p:nvSpPr>
+        <p:spPr>
+          <a:xfrm>
+            <a:off x="693348" y="1404695"/>
+            <a:ext cx="7825073" cy="1200329"/>
+          </a:xfrm>
+          <a:prstGeom prst="rect">
+            <a:avLst/>
+          </a:prstGeom>
+        </p:spPr>
+        <p:txBody>
+          <a:bodyPr wrap="square">
+            <a:spAutoFit/>
+          </a:bodyPr>
+          <a:lstStyle/>
+          <a:p>
+            <a:r>
+              <a:rPr lang="en-US" sz="2400" dirty="0" smtClean="0">
+                <a:solidFill>
+                  <a:srgbClr val="FFFFFF"/>
+                </a:solidFill>
+              </a:rPr>
+              <a:t>Population models can be informative,</a:t>
+            </a:r>
+            <a:r>
+              <a:rPr lang="en-US" sz="2400" dirty="0">
+                <a:solidFill>
+                  <a:srgbClr val="FFFFFF"/>
+                </a:solidFill>
+              </a:rPr>
+              <a:t> </a:t>
+            </a:r>
+            <a:r>
+              <a:rPr lang="en-US" sz="2400" dirty="0" smtClean="0">
+                <a:solidFill>
+                  <a:srgbClr val="FFFFFF"/>
+                </a:solidFill>
+              </a:rPr>
+              <a:t>but because lots </a:t>
+            </a:r>
+            <a:r>
+              <a:rPr lang="en-US" sz="2400" dirty="0">
+                <a:solidFill>
+                  <a:srgbClr val="FFFFFF"/>
+                </a:solidFill>
+              </a:rPr>
+              <a:t>of interaction </a:t>
+            </a:r>
+            <a:r>
+              <a:rPr lang="en-US" sz="2400" dirty="0" smtClean="0">
+                <a:solidFill>
+                  <a:srgbClr val="FFFFFF"/>
+                </a:solidFill>
+              </a:rPr>
+              <a:t>between </a:t>
+            </a:r>
+            <a:r>
+              <a:rPr lang="en-US" sz="2400" dirty="0">
+                <a:solidFill>
+                  <a:srgbClr val="FFFFFF"/>
+                </a:solidFill>
+              </a:rPr>
+              <a:t>different components of the </a:t>
+            </a:r>
+            <a:r>
+              <a:rPr lang="en-US" sz="2400" dirty="0" smtClean="0">
+                <a:solidFill>
+                  <a:srgbClr val="FFFFFF"/>
+                </a:solidFill>
+              </a:rPr>
+              <a:t>model: </a:t>
+            </a:r>
+            <a:endParaRPr lang="en-CA" sz="2400" dirty="0"/>
+          </a:p>
+        </p:txBody>
+      </p:sp>
+      <p:sp>
+        <p:nvSpPr>
+          <p:cNvPr id="6" name="TextBox 5"/>
+          <p:cNvSpPr txBox="1"/>
+          <p:nvPr/>
+        </p:nvSpPr>
+        <p:spPr>
+          <a:xfrm>
+            <a:off x="531423" y="2707798"/>
+            <a:ext cx="1880643" cy="369332"/>
+          </a:xfrm>
+          <a:prstGeom prst="rect">
+            <a:avLst/>
+          </a:prstGeom>
+          <a:noFill/>
+        </p:spPr>
+        <p:txBody>
+          <a:bodyPr wrap="none" rtlCol="0">
+            <a:spAutoFit/>
+          </a:bodyPr>
+          <a:lstStyle/>
+          <a:p>
+            <a:r>
+              <a:rPr lang="fr-CA" dirty="0" err="1" smtClean="0"/>
+              <a:t>Better</a:t>
+            </a:r>
+            <a:r>
+              <a:rPr lang="fr-CA" dirty="0" smtClean="0"/>
+              <a:t> </a:t>
+            </a:r>
+            <a:r>
+              <a:rPr lang="fr-CA" dirty="0" err="1" smtClean="0"/>
+              <a:t>examples</a:t>
+            </a:r>
+            <a:endParaRPr lang="en-CA" dirty="0"/>
+          </a:p>
+        </p:txBody>
+      </p:sp>
+      <p:sp>
+        <p:nvSpPr>
+          <p:cNvPr id="7" name="Rectangle 6"/>
+          <p:cNvSpPr/>
+          <p:nvPr/>
+        </p:nvSpPr>
+        <p:spPr>
+          <a:xfrm>
+            <a:off x="346478" y="5683911"/>
+            <a:ext cx="7953375" cy="646331"/>
+          </a:xfrm>
+          <a:prstGeom prst="rect">
+            <a:avLst/>
+          </a:prstGeom>
+        </p:spPr>
+        <p:txBody>
+          <a:bodyPr wrap="square">
+            <a:spAutoFit/>
+          </a:bodyPr>
+          <a:lstStyle/>
           <a:p>
             <a:pPr lvl="1"/>
             <a:r>
-              <a:rPr lang="en-US" dirty="0" smtClean="0"/>
-              <a:t>Recruitment</a:t>
-            </a:r>
-          </a:p>
-          <a:p>
-            <a:pPr lvl="1"/>
-            <a:r>
-              <a:rPr lang="en-US" dirty="0" smtClean="0"/>
-              <a:t>Growth</a:t>
-            </a:r>
-          </a:p>
-          <a:p>
-            <a:pPr lvl="1"/>
-            <a:r>
-              <a:rPr lang="en-US" dirty="0" err="1" smtClean="0"/>
-              <a:t>Moulting</a:t>
-            </a:r>
-            <a:r>
-              <a:rPr lang="en-US" dirty="0" smtClean="0"/>
-              <a:t> probabilities (skip-</a:t>
-            </a:r>
-            <a:r>
-              <a:rPr lang="en-US" dirty="0" err="1" smtClean="0"/>
-              <a:t>moulting</a:t>
-            </a:r>
-            <a:r>
-              <a:rPr lang="en-US" dirty="0" smtClean="0"/>
-              <a:t>, terminal </a:t>
-            </a:r>
-            <a:r>
-              <a:rPr lang="en-US" dirty="0" err="1" smtClean="0"/>
-              <a:t>moults</a:t>
-            </a:r>
-            <a:r>
-              <a:rPr lang="en-US" dirty="0" smtClean="0"/>
-              <a:t>).</a:t>
-            </a:r>
-          </a:p>
-          <a:p>
-            <a:pPr lvl="1"/>
-            <a:r>
-              <a:rPr lang="en-US" dirty="0" smtClean="0"/>
-              <a:t>Mortality</a:t>
-            </a:r>
-          </a:p>
-          <a:p>
-            <a:r>
-              <a:rPr lang="en-US" dirty="0" smtClean="0"/>
-              <a:t>Size-based processes:</a:t>
-            </a:r>
-          </a:p>
-          <a:p>
-            <a:pPr lvl="1"/>
-            <a:r>
-              <a:rPr lang="en-US" dirty="0" smtClean="0"/>
-              <a:t>Trawl selectivity</a:t>
-            </a:r>
-          </a:p>
-          <a:p>
-            <a:pPr lvl="1"/>
-            <a:r>
-              <a:rPr lang="en-US" dirty="0" smtClean="0"/>
-              <a:t>Fishery removals</a:t>
-            </a:r>
-          </a:p>
-          <a:p>
-            <a:pPr lvl="1"/>
-            <a:endParaRPr lang="en-US" dirty="0"/>
+              <a:rPr lang="en-US" i="1" dirty="0" smtClean="0">
+                <a:solidFill>
+                  <a:schemeClr val="bg1"/>
+                </a:solidFill>
+              </a:rPr>
+              <a:t>The model has a </a:t>
+            </a:r>
+            <a:r>
+              <a:rPr lang="en-US" i="1" dirty="0">
+                <a:solidFill>
+                  <a:schemeClr val="bg1"/>
+                </a:solidFill>
+              </a:rPr>
+              <a:t>lot of moving and interacting parts … </a:t>
+            </a:r>
+            <a:r>
+              <a:rPr lang="en-US" i="1" dirty="0" smtClean="0">
+                <a:solidFill>
+                  <a:schemeClr val="bg1"/>
+                </a:solidFill>
+              </a:rPr>
+              <a:t>if one part does not perform realistically, other parts of the model are affected.</a:t>
+            </a:r>
+            <a:endParaRPr lang="en-US" i="1" dirty="0">
+              <a:solidFill>
+                <a:schemeClr val="bg1"/>
+              </a:solidFill>
+            </a:endParaRPr>
           </a:p>
         </p:txBody>
       </p:sp>
     </p:spTree>
     <p:extLst>
       <p:ext uri="{BB962C8B-B14F-4D97-AF65-F5344CB8AC3E}">
-        <p14:creationId xmlns:p14="http://schemas.microsoft.com/office/powerpoint/2010/main" val="1403078090"/>
+        <p14:creationId xmlns:p14="http://schemas.microsoft.com/office/powerpoint/2010/main" val="4191285326"/>
       </p:ext>
     </p:extLst>
   </p:cSld>
@@ -8257,6 +9430,209 @@
         </p:nvSpPr>
         <p:spPr>
           <a:xfrm>
+            <a:off x="598488" y="504825"/>
+            <a:ext cx="7583487" cy="466725"/>
+          </a:xfrm>
+        </p:spPr>
+        <p:txBody>
+          <a:bodyPr/>
+          <a:lstStyle/>
+          <a:p>
+            <a:r>
+              <a:rPr lang="fr-CA" sz="3200" dirty="0" err="1" smtClean="0"/>
+              <a:t>Trawl</a:t>
+            </a:r>
+            <a:r>
+              <a:rPr lang="fr-CA" sz="3200" dirty="0" smtClean="0"/>
+              <a:t> (</a:t>
+            </a:r>
+            <a:r>
+              <a:rPr lang="fr-CA" sz="3200" dirty="0" err="1" smtClean="0"/>
+              <a:t>fishing</a:t>
+            </a:r>
+            <a:r>
+              <a:rPr lang="fr-CA" sz="3200" dirty="0" smtClean="0"/>
+              <a:t>?) </a:t>
+            </a:r>
+            <a:r>
+              <a:rPr lang="fr-CA" sz="3200" dirty="0" err="1" smtClean="0"/>
+              <a:t>selectivity</a:t>
+            </a:r>
+            <a:r>
+              <a:rPr lang="fr-CA" sz="3200" dirty="0" smtClean="0"/>
+              <a:t> </a:t>
+            </a:r>
+            <a:r>
+              <a:rPr lang="fr-CA" sz="3200" dirty="0" err="1" smtClean="0"/>
+              <a:t>function</a:t>
+            </a:r>
+            <a:r>
+              <a:rPr lang="fr-CA" sz="3200" dirty="0" smtClean="0"/>
+              <a:t>:</a:t>
+            </a:r>
+            <a:endParaRPr lang="en-CA" sz="3200" dirty="0"/>
+          </a:p>
+        </p:txBody>
+      </p:sp>
+      <p:sp>
+        <p:nvSpPr>
+          <p:cNvPr id="3" name="Content Placeholder 2"/>
+          <p:cNvSpPr>
+            <a:spLocks noGrp="1"/>
+          </p:cNvSpPr>
+          <p:nvPr>
+            <p:ph idx="1"/>
+          </p:nvPr>
+        </p:nvSpPr>
+        <p:spPr/>
+        <p:txBody>
+          <a:bodyPr/>
+          <a:lstStyle/>
+          <a:p>
+            <a:r>
+              <a:rPr lang="fr-CA" dirty="0" smtClean="0"/>
+              <a:t>Size-</a:t>
+            </a:r>
+            <a:r>
+              <a:rPr lang="fr-CA" dirty="0" err="1" smtClean="0"/>
+              <a:t>based</a:t>
+            </a:r>
+            <a:endParaRPr lang="fr-CA" dirty="0" smtClean="0"/>
+          </a:p>
+          <a:p>
+            <a:r>
+              <a:rPr lang="fr-CA" dirty="0" err="1" smtClean="0"/>
+              <a:t>Logistic</a:t>
+            </a:r>
+            <a:r>
+              <a:rPr lang="fr-CA" dirty="0" smtClean="0"/>
+              <a:t> </a:t>
+            </a:r>
+            <a:r>
+              <a:rPr lang="fr-CA" dirty="0" err="1" smtClean="0"/>
+              <a:t>curve</a:t>
+            </a:r>
+            <a:endParaRPr lang="en-CA" dirty="0"/>
+          </a:p>
+        </p:txBody>
+      </p:sp>
+      <p:pic>
+        <p:nvPicPr>
+          <p:cNvPr id="4" name="Picture 3" descr="Macintosh HD:Users:crustacean:Desktop:gulf-population-modelling:snow crab:female.trawl.selectivity.pdf"/>
+          <p:cNvPicPr/>
+          <p:nvPr/>
+        </p:nvPicPr>
+        <p:blipFill>
+          <a:blip r:embed="rId2">
+            <a:extLst>
+              <a:ext uri="{28A0092B-C50C-407E-A947-70E740481C1C}">
+                <a14:useLocalDpi xmlns:a14="http://schemas.microsoft.com/office/drawing/2010/main" val="0"/>
+              </a:ext>
+            </a:extLst>
+          </a:blip>
+          <a:srcRect/>
+          <a:stretch>
+            <a:fillRect/>
+          </a:stretch>
+        </p:blipFill>
+        <p:spPr bwMode="auto">
+          <a:xfrm>
+            <a:off x="3668030" y="2015010"/>
+            <a:ext cx="4805045" cy="4229100"/>
+          </a:xfrm>
+          <a:prstGeom prst="rect">
+            <a:avLst/>
+          </a:prstGeom>
+          <a:noFill/>
+          <a:ln>
+            <a:noFill/>
+          </a:ln>
+        </p:spPr>
+      </p:pic>
+      <p:sp>
+        <p:nvSpPr>
+          <p:cNvPr id="5" name="TextBox 4"/>
+          <p:cNvSpPr txBox="1"/>
+          <p:nvPr/>
+        </p:nvSpPr>
+        <p:spPr>
+          <a:xfrm>
+            <a:off x="4627562" y="1358382"/>
+            <a:ext cx="2725426" cy="369332"/>
+          </a:xfrm>
+          <a:prstGeom prst="rect">
+            <a:avLst/>
+          </a:prstGeom>
+          <a:noFill/>
+        </p:spPr>
+        <p:txBody>
+          <a:bodyPr wrap="none" rtlCol="0">
+            <a:spAutoFit/>
+          </a:bodyPr>
+          <a:lstStyle/>
+          <a:p>
+            <a:r>
+              <a:rPr lang="fr-CA" dirty="0" err="1" smtClean="0"/>
+              <a:t>Improve</a:t>
+            </a:r>
+            <a:r>
+              <a:rPr lang="fr-CA" dirty="0" smtClean="0"/>
+              <a:t> figure </a:t>
+            </a:r>
+            <a:r>
+              <a:rPr lang="fr-CA" dirty="0" err="1" smtClean="0"/>
+              <a:t>visibility</a:t>
+            </a:r>
+            <a:r>
+              <a:rPr lang="fr-CA" dirty="0" smtClean="0"/>
+              <a:t>:</a:t>
+            </a:r>
+            <a:endParaRPr lang="en-CA" dirty="0"/>
+          </a:p>
+        </p:txBody>
+      </p:sp>
+    </p:spTree>
+    <p:extLst>
+      <p:ext uri="{BB962C8B-B14F-4D97-AF65-F5344CB8AC3E}">
+        <p14:creationId xmlns:p14="http://schemas.microsoft.com/office/powerpoint/2010/main" val="340940951"/>
+      </p:ext>
+    </p:extLst>
+  </p:cSld>
+  <p:clrMapOvr>
+    <a:masterClrMapping/>
+  </p:clrMapOvr>
+</p:sld>
+</file>
+
+<file path=ppt/slides/slide7.xml><?xml version="1.0" encoding="utf-8"?>
+<p:sld xmlns:a="http://schemas.openxmlformats.org/drawingml/2006/main" xmlns:r="http://schemas.openxmlformats.org/officeDocument/2006/relationships" xmlns:p="http://schemas.openxmlformats.org/presentationml/2006/main">
+  <p:cSld>
+    <p:spTree>
+      <p:nvGrpSpPr>
+        <p:cNvPr id="1" name=""/>
+        <p:cNvGrpSpPr/>
+        <p:nvPr/>
+      </p:nvGrpSpPr>
+      <p:grpSpPr>
+        <a:xfrm>
+          <a:off x="0" y="0"/>
+          <a:ext cx="0" cy="0"/>
+          <a:chOff x="0" y="0"/>
+          <a:chExt cx="0" cy="0"/>
+        </a:xfrm>
+      </p:grpSpPr>
+      <p:sp>
+        <p:nvSpPr>
+          <p:cNvPr id="2" name="Title 1"/>
+          <p:cNvSpPr>
+            <a:spLocks noGrp="1"/>
+          </p:cNvSpPr>
+          <p:nvPr>
+            <p:ph type="title"/>
+          </p:nvPr>
+        </p:nvSpPr>
+        <p:spPr>
+          <a:xfrm>
             <a:off x="501658" y="381000"/>
             <a:ext cx="7583487" cy="581352"/>
           </a:xfrm>
@@ -8265,6 +9641,10 @@
           <a:bodyPr/>
           <a:lstStyle/>
           <a:p>
+            <a:r>
+              <a:rPr lang="en-US" sz="3200" b="1" dirty="0" smtClean="0"/>
+              <a:t>Growth &amp; </a:t>
+            </a:r>
             <a:r>
               <a:rPr lang="en-US" sz="3200" b="1" dirty="0" err="1" smtClean="0"/>
               <a:t>Moulting</a:t>
@@ -8393,7 +9773,11 @@
             <a:pPr algn="ctr"/>
             <a:r>
               <a:rPr lang="en-US" dirty="0" smtClean="0"/>
-              <a:t>Instar IX</a:t>
+              <a:t>Instar </a:t>
+            </a:r>
+            <a:r>
+              <a:rPr lang="en-US" dirty="0" smtClean="0"/>
+              <a:t>VIII</a:t>
             </a:r>
             <a:endParaRPr lang="en-US" dirty="0"/>
           </a:p>
@@ -8435,7 +9819,11 @@
             <a:pPr algn="ctr"/>
             <a:r>
               <a:rPr lang="en-US" dirty="0" smtClean="0"/>
-              <a:t>Instar X</a:t>
+              <a:t>Instar </a:t>
+            </a:r>
+            <a:r>
+              <a:rPr lang="en-US" dirty="0" smtClean="0"/>
+              <a:t>IX</a:t>
             </a:r>
             <a:endParaRPr lang="en-US" dirty="0"/>
           </a:p>
@@ -8593,7 +9981,11 @@
             <a:pPr algn="ctr"/>
             <a:r>
               <a:rPr lang="en-US" dirty="0" smtClean="0"/>
-              <a:t>Instar X</a:t>
+              <a:t>Instar </a:t>
+            </a:r>
+            <a:r>
+              <a:rPr lang="en-US" dirty="0" smtClean="0"/>
+              <a:t>IX</a:t>
             </a:r>
             <a:endParaRPr lang="en-US" dirty="0"/>
           </a:p>
@@ -8875,8 +10267,8 @@
         </p:nvSpPr>
         <p:spPr>
           <a:xfrm>
-            <a:off x="972317" y="5248292"/>
-            <a:ext cx="7289175" cy="923330"/>
+            <a:off x="967420" y="5493062"/>
+            <a:ext cx="7271542" cy="923330"/>
           </a:xfrm>
           <a:prstGeom prst="rect">
             <a:avLst/>
@@ -8889,10 +10281,64 @@
           </a:bodyPr>
           <a:lstStyle/>
           <a:p>
-            <a:pPr marL="285750" indent="-285750">
-              <a:buFont typeface="Arial"/>
-              <a:buChar char="•"/>
-            </a:pPr>
+            <a:r>
+              <a:rPr lang="en-US" dirty="0">
+                <a:solidFill>
+                  <a:srgbClr val="FFFFFF"/>
+                </a:solidFill>
+              </a:rPr>
+              <a:t>Immature </a:t>
+            </a:r>
+            <a:r>
+              <a:rPr lang="en-US" dirty="0" err="1">
+                <a:solidFill>
+                  <a:srgbClr val="FFFFFF"/>
+                </a:solidFill>
+              </a:rPr>
+              <a:t>moult</a:t>
+            </a:r>
+            <a:r>
+              <a:rPr lang="en-US" dirty="0">
+                <a:solidFill>
+                  <a:srgbClr val="FFFFFF"/>
+                </a:solidFill>
+              </a:rPr>
+              <a:t> </a:t>
+            </a:r>
+            <a:r>
+              <a:rPr lang="en-US" dirty="0" smtClean="0">
+                <a:solidFill>
+                  <a:srgbClr val="FFFFFF"/>
+                </a:solidFill>
+              </a:rPr>
+              <a:t>	: </a:t>
+            </a:r>
+            <a:r>
+              <a:rPr lang="en-US" dirty="0">
+                <a:solidFill>
+                  <a:srgbClr val="FFFFFF"/>
+                </a:solidFill>
+              </a:rPr>
+              <a:t>instars I </a:t>
+            </a:r>
+            <a:r>
+              <a:rPr lang="en-US" dirty="0" smtClean="0">
+                <a:solidFill>
+                  <a:srgbClr val="FFFFFF"/>
+                </a:solidFill>
+              </a:rPr>
+              <a:t>and </a:t>
+            </a:r>
+            <a:r>
+              <a:rPr lang="en-US" dirty="0">
+                <a:solidFill>
+                  <a:srgbClr val="FFFFFF"/>
+                </a:solidFill>
+              </a:rPr>
+              <a:t>larger.</a:t>
+            </a:r>
+          </a:p>
+          <a:p>
             <a:r>
               <a:rPr lang="en-US" dirty="0" smtClean="0">
                 <a:solidFill>
@@ -8915,21 +10361,25 @@
                   <a:srgbClr val="FFFFFF"/>
                 </a:solidFill>
               </a:rPr>
-              <a:t> : male instars IX-XII</a:t>
-            </a:r>
-          </a:p>
-          <a:p>
-            <a:pPr marL="285750" indent="-285750">
-              <a:buFont typeface="Arial"/>
-              <a:buChar char="•"/>
-            </a:pPr>
+              <a:t>     	: </a:t>
+            </a:r>
             <a:r>
               <a:rPr lang="en-US" dirty="0" smtClean="0">
                 <a:solidFill>
                   <a:srgbClr val="FFFFFF"/>
                 </a:solidFill>
               </a:rPr>
-              <a:t>Immature </a:t>
+              <a:t>male instars IX-XII</a:t>
+            </a:r>
+          </a:p>
+          <a:p>
+            <a:r>
+              <a:rPr lang="en-US" dirty="0" smtClean="0">
+                <a:solidFill>
+                  <a:srgbClr val="FFFFFF"/>
+                </a:solidFill>
+              </a:rPr>
+              <a:t>Maturity </a:t>
             </a:r>
             <a:r>
               <a:rPr lang="en-US" dirty="0" err="1" smtClean="0">
@@ -8940,42 +10390,28 @@
               <a:t>moult</a:t>
             </a:r>
             <a:r>
+              <a:rPr lang="en-US" dirty="0">
+                <a:solidFill>
+                  <a:srgbClr val="FFFFFF"/>
+                </a:solidFill>
+              </a:rPr>
+              <a:t>	</a:t>
+            </a:r>
+            <a:r>
               <a:rPr lang="en-US" dirty="0" smtClean="0">
                 <a:solidFill>
                   <a:srgbClr val="FFFFFF"/>
                 </a:solidFill>
               </a:rPr>
-              <a:t> : instars I ad larger.</a:t>
-            </a:r>
-          </a:p>
-          <a:p>
-            <a:pPr marL="285750" indent="-285750">
-              <a:buFont typeface="Arial"/>
-              <a:buChar char="•"/>
-            </a:pPr>
+              <a:t>: </a:t>
+            </a:r>
             <a:r>
               <a:rPr lang="en-US" dirty="0" smtClean="0">
                 <a:solidFill>
                   <a:srgbClr val="FFFFFF"/>
                 </a:solidFill>
               </a:rPr>
-              <a:t>Maturity </a:t>
-            </a:r>
-            <a:r>
-              <a:rPr lang="en-US" dirty="0" err="1" smtClean="0">
-                <a:solidFill>
-                  <a:srgbClr val="FFFFFF"/>
-                </a:solidFill>
-              </a:rPr>
-              <a:t>moult</a:t>
-            </a:r>
-            <a:r>
-              <a:rPr lang="en-US" dirty="0" smtClean="0">
-                <a:solidFill>
-                  <a:srgbClr val="FFFFFF"/>
-                </a:solidFill>
-              </a:rPr>
-              <a:t> : female instars VIII and IX and male instars VIII-XII</a:t>
+              <a:t>female instars VIII and IX and male instars VIII-XII</a:t>
             </a:r>
             <a:endParaRPr lang="en-US" dirty="0">
               <a:solidFill>
@@ -8998,14 +10434,14 @@
   <p:timing>
     <p:tnLst>
       <p:par>
-        <p:cTn xmlns:p14="http://schemas.microsoft.com/office/powerpoint/2010/main" id="1" dur="indefinite" restart="never" nodeType="tmRoot"/>
+        <p:cTn id="1" dur="indefinite" restart="never" nodeType="tmRoot"/>
       </p:par>
     </p:tnLst>
   </p:timing>
 </p:sld>
 </file>
 
-<file path=ppt/slides/slide7.xml><?xml version="1.0" encoding="utf-8"?>
+<file path=ppt/slides/slide8.xml><?xml version="1.0" encoding="utf-8"?>
 <p:sld xmlns:a="http://schemas.openxmlformats.org/drawingml/2006/main" xmlns:r="http://schemas.openxmlformats.org/officeDocument/2006/relationships" xmlns:p="http://schemas.openxmlformats.org/presentationml/2006/main">
   <p:cSld>
     <p:spTree>
@@ -9072,7 +10508,7 @@
           <a:graphicData uri="http://schemas.openxmlformats.org/presentationml/2006/ole">
             <mc:AlternateContent xmlns:mc="http://schemas.openxmlformats.org/markup-compatibility/2006">
               <mc:Choice xmlns:v="urn:schemas-microsoft-com:vml" Requires="v">
-                <p:oleObj spid="_x0000_s1145" name="Document" r:id="rId3" imgW="5943600" imgH="1257300" progId="Word.Document.12">
+                <p:oleObj spid="_x0000_s1193" name="Document" r:id="rId3" imgW="5943600" imgH="1257300" progId="Word.Document.12">
                   <p:embed/>
                 </p:oleObj>
               </mc:Choice>
@@ -9167,7 +10603,7 @@
           <a:graphicData uri="http://schemas.openxmlformats.org/presentationml/2006/ole">
             <mc:AlternateContent xmlns:mc="http://schemas.openxmlformats.org/markup-compatibility/2006">
               <mc:Choice xmlns:v="urn:schemas-microsoft-com:vml" Requires="v">
-                <p:oleObj spid="_x0000_s1146" name="Document" r:id="rId5" imgW="5943600" imgH="584200" progId="Word.Document.12">
+                <p:oleObj spid="_x0000_s1194" name="Document" r:id="rId5" imgW="5943600" imgH="584200" progId="Word.Document.12">
                   <p:embed/>
                 </p:oleObj>
               </mc:Choice>
@@ -9224,7 +10660,7 @@
           <a:graphicData uri="http://schemas.openxmlformats.org/presentationml/2006/ole">
             <mc:AlternateContent xmlns:mc="http://schemas.openxmlformats.org/markup-compatibility/2006">
               <mc:Choice xmlns:v="urn:schemas-microsoft-com:vml" Requires="v">
-                <p:oleObj spid="_x0000_s1147" name="Document" r:id="rId7" imgW="5943600" imgH="584200" progId="Word.Document.12">
+                <p:oleObj spid="_x0000_s1195" name="Document" r:id="rId7" imgW="5943600" imgH="584200" progId="Word.Document.12">
                   <p:embed/>
                 </p:oleObj>
               </mc:Choice>
@@ -9281,7 +10717,7 @@
           <a:graphicData uri="http://schemas.openxmlformats.org/presentationml/2006/ole">
             <mc:AlternateContent xmlns:mc="http://schemas.openxmlformats.org/markup-compatibility/2006">
               <mc:Choice xmlns:v="urn:schemas-microsoft-com:vml" Requires="v">
-                <p:oleObj spid="_x0000_s1148" name="Document" r:id="rId9" imgW="5943600" imgH="571500" progId="Word.Document.12">
+                <p:oleObj spid="_x0000_s1196" name="Document" r:id="rId9" imgW="5943600" imgH="571500" progId="Word.Document.12">
                   <p:embed/>
                 </p:oleObj>
               </mc:Choice>
@@ -9405,7 +10841,7 @@
 </p:sld>
 </file>
 
-<file path=ppt/slides/slide8.xml><?xml version="1.0" encoding="utf-8"?>
+<file path=ppt/slides/slide9.xml><?xml version="1.0" encoding="utf-8"?>
 <p:sld xmlns:a="http://schemas.openxmlformats.org/drawingml/2006/main" xmlns:r="http://schemas.openxmlformats.org/officeDocument/2006/relationships" xmlns:p="http://schemas.openxmlformats.org/presentationml/2006/main">
   <p:cSld>
     <p:spTree>
@@ -9472,7 +10908,7 @@
           <a:graphicData uri="http://schemas.openxmlformats.org/presentationml/2006/ole">
             <mc:AlternateContent xmlns:mc="http://schemas.openxmlformats.org/markup-compatibility/2006">
               <mc:Choice xmlns:v="urn:schemas-microsoft-com:vml" Requires="v">
-                <p:oleObj spid="_x0000_s2134" name="Document" r:id="rId3" imgW="5943600" imgH="571500" progId="Word.Document.12">
+                <p:oleObj spid="_x0000_s2170" name="Document" r:id="rId3" imgW="5943600" imgH="571500" progId="Word.Document.12">
                   <p:embed/>
                 </p:oleObj>
               </mc:Choice>
@@ -9567,7 +11003,7 @@
           <a:graphicData uri="http://schemas.openxmlformats.org/presentationml/2006/ole">
             <mc:AlternateContent xmlns:mc="http://schemas.openxmlformats.org/markup-compatibility/2006">
               <mc:Choice xmlns:v="urn:schemas-microsoft-com:vml" Requires="v">
-                <p:oleObj spid="_x0000_s2135" name="Document" r:id="rId5" imgW="5943600" imgH="1282700" progId="Word.Document.12">
+                <p:oleObj spid="_x0000_s2171" name="Document" r:id="rId5" imgW="5943600" imgH="1282700" progId="Word.Document.12">
                   <p:embed/>
                 </p:oleObj>
               </mc:Choice>
@@ -9662,7 +11098,7 @@
           <a:graphicData uri="http://schemas.openxmlformats.org/presentationml/2006/ole">
             <mc:AlternateContent xmlns:mc="http://schemas.openxmlformats.org/markup-compatibility/2006">
               <mc:Choice xmlns:v="urn:schemas-microsoft-com:vml" Requires="v">
-                <p:oleObj spid="_x0000_s2136" name="Document" r:id="rId7" imgW="5943600" imgH="304800" progId="Word.Document.12">
+                <p:oleObj spid="_x0000_s2172" name="Document" r:id="rId7" imgW="5943600" imgH="304800" progId="Word.Document.12">
                   <p:embed/>
                 </p:oleObj>
               </mc:Choice>
@@ -9735,101 +11171,48 @@
           </a:p>
         </p:txBody>
       </p:sp>
+      <p:sp>
+        <p:nvSpPr>
+          <p:cNvPr id="5" name="TextBox 4"/>
+          <p:cNvSpPr txBox="1"/>
+          <p:nvPr/>
+        </p:nvSpPr>
+        <p:spPr>
+          <a:xfrm>
+            <a:off x="3829050" y="1238250"/>
+            <a:ext cx="933269" cy="369332"/>
+          </a:xfrm>
+          <a:prstGeom prst="rect">
+            <a:avLst/>
+          </a:prstGeom>
+          <a:noFill/>
+        </p:spPr>
+        <p:txBody>
+          <a:bodyPr wrap="none" rtlCol="0">
+            <a:spAutoFit/>
+          </a:bodyPr>
+          <a:lstStyle/>
+          <a:p>
+            <a:r>
+              <a:rPr lang="fr-CA" dirty="0" err="1" smtClean="0"/>
+              <a:t>Fix</a:t>
+            </a:r>
+            <a:r>
+              <a:rPr lang="fr-CA" dirty="0" smtClean="0"/>
+              <a:t> </a:t>
+            </a:r>
+            <a:r>
+              <a:rPr lang="fr-CA" dirty="0" err="1" smtClean="0"/>
+              <a:t>this</a:t>
+            </a:r>
+            <a:endParaRPr lang="en-CA" dirty="0"/>
+          </a:p>
+        </p:txBody>
+      </p:sp>
     </p:spTree>
     <p:extLst>
       <p:ext uri="{BB962C8B-B14F-4D97-AF65-F5344CB8AC3E}">
         <p14:creationId xmlns:p14="http://schemas.microsoft.com/office/powerpoint/2010/main" val="1429642829"/>
-      </p:ext>
-    </p:extLst>
-  </p:cSld>
-  <p:clrMapOvr>
-    <a:masterClrMapping/>
-  </p:clrMapOvr>
-</p:sld>
-</file>
-
-<file path=ppt/slides/slide9.xml><?xml version="1.0" encoding="utf-8"?>
-<p:sld xmlns:a="http://schemas.openxmlformats.org/drawingml/2006/main" xmlns:r="http://schemas.openxmlformats.org/officeDocument/2006/relationships" xmlns:p="http://schemas.openxmlformats.org/presentationml/2006/main">
-  <p:cSld>
-    <p:spTree>
-      <p:nvGrpSpPr>
-        <p:cNvPr id="1" name=""/>
-        <p:cNvGrpSpPr/>
-        <p:nvPr/>
-      </p:nvGrpSpPr>
-      <p:grpSpPr>
-        <a:xfrm>
-          <a:off x="0" y="0"/>
-          <a:ext cx="0" cy="0"/>
-          <a:chOff x="0" y="0"/>
-          <a:chExt cx="0" cy="0"/>
-        </a:xfrm>
-      </p:grpSpPr>
-      <p:sp>
-        <p:nvSpPr>
-          <p:cNvPr id="2" name="Title 1"/>
-          <p:cNvSpPr>
-            <a:spLocks noGrp="1"/>
-          </p:cNvSpPr>
-          <p:nvPr>
-            <p:ph type="title"/>
-          </p:nvPr>
-        </p:nvSpPr>
-        <p:spPr>
-          <a:xfrm>
-            <a:off x="581031" y="311552"/>
-            <a:ext cx="7583487" cy="551589"/>
-          </a:xfrm>
-        </p:spPr>
-        <p:txBody>
-          <a:bodyPr/>
-          <a:lstStyle/>
-          <a:p>
-            <a:r>
-              <a:rPr lang="en-US" sz="3200" b="1" dirty="0" smtClean="0"/>
-              <a:t>Females: size-frequencies &amp; model fit</a:t>
-            </a:r>
-            <a:endParaRPr lang="en-US" sz="3200" b="1" dirty="0"/>
-          </a:p>
-        </p:txBody>
-      </p:sp>
-      <p:pic>
-        <p:nvPicPr>
-          <p:cNvPr id="4" name="Picture 3" descr="Macintosh HD:Users:crustacean:Desktop:gulf-population-modelling:snow crab:female.size.frequency.pdf"/>
-          <p:cNvPicPr/>
-          <p:nvPr/>
-        </p:nvPicPr>
-        <p:blipFill>
-          <a:blip r:embed="rId2">
-            <a:extLst>
-              <a:ext uri="{28A0092B-C50C-407E-A947-70E740481C1C}">
-                <a14:useLocalDpi xmlns:a14="http://schemas.microsoft.com/office/drawing/2010/main" val="0"/>
-              </a:ext>
-            </a:extLst>
-          </a:blip>
-          <a:srcRect/>
-          <a:stretch>
-            <a:fillRect/>
-          </a:stretch>
-        </p:blipFill>
-        <p:spPr bwMode="auto">
-          <a:xfrm>
-            <a:off x="1396927" y="966697"/>
-            <a:ext cx="6322081" cy="5561425"/>
-          </a:xfrm>
-          <a:prstGeom prst="rect">
-            <a:avLst/>
-          </a:prstGeom>
-          <a:noFill/>
-          <a:ln>
-            <a:noFill/>
-          </a:ln>
-        </p:spPr>
-      </p:pic>
-    </p:spTree>
-    <p:extLst>
-      <p:ext uri="{BB962C8B-B14F-4D97-AF65-F5344CB8AC3E}">
-        <p14:creationId xmlns:p14="http://schemas.microsoft.com/office/powerpoint/2010/main" val="3055775552"/>
       </p:ext>
     </p:extLst>
   </p:cSld>

--- a/snow crab/Population Model.pptx
+++ b/snow crab/Population Model.pptx
@@ -5,10 +5,10 @@
     <p:sldMasterId id="2147483753" r:id="rId1"/>
   </p:sldMasterIdLst>
   <p:notesMasterIdLst>
-    <p:notesMasterId r:id="rId22"/>
+    <p:notesMasterId r:id="rId23"/>
   </p:notesMasterIdLst>
   <p:handoutMasterIdLst>
-    <p:handoutMasterId r:id="rId23"/>
+    <p:handoutMasterId r:id="rId24"/>
   </p:handoutMasterIdLst>
   <p:sldIdLst>
     <p:sldId id="256" r:id="rId2"/>
@@ -20,17 +20,18 @@
     <p:sldId id="268" r:id="rId8"/>
     <p:sldId id="264" r:id="rId9"/>
     <p:sldId id="266" r:id="rId10"/>
-    <p:sldId id="259" r:id="rId11"/>
-    <p:sldId id="257" r:id="rId12"/>
+    <p:sldId id="279" r:id="rId11"/>
+    <p:sldId id="280" r:id="rId12"/>
     <p:sldId id="258" r:id="rId13"/>
     <p:sldId id="261" r:id="rId14"/>
     <p:sldId id="277" r:id="rId15"/>
     <p:sldId id="272" r:id="rId16"/>
     <p:sldId id="278" r:id="rId17"/>
-    <p:sldId id="270" r:id="rId18"/>
-    <p:sldId id="274" r:id="rId19"/>
-    <p:sldId id="271" r:id="rId20"/>
-    <p:sldId id="275" r:id="rId21"/>
+    <p:sldId id="281" r:id="rId18"/>
+    <p:sldId id="270" r:id="rId19"/>
+    <p:sldId id="274" r:id="rId20"/>
+    <p:sldId id="271" r:id="rId21"/>
+    <p:sldId id="275" r:id="rId22"/>
   </p:sldIdLst>
   <p:sldSz cx="9144000" cy="6858000" type="screen4x3"/>
   <p:notesSz cx="6858000" cy="9144000"/>
@@ -131,7 +132,7 @@
   </p:defaultTextStyle>
   <p:extLst>
     <p:ext uri="{EFAFB233-063F-42B5-8137-9DF3F51BA10A}">
-      <p15:sldGuideLst xmlns:p15="http://schemas.microsoft.com/office/powerpoint/2012/main">
+      <p15:sldGuideLst xmlns:p15="http://schemas.microsoft.com/office/powerpoint/2012/main" xmlns="">
         <p15:guide id="1" orient="horz" pos="2160">
           <p15:clr>
             <a:srgbClr val="A4A3A4"/>
@@ -230,7 +231,7 @@
           <a:p>
             <a:fld id="{20820833-0B4B-944C-BE1D-41D4458C9006}" type="datetimeFigureOut">
               <a:rPr lang="en-US" smtClean="0"/>
-              <a:t>2/3/2021</a:t>
+              <a:t>21-02-03</a:t>
             </a:fld>
             <a:endParaRPr lang="en-US"/>
           </a:p>
@@ -395,7 +396,7 @@
           <a:p>
             <a:fld id="{237696C7-E4BF-8147-9110-634F7DFB9847}" type="datetimeFigureOut">
               <a:rPr lang="en-US" smtClean="0"/>
-              <a:t>2/3/2021</a:t>
+              <a:t>21-02-03</a:t>
             </a:fld>
             <a:endParaRPr lang="en-US"/>
           </a:p>
@@ -707,6 +708,344 @@
           <a:bodyPr/>
           <a:lstStyle/>
           <a:p>
+            <a:pPr marL="285750" indent="-285750">
+              <a:buFont typeface="Arial"/>
+              <a:buChar char="•"/>
+            </a:pPr>
+            <a:r>
+              <a:rPr lang="en-US" dirty="0" smtClean="0">
+                <a:solidFill>
+                  <a:schemeClr val="bg1"/>
+                </a:solidFill>
+              </a:rPr>
+              <a:t>Relative to 2020.</a:t>
+            </a:r>
+          </a:p>
+          <a:p>
+            <a:pPr marL="285750" indent="-285750">
+              <a:buFont typeface="Arial"/>
+              <a:buChar char="•"/>
+            </a:pPr>
+            <a:r>
+              <a:rPr lang="en-US" dirty="0" smtClean="0">
+                <a:solidFill>
+                  <a:schemeClr val="bg1"/>
+                </a:solidFill>
+              </a:rPr>
+              <a:t>Treated as global year effects.</a:t>
+            </a:r>
+          </a:p>
+          <a:p>
+            <a:pPr marL="285750" indent="-285750">
+              <a:buFont typeface="Arial"/>
+              <a:buChar char="•"/>
+            </a:pPr>
+            <a:r>
+              <a:rPr lang="en-US" dirty="0" smtClean="0">
+                <a:solidFill>
+                  <a:schemeClr val="bg1"/>
+                </a:solidFill>
+              </a:rPr>
+              <a:t>Jean Mathieu is associated with lower levels.</a:t>
+            </a:r>
+          </a:p>
+          <a:p>
+            <a:pPr marL="285750" indent="-285750">
+              <a:buFont typeface="Arial"/>
+              <a:buChar char="•"/>
+            </a:pPr>
+            <a:r>
+              <a:rPr lang="en-US" dirty="0" smtClean="0">
+                <a:solidFill>
+                  <a:schemeClr val="bg1"/>
+                </a:solidFill>
+              </a:rPr>
+              <a:t>Jean Mathieu shows increasing </a:t>
+            </a:r>
+            <a:r>
+              <a:rPr lang="en-US" dirty="0" err="1" smtClean="0">
+                <a:solidFill>
+                  <a:schemeClr val="bg1"/>
+                </a:solidFill>
+              </a:rPr>
+              <a:t>catchability</a:t>
+            </a:r>
+            <a:r>
+              <a:rPr lang="en-US" dirty="0" smtClean="0">
+                <a:solidFill>
+                  <a:schemeClr val="bg1"/>
+                </a:solidFill>
+              </a:rPr>
+              <a:t> trend.</a:t>
+            </a:r>
+          </a:p>
+          <a:p>
+            <a:endParaRPr lang="en-US" dirty="0" smtClean="0"/>
+          </a:p>
+          <a:p>
+            <a:r>
+              <a:rPr lang="fr-CA" dirty="0" err="1" smtClean="0"/>
+              <a:t>Though</a:t>
+            </a:r>
+            <a:r>
+              <a:rPr lang="fr-CA" dirty="0" smtClean="0"/>
+              <a:t> </a:t>
+            </a:r>
+            <a:r>
+              <a:rPr lang="fr-CA" dirty="0" err="1" smtClean="0"/>
+              <a:t>decreases</a:t>
+            </a:r>
+            <a:r>
+              <a:rPr lang="fr-CA" dirty="0" smtClean="0"/>
+              <a:t> in </a:t>
+            </a:r>
+            <a:r>
+              <a:rPr lang="fr-CA" dirty="0" err="1" smtClean="0"/>
+              <a:t>year</a:t>
+            </a:r>
+            <a:r>
+              <a:rPr lang="fr-CA" dirty="0" smtClean="0"/>
+              <a:t> </a:t>
+            </a:r>
+            <a:r>
+              <a:rPr lang="fr-CA" dirty="0" err="1" smtClean="0"/>
+              <a:t>effect</a:t>
+            </a:r>
+            <a:r>
+              <a:rPr lang="fr-CA" dirty="0" smtClean="0"/>
+              <a:t> </a:t>
+            </a:r>
+            <a:r>
+              <a:rPr lang="fr-CA" dirty="0" err="1" smtClean="0"/>
+              <a:t>can</a:t>
+            </a:r>
+            <a:r>
+              <a:rPr lang="fr-CA" dirty="0" smtClean="0"/>
+              <a:t> </a:t>
+            </a:r>
+            <a:r>
+              <a:rPr lang="fr-CA" dirty="0" err="1" smtClean="0"/>
+              <a:t>be</a:t>
+            </a:r>
+            <a:r>
+              <a:rPr lang="fr-CA" dirty="0" smtClean="0"/>
+              <a:t> </a:t>
+            </a:r>
+            <a:r>
+              <a:rPr lang="fr-CA" dirty="0" err="1" smtClean="0"/>
+              <a:t>explained</a:t>
+            </a:r>
+            <a:r>
+              <a:rPr lang="fr-CA" dirty="0" smtClean="0"/>
+              <a:t> by an </a:t>
+            </a:r>
+            <a:r>
+              <a:rPr lang="fr-CA" dirty="0" err="1" smtClean="0"/>
+              <a:t>increase</a:t>
+            </a:r>
+            <a:r>
+              <a:rPr lang="fr-CA" dirty="0" smtClean="0"/>
+              <a:t> in </a:t>
+            </a:r>
+            <a:r>
+              <a:rPr lang="fr-CA" dirty="0" err="1" smtClean="0"/>
+              <a:t>mortality</a:t>
+            </a:r>
+            <a:r>
+              <a:rPr lang="fr-CA" dirty="0" smtClean="0"/>
+              <a:t> for all sizes, </a:t>
+            </a:r>
+          </a:p>
+          <a:p>
+            <a:r>
+              <a:rPr lang="fr-CA" dirty="0" err="1" smtClean="0"/>
+              <a:t>increases</a:t>
+            </a:r>
+            <a:r>
+              <a:rPr lang="fr-CA" dirty="0" smtClean="0"/>
+              <a:t> </a:t>
+            </a:r>
+            <a:r>
+              <a:rPr lang="fr-CA" dirty="0" err="1" smtClean="0"/>
+              <a:t>such</a:t>
+            </a:r>
+            <a:r>
+              <a:rPr lang="fr-CA" dirty="0" smtClean="0"/>
+              <a:t> as </a:t>
+            </a:r>
+            <a:r>
+              <a:rPr lang="fr-CA" dirty="0" err="1" smtClean="0"/>
+              <a:t>that</a:t>
+            </a:r>
+            <a:r>
+              <a:rPr lang="fr-CA" dirty="0" smtClean="0"/>
+              <a:t> </a:t>
+            </a:r>
+            <a:r>
+              <a:rPr lang="fr-CA" dirty="0" err="1" smtClean="0"/>
+              <a:t>observed</a:t>
+            </a:r>
+            <a:r>
+              <a:rPr lang="fr-CA" dirty="0" smtClean="0"/>
+              <a:t> in 2019 </a:t>
+            </a:r>
+            <a:r>
+              <a:rPr lang="fr-CA" dirty="0" err="1" smtClean="0"/>
+              <a:t>strongly</a:t>
+            </a:r>
+            <a:r>
+              <a:rPr lang="fr-CA" dirty="0" smtClean="0"/>
+              <a:t> signal an </a:t>
+            </a:r>
+            <a:r>
+              <a:rPr lang="fr-CA" dirty="0" err="1" smtClean="0"/>
+              <a:t>increase</a:t>
+            </a:r>
+            <a:r>
+              <a:rPr lang="fr-CA" dirty="0" smtClean="0"/>
+              <a:t> in </a:t>
+            </a:r>
+            <a:r>
+              <a:rPr lang="fr-CA" dirty="0" err="1" smtClean="0"/>
+              <a:t>catchability</a:t>
+            </a:r>
+            <a:r>
+              <a:rPr lang="fr-CA" dirty="0" smtClean="0"/>
+              <a:t>.</a:t>
+            </a:r>
+            <a:endParaRPr lang="en-CA" dirty="0" smtClean="0"/>
+          </a:p>
+          <a:p>
+            <a:endParaRPr lang="en-US" dirty="0" smtClean="0"/>
+          </a:p>
+          <a:p>
+            <a:pPr marL="0" marR="0" indent="0" algn="l" defTabSz="457200" rtl="0" eaLnBrk="1" fontAlgn="auto" latinLnBrk="0" hangingPunct="1">
+              <a:lnSpc>
+                <a:spcPct val="100000"/>
+              </a:lnSpc>
+              <a:spcBef>
+                <a:spcPts val="0"/>
+              </a:spcBef>
+              <a:spcAft>
+                <a:spcPts val="0"/>
+              </a:spcAft>
+              <a:buClrTx/>
+              <a:buSzTx/>
+              <a:buFontTx/>
+              <a:buNone/>
+              <a:tabLst/>
+              <a:defRPr/>
+            </a:pPr>
+            <a:r>
+              <a:rPr lang="en-US" dirty="0" smtClean="0">
+                <a:solidFill>
+                  <a:schemeClr val="bg1"/>
+                </a:solidFill>
+              </a:rPr>
+              <a:t>Marco Michel (2006-2012) and Avalon Voyager II (2019-2020) </a:t>
+            </a:r>
+            <a:r>
+              <a:rPr lang="en-US" i="1" dirty="0" smtClean="0">
+                <a:solidFill>
+                  <a:schemeClr val="bg1"/>
+                </a:solidFill>
+              </a:rPr>
+              <a:t>seem</a:t>
+            </a:r>
+            <a:r>
+              <a:rPr lang="en-US" dirty="0" smtClean="0">
+                <a:solidFill>
+                  <a:schemeClr val="bg1"/>
+                </a:solidFill>
+              </a:rPr>
+              <a:t> to have comparable levels, but changes across a wide time interval are probably unreliable.</a:t>
+            </a:r>
+          </a:p>
+          <a:p>
+            <a:endParaRPr lang="en-US" dirty="0"/>
+          </a:p>
+        </p:txBody>
+      </p:sp>
+      <p:sp>
+        <p:nvSpPr>
+          <p:cNvPr id="4" name="Slide Number Placeholder 3"/>
+          <p:cNvSpPr>
+            <a:spLocks noGrp="1"/>
+          </p:cNvSpPr>
+          <p:nvPr>
+            <p:ph type="sldNum" sz="quarter" idx="10"/>
+          </p:nvPr>
+        </p:nvSpPr>
+        <p:spPr/>
+        <p:txBody>
+          <a:bodyPr/>
+          <a:lstStyle/>
+          <a:p>
+            <a:fld id="{9CAE947A-4681-AE4E-B108-76091BED1CFD}" type="slidenum">
+              <a:rPr lang="en-US" smtClean="0"/>
+              <a:t>12</a:t>
+            </a:fld>
+            <a:endParaRPr lang="en-US"/>
+          </a:p>
+        </p:txBody>
+      </p:sp>
+    </p:spTree>
+    <p:extLst>
+      <p:ext uri="{BB962C8B-B14F-4D97-AF65-F5344CB8AC3E}">
+        <p14:creationId xmlns:p14="http://schemas.microsoft.com/office/powerpoint/2010/main" val="743093060"/>
+      </p:ext>
+    </p:extLst>
+  </p:cSld>
+  <p:clrMapOvr>
+    <a:masterClrMapping/>
+  </p:clrMapOvr>
+</p:notes>
+</file>
+
+<file path=ppt/notesSlides/notesSlide2.xml><?xml version="1.0" encoding="utf-8"?>
+<p:notes xmlns:a="http://schemas.openxmlformats.org/drawingml/2006/main" xmlns:r="http://schemas.openxmlformats.org/officeDocument/2006/relationships" xmlns:p="http://schemas.openxmlformats.org/presentationml/2006/main">
+  <p:cSld>
+    <p:spTree>
+      <p:nvGrpSpPr>
+        <p:cNvPr id="1" name=""/>
+        <p:cNvGrpSpPr/>
+        <p:nvPr/>
+      </p:nvGrpSpPr>
+      <p:grpSpPr>
+        <a:xfrm>
+          <a:off x="0" y="0"/>
+          <a:ext cx="0" cy="0"/>
+          <a:chOff x="0" y="0"/>
+          <a:chExt cx="0" cy="0"/>
+        </a:xfrm>
+      </p:grpSpPr>
+      <p:sp>
+        <p:nvSpPr>
+          <p:cNvPr id="2" name="Slide Image Placeholder 1"/>
+          <p:cNvSpPr>
+            <a:spLocks noGrp="1" noRot="1" noChangeAspect="1"/>
+          </p:cNvSpPr>
+          <p:nvPr>
+            <p:ph type="sldImg"/>
+          </p:nvPr>
+        </p:nvSpPr>
+        <p:spPr/>
+      </p:sp>
+      <p:sp>
+        <p:nvSpPr>
+          <p:cNvPr id="3" name="Notes Placeholder 2"/>
+          <p:cNvSpPr>
+            <a:spLocks noGrp="1"/>
+          </p:cNvSpPr>
+          <p:nvPr>
+            <p:ph type="body" idx="1"/>
+          </p:nvPr>
+        </p:nvSpPr>
+        <p:spPr/>
+        <p:txBody>
+          <a:bodyPr/>
+          <a:lstStyle/>
+          <a:p>
             <a:endParaRPr lang="en-US" dirty="0"/>
           </a:p>
         </p:txBody>
@@ -982,7 +1321,7 @@
           <a:p>
             <a:fld id="{D140825E-4A15-4D39-8176-1F07E904CB30}" type="datetimeFigureOut">
               <a:rPr lang="en-US" smtClean="0"/>
-              <a:t>2/3/2021</a:t>
+              <a:t>21-02-03</a:t>
             </a:fld>
             <a:endParaRPr lang="en-US"/>
           </a:p>
@@ -1073,7 +1412,7 @@
           <a:p>
             <a:fld id="{4E1ECE06-1F59-BD45-8BF4-D8B6A5912696}" type="datetimeFigureOut">
               <a:rPr lang="en-US" smtClean="0"/>
-              <a:t>2/3/2021</a:t>
+              <a:t>21-02-03</a:t>
             </a:fld>
             <a:endParaRPr lang="en-US"/>
           </a:p>
@@ -1376,7 +1715,7 @@
           <a:p>
             <a:fld id="{4E1ECE06-1F59-BD45-8BF4-D8B6A5912696}" type="datetimeFigureOut">
               <a:rPr lang="en-US" smtClean="0"/>
-              <a:t>2/3/2021</a:t>
+              <a:t>21-02-03</a:t>
             </a:fld>
             <a:endParaRPr lang="en-US"/>
           </a:p>
@@ -1597,7 +1936,7 @@
           <a:p>
             <a:fld id="{4E1ECE06-1F59-BD45-8BF4-D8B6A5912696}" type="datetimeFigureOut">
               <a:rPr lang="en-US" smtClean="0"/>
-              <a:t>2/3/2021</a:t>
+              <a:t>21-02-03</a:t>
             </a:fld>
             <a:endParaRPr lang="en-US"/>
           </a:p>
@@ -1985,7 +2324,7 @@
           <a:p>
             <a:fld id="{4E1ECE06-1F59-BD45-8BF4-D8B6A5912696}" type="datetimeFigureOut">
               <a:rPr lang="en-US" smtClean="0"/>
-              <a:t>2/3/2021</a:t>
+              <a:t>21-02-03</a:t>
             </a:fld>
             <a:endParaRPr lang="en-US"/>
           </a:p>
@@ -2293,7 +2632,7 @@
           <a:p>
             <a:fld id="{4E1ECE06-1F59-BD45-8BF4-D8B6A5912696}" type="datetimeFigureOut">
               <a:rPr lang="en-US" smtClean="0"/>
-              <a:t>2/3/2021</a:t>
+              <a:t>21-02-03</a:t>
             </a:fld>
             <a:endParaRPr lang="en-US"/>
           </a:p>
@@ -2491,7 +2830,7 @@
           <a:p>
             <a:fld id="{4E1ECE06-1F59-BD45-8BF4-D8B6A5912696}" type="datetimeFigureOut">
               <a:rPr lang="en-US" smtClean="0"/>
-              <a:t>2/3/2021</a:t>
+              <a:t>21-02-03</a:t>
             </a:fld>
             <a:endParaRPr lang="en-US"/>
           </a:p>
@@ -2694,7 +3033,7 @@
           <a:p>
             <a:fld id="{4E1ECE06-1F59-BD45-8BF4-D8B6A5912696}" type="datetimeFigureOut">
               <a:rPr lang="en-US" smtClean="0"/>
-              <a:t>2/3/2021</a:t>
+              <a:t>21-02-03</a:t>
             </a:fld>
             <a:endParaRPr lang="en-US"/>
           </a:p>
@@ -2887,7 +3226,7 @@
           <a:p>
             <a:fld id="{4E1ECE06-1F59-BD45-8BF4-D8B6A5912696}" type="datetimeFigureOut">
               <a:rPr lang="en-US" smtClean="0"/>
-              <a:t>2/3/2021</a:t>
+              <a:t>21-02-03</a:t>
             </a:fld>
             <a:endParaRPr lang="en-US"/>
           </a:p>
@@ -3159,7 +3498,7 @@
           <a:p>
             <a:fld id="{D140825E-4A15-4D39-8176-1F07E904CB30}" type="datetimeFigureOut">
               <a:rPr lang="en-US" smtClean="0"/>
-              <a:t>2/3/2021</a:t>
+              <a:t>21-02-03</a:t>
             </a:fld>
             <a:endParaRPr lang="en-US"/>
           </a:p>
@@ -3470,7 +3809,7 @@
           <a:p>
             <a:fld id="{4E1ECE06-1F59-BD45-8BF4-D8B6A5912696}" type="datetimeFigureOut">
               <a:rPr lang="en-US" smtClean="0"/>
-              <a:t>2/3/2021</a:t>
+              <a:t>21-02-03</a:t>
             </a:fld>
             <a:endParaRPr lang="en-US"/>
           </a:p>
@@ -3936,7 +4275,7 @@
           <a:p>
             <a:fld id="{4E1ECE06-1F59-BD45-8BF4-D8B6A5912696}" type="datetimeFigureOut">
               <a:rPr lang="en-US" smtClean="0"/>
-              <a:t>2/3/2021</a:t>
+              <a:t>21-02-03</a:t>
             </a:fld>
             <a:endParaRPr lang="en-US"/>
           </a:p>
@@ -4300,7 +4639,7 @@
           <a:p>
             <a:fld id="{4E1ECE06-1F59-BD45-8BF4-D8B6A5912696}" type="datetimeFigureOut">
               <a:rPr lang="en-US" smtClean="0"/>
-              <a:t>2/3/2021</a:t>
+              <a:t>21-02-03</a:t>
             </a:fld>
             <a:endParaRPr lang="en-US"/>
           </a:p>
@@ -4611,7 +4950,7 @@
           <a:p>
             <a:fld id="{4E1ECE06-1F59-BD45-8BF4-D8B6A5912696}" type="datetimeFigureOut">
               <a:rPr lang="en-US" smtClean="0"/>
-              <a:t>2/3/2021</a:t>
+              <a:t>21-02-03</a:t>
             </a:fld>
             <a:endParaRPr lang="en-US"/>
           </a:p>
@@ -4922,7 +5261,7 @@
           <a:p>
             <a:fld id="{4E1ECE06-1F59-BD45-8BF4-D8B6A5912696}" type="datetimeFigureOut">
               <a:rPr lang="en-US" smtClean="0"/>
-              <a:t>2/3/2021</a:t>
+              <a:t>21-02-03</a:t>
             </a:fld>
             <a:endParaRPr lang="en-US"/>
           </a:p>
@@ -5407,7 +5746,7 @@
           <a:p>
             <a:fld id="{4E1ECE06-1F59-BD45-8BF4-D8B6A5912696}" type="datetimeFigureOut">
               <a:rPr lang="en-US" smtClean="0"/>
-              <a:t>2/3/2021</a:t>
+              <a:t>21-02-03</a:t>
             </a:fld>
             <a:endParaRPr lang="en-US"/>
           </a:p>
@@ -5670,7 +6009,7 @@
           <a:p>
             <a:fld id="{4E1ECE06-1F59-BD45-8BF4-D8B6A5912696}" type="datetimeFigureOut">
               <a:rPr lang="en-US" smtClean="0"/>
-              <a:t>2/3/2021</a:t>
+              <a:t>21-02-03</a:t>
             </a:fld>
             <a:endParaRPr lang="en-US"/>
           </a:p>
@@ -6166,7 +6505,7 @@
         </p:nvSpPr>
         <p:spPr>
           <a:xfrm>
-            <a:off x="581031" y="311552"/>
+            <a:off x="486024" y="415108"/>
             <a:ext cx="7583487" cy="551589"/>
           </a:xfrm>
         </p:spPr>
@@ -6176,7 +6515,15 @@
           <a:p>
             <a:r>
               <a:rPr lang="en-US" sz="3200" b="1" dirty="0" smtClean="0"/>
-              <a:t>Females: size-frequencies &amp; model fit</a:t>
+              <a:t>Survey size</a:t>
+            </a:r>
+            <a:r>
+              <a:rPr lang="en-US" sz="3200" b="1" dirty="0" smtClean="0"/>
+              <a:t>-</a:t>
+            </a:r>
+            <a:r>
+              <a:rPr lang="en-US" sz="3200" b="1" dirty="0" smtClean="0"/>
+              <a:t>frequencies: females</a:t>
             </a:r>
             <a:endParaRPr lang="en-US" sz="3200" b="1" dirty="0"/>
           </a:p>
@@ -6224,7 +6571,7 @@
         <p:spPr>
           <a:xfrm>
             <a:off x="-228594" y="1697593"/>
-            <a:ext cx="3320140" cy="1754326"/>
+            <a:ext cx="4506362" cy="2031325"/>
           </a:xfrm>
           <a:prstGeom prst="rect">
             <a:avLst/>
@@ -6332,6 +6679,33 @@
               <a:rPr lang="fr-CA" dirty="0" smtClean="0"/>
               <a:t>.</a:t>
             </a:r>
+          </a:p>
+          <a:p>
+            <a:pPr marL="285750" indent="-285750">
+              <a:buFont typeface="Arial" panose="020B0604020202020204" pitchFamily="34" charset="0"/>
+              <a:buChar char="•"/>
+            </a:pPr>
+            <a:r>
+              <a:rPr lang="fr-CA" dirty="0" err="1" smtClean="0"/>
+              <a:t>Recruitment</a:t>
+            </a:r>
+            <a:r>
+              <a:rPr lang="fr-CA" dirty="0" smtClean="0"/>
+              <a:t> </a:t>
+            </a:r>
+            <a:r>
+              <a:rPr lang="fr-CA" dirty="0" err="1" smtClean="0"/>
+              <a:t>reasonably</a:t>
+            </a:r>
+            <a:r>
+              <a:rPr lang="fr-CA" dirty="0" smtClean="0"/>
+              <a:t> </a:t>
+            </a:r>
+            <a:r>
+              <a:rPr lang="fr-CA" dirty="0" err="1" smtClean="0"/>
+              <a:t>well-predicted</a:t>
+            </a:r>
+            <a:endParaRPr lang="fr-CA" dirty="0" smtClean="0"/>
           </a:p>
           <a:p>
             <a:pPr marL="285750" indent="-285750">
@@ -6345,7 +6719,7 @@
     </p:spTree>
     <p:extLst>
       <p:ext uri="{BB962C8B-B14F-4D97-AF65-F5344CB8AC3E}">
-        <p14:creationId xmlns:p14="http://schemas.microsoft.com/office/powerpoint/2010/main" val="3055775552"/>
+        <p14:creationId xmlns:p14="http://schemas.microsoft.com/office/powerpoint/2010/main" val="2824913102"/>
       </p:ext>
     </p:extLst>
   </p:cSld>
@@ -6384,8 +6758,8 @@
         </p:nvSpPr>
         <p:spPr>
           <a:xfrm>
-            <a:off x="610796" y="381000"/>
-            <a:ext cx="7583487" cy="541668"/>
+            <a:off x="486024" y="415108"/>
+            <a:ext cx="7583487" cy="551589"/>
           </a:xfrm>
         </p:spPr>
         <p:txBody>
@@ -6394,180 +6768,24 @@
           <a:p>
             <a:r>
               <a:rPr lang="en-US" sz="3200" b="1" dirty="0" smtClean="0"/>
-              <a:t>Females: Trawl selectivity</a:t>
+              <a:t>Survey size</a:t>
+            </a:r>
+            <a:r>
+              <a:rPr lang="en-US" sz="3200" b="1" dirty="0" smtClean="0"/>
+              <a:t>-</a:t>
+            </a:r>
+            <a:r>
+              <a:rPr lang="en-US" sz="3200" b="1" dirty="0" smtClean="0"/>
+              <a:t>frequencies: males</a:t>
             </a:r>
             <a:endParaRPr lang="en-US" sz="3200" b="1" dirty="0"/>
-          </a:p>
-        </p:txBody>
-      </p:sp>
-      <p:pic>
-        <p:nvPicPr>
-          <p:cNvPr id="4" name="Picture 3" descr="Macintosh HD:Users:crustacean:Desktop:gulf-population-modelling:snow crab:female.trawl.selectivity.pdf"/>
-          <p:cNvPicPr/>
-          <p:nvPr/>
-        </p:nvPicPr>
-        <p:blipFill>
-          <a:blip r:embed="rId2">
-            <a:extLst>
-              <a:ext uri="{28A0092B-C50C-407E-A947-70E740481C1C}">
-                <a14:useLocalDpi xmlns:a14="http://schemas.microsoft.com/office/drawing/2010/main" val="0"/>
-              </a:ext>
-            </a:extLst>
-          </a:blip>
-          <a:srcRect/>
-          <a:stretch>
-            <a:fillRect/>
-          </a:stretch>
-        </p:blipFill>
-        <p:spPr bwMode="auto">
-          <a:xfrm>
-            <a:off x="3915680" y="1567335"/>
-            <a:ext cx="4805045" cy="4229100"/>
-          </a:xfrm>
-          <a:prstGeom prst="rect">
-            <a:avLst/>
-          </a:prstGeom>
-          <a:noFill/>
-          <a:ln>
-            <a:noFill/>
-          </a:ln>
-        </p:spPr>
-      </p:pic>
-      <p:sp>
-        <p:nvSpPr>
-          <p:cNvPr id="5" name="TextBox 4"/>
-          <p:cNvSpPr txBox="1"/>
-          <p:nvPr/>
-        </p:nvSpPr>
-        <p:spPr>
-          <a:xfrm>
-            <a:off x="209610" y="1567335"/>
-            <a:ext cx="3591557" cy="2585323"/>
-          </a:xfrm>
-          <a:prstGeom prst="rect">
-            <a:avLst/>
-          </a:prstGeom>
-          <a:noFill/>
-        </p:spPr>
-        <p:txBody>
-          <a:bodyPr wrap="square" rtlCol="0">
-            <a:spAutoFit/>
-          </a:bodyPr>
-          <a:lstStyle/>
-          <a:p>
-            <a:pPr marL="285750" indent="-285750">
-              <a:buFont typeface="Arial"/>
-              <a:buChar char="•"/>
-            </a:pPr>
-            <a:r>
-              <a:rPr lang="en-US" dirty="0" smtClean="0">
-                <a:solidFill>
-                  <a:schemeClr val="bg1"/>
-                </a:solidFill>
-              </a:rPr>
-              <a:t>Maybe remove … </a:t>
-            </a:r>
-          </a:p>
-          <a:p>
-            <a:pPr marL="285750" indent="-285750">
-              <a:buFont typeface="Arial"/>
-              <a:buChar char="•"/>
-            </a:pPr>
-            <a:r>
-              <a:rPr lang="en-US" dirty="0" smtClean="0">
-                <a:solidFill>
-                  <a:schemeClr val="bg1"/>
-                </a:solidFill>
-              </a:rPr>
-              <a:t>Logistic </a:t>
-            </a:r>
-            <a:r>
-              <a:rPr lang="en-US" dirty="0" smtClean="0">
-                <a:solidFill>
-                  <a:schemeClr val="bg1"/>
-                </a:solidFill>
-              </a:rPr>
-              <a:t>curve.</a:t>
-            </a:r>
-          </a:p>
-          <a:p>
-            <a:pPr marL="285750" indent="-285750">
-              <a:buFont typeface="Arial"/>
-              <a:buChar char="•"/>
-            </a:pPr>
-            <a:endParaRPr lang="en-US" dirty="0" smtClean="0">
-              <a:solidFill>
-                <a:schemeClr val="bg1"/>
-              </a:solidFill>
-            </a:endParaRPr>
-          </a:p>
-          <a:p>
-            <a:pPr marL="285750" indent="-285750">
-              <a:buFont typeface="Arial"/>
-              <a:buChar char="•"/>
-            </a:pPr>
-            <a:r>
-              <a:rPr lang="en-US" dirty="0" smtClean="0">
-                <a:solidFill>
-                  <a:schemeClr val="bg1"/>
-                </a:solidFill>
-              </a:rPr>
-              <a:t>Selectivity ramps up between 10 and 40 mm.</a:t>
-            </a:r>
-          </a:p>
-          <a:p>
-            <a:pPr marL="285750" indent="-285750">
-              <a:buFont typeface="Arial"/>
-              <a:buChar char="•"/>
-            </a:pPr>
-            <a:endParaRPr lang="en-US" dirty="0" smtClean="0">
-              <a:solidFill>
-                <a:schemeClr val="bg1"/>
-              </a:solidFill>
-            </a:endParaRPr>
-          </a:p>
-          <a:p>
-            <a:pPr marL="285750" indent="-285750">
-              <a:buFont typeface="Arial"/>
-              <a:buChar char="•"/>
-            </a:pPr>
-            <a:r>
-              <a:rPr lang="en-US" dirty="0" smtClean="0">
-                <a:solidFill>
-                  <a:schemeClr val="bg1"/>
-                </a:solidFill>
-              </a:rPr>
-              <a:t>50% selectivity at ~25mm.</a:t>
-            </a:r>
-          </a:p>
-          <a:p>
-            <a:pPr marL="285750" indent="-285750">
-              <a:buFont typeface="Arial"/>
-              <a:buChar char="•"/>
-            </a:pPr>
-            <a:endParaRPr lang="en-US" dirty="0" smtClean="0">
-              <a:solidFill>
-                <a:schemeClr val="bg1"/>
-              </a:solidFill>
-            </a:endParaRPr>
-          </a:p>
-          <a:p>
-            <a:pPr marL="285750" indent="-285750">
-              <a:buFont typeface="Arial"/>
-              <a:buChar char="•"/>
-            </a:pPr>
-            <a:endParaRPr lang="en-US" dirty="0">
-              <a:solidFill>
-                <a:schemeClr val="bg1"/>
-              </a:solidFill>
-            </a:endParaRPr>
           </a:p>
         </p:txBody>
       </p:sp>
     </p:spTree>
     <p:extLst>
       <p:ext uri="{BB962C8B-B14F-4D97-AF65-F5344CB8AC3E}">
-        <p14:creationId xmlns:p14="http://schemas.microsoft.com/office/powerpoint/2010/main" val="2691677187"/>
+        <p14:creationId xmlns:p14="http://schemas.microsoft.com/office/powerpoint/2010/main" val="4060380459"/>
       </p:ext>
     </p:extLst>
   </p:cSld>
@@ -6606,7 +6824,7 @@
         </p:nvSpPr>
         <p:spPr>
           <a:xfrm>
-            <a:off x="551266" y="381000"/>
+            <a:off x="471181" y="395194"/>
             <a:ext cx="7583487" cy="571431"/>
           </a:xfrm>
         </p:spPr>
@@ -6616,11 +6834,7 @@
           <a:p>
             <a:r>
               <a:rPr lang="en-US" sz="3200" b="1" dirty="0" smtClean="0"/>
-              <a:t>Females: relative </a:t>
-            </a:r>
-            <a:r>
-              <a:rPr lang="en-US" sz="3200" b="1" dirty="0" err="1" smtClean="0"/>
-              <a:t>catchability</a:t>
+              <a:t>Model year effects:</a:t>
             </a:r>
             <a:endParaRPr lang="en-US" sz="3200" b="1" dirty="0"/>
           </a:p>
@@ -6633,7 +6847,7 @@
           <p:nvPr/>
         </p:nvPicPr>
         <p:blipFill>
-          <a:blip r:embed="rId2">
+          <a:blip r:embed="rId3">
             <a:extLst>
               <a:ext uri="{28A0092B-C50C-407E-A947-70E740481C1C}">
                 <a14:useLocalDpi xmlns:a14="http://schemas.microsoft.com/office/drawing/2010/main" val="0"/>
@@ -6647,8 +6861,8 @@
         </p:blipFill>
         <p:spPr bwMode="auto">
           <a:xfrm>
-            <a:off x="3892607" y="1354134"/>
-            <a:ext cx="4931038" cy="4241399"/>
+            <a:off x="677763" y="1823252"/>
+            <a:ext cx="3486661" cy="3142541"/>
           </a:xfrm>
           <a:prstGeom prst="rect">
             <a:avLst/>
@@ -6667,8 +6881,8 @@
         </p:nvSpPr>
         <p:spPr>
           <a:xfrm>
-            <a:off x="209610" y="1354134"/>
-            <a:ext cx="3682997" cy="2862323"/>
+            <a:off x="1600366" y="1228272"/>
+            <a:ext cx="1568715" cy="369332"/>
           </a:xfrm>
           <a:prstGeom prst="rect">
             <a:avLst/>
@@ -6681,51 +6895,83 @@
           </a:bodyPr>
           <a:lstStyle/>
           <a:p>
-            <a:pPr marL="285750" indent="-285750">
-              <a:buFont typeface="Arial"/>
-              <a:buChar char="•"/>
-            </a:pPr>
+            <a:pPr algn="ctr"/>
             <a:r>
               <a:rPr lang="en-US" dirty="0" smtClean="0">
                 <a:solidFill>
                   <a:schemeClr val="bg1"/>
                 </a:solidFill>
               </a:rPr>
-              <a:t>Relative to 2020.</a:t>
-            </a:r>
-          </a:p>
-          <a:p>
-            <a:pPr marL="285750" indent="-285750">
-              <a:buFont typeface="Arial"/>
-              <a:buChar char="•"/>
-            </a:pPr>
+              <a:t>Females</a:t>
+            </a:r>
             <a:endParaRPr lang="en-US" dirty="0">
               <a:solidFill>
                 <a:schemeClr val="bg1"/>
               </a:solidFill>
             </a:endParaRPr>
           </a:p>
-          <a:p>
-            <a:pPr marL="285750" indent="-285750">
-              <a:buFont typeface="Arial"/>
-              <a:buChar char="•"/>
-            </a:pPr>
+        </p:txBody>
+      </p:sp>
+      <p:sp>
+        <p:nvSpPr>
+          <p:cNvPr id="8" name="TextBox 7"/>
+          <p:cNvSpPr txBox="1"/>
+          <p:nvPr/>
+        </p:nvSpPr>
+        <p:spPr>
+          <a:xfrm>
+            <a:off x="5734139" y="1228272"/>
+            <a:ext cx="1568715" cy="369332"/>
+          </a:xfrm>
+          <a:prstGeom prst="rect">
+            <a:avLst/>
+          </a:prstGeom>
+          <a:noFill/>
+        </p:spPr>
+        <p:txBody>
+          <a:bodyPr wrap="square" rtlCol="0">
+            <a:spAutoFit/>
+          </a:bodyPr>
+          <a:lstStyle/>
+          <a:p>
+            <a:pPr algn="ctr"/>
             <a:r>
               <a:rPr lang="en-US" dirty="0" smtClean="0">
                 <a:solidFill>
                   <a:schemeClr val="bg1"/>
                 </a:solidFill>
               </a:rPr>
-              <a:t>Treated as global year effects.</a:t>
-            </a:r>
-          </a:p>
-          <a:p>
-            <a:endParaRPr lang="en-US" dirty="0" smtClean="0">
+              <a:t>Males</a:t>
+            </a:r>
+            <a:endParaRPr lang="en-US" dirty="0">
               <a:solidFill>
                 <a:schemeClr val="bg1"/>
               </a:solidFill>
             </a:endParaRPr>
           </a:p>
+        </p:txBody>
+      </p:sp>
+      <p:sp>
+        <p:nvSpPr>
+          <p:cNvPr id="6" name="TextBox 5"/>
+          <p:cNvSpPr txBox="1"/>
+          <p:nvPr/>
+        </p:nvSpPr>
+        <p:spPr>
+          <a:xfrm>
+            <a:off x="1568379" y="5364665"/>
+            <a:ext cx="5262979" cy="1200329"/>
+          </a:xfrm>
+          <a:prstGeom prst="rect">
+            <a:avLst/>
+          </a:prstGeom>
+          <a:noFill/>
+        </p:spPr>
+        <p:txBody>
+          <a:bodyPr wrap="none" rtlCol="0">
+            <a:spAutoFit/>
+          </a:bodyPr>
+          <a:lstStyle/>
           <a:p>
             <a:pPr marL="285750" indent="-285750">
               <a:buFont typeface="Arial"/>
@@ -6734,10 +6980,32 @@
             <a:r>
               <a:rPr lang="en-US" dirty="0" smtClean="0">
                 <a:solidFill>
-                  <a:schemeClr val="bg1"/>
+                  <a:srgbClr val="FFFFFF"/>
                 </a:solidFill>
               </a:rPr>
-              <a:t>Jean Mathieu is associated with lower levels.</a:t>
+              <a:t>Red line means no scale difference from 2020.</a:t>
+            </a:r>
+          </a:p>
+          <a:p>
+            <a:pPr marL="285750" indent="-285750">
+              <a:buFont typeface="Arial"/>
+              <a:buChar char="•"/>
+            </a:pPr>
+            <a:r>
+              <a:rPr lang="en-US" dirty="0" smtClean="0">
+                <a:solidFill>
+                  <a:srgbClr val="FFFFFF"/>
+                </a:solidFill>
+              </a:rPr>
+              <a:t>Year</a:t>
+            </a:r>
+            <a:r>
+              <a:rPr lang="en-US" dirty="0">
+                <a:solidFill>
+                  <a:srgbClr val="FFFFFF"/>
+                </a:solidFill>
+              </a:rPr>
+              <a:t>-to-year </a:t>
             </a:r>
           </a:p>
           <a:p>
@@ -6747,7 +7015,7 @@
             </a:pPr>
             <a:endParaRPr lang="en-US" dirty="0" smtClean="0">
               <a:solidFill>
-                <a:schemeClr val="bg1"/>
+                <a:srgbClr val="FFFFFF"/>
               </a:solidFill>
             </a:endParaRPr>
           </a:p>
@@ -6759,246 +7027,16 @@
             <a:r>
               <a:rPr lang="en-US" dirty="0" smtClean="0">
                 <a:solidFill>
-                  <a:schemeClr val="bg1"/>
+                  <a:srgbClr val="FFFFFF"/>
                 </a:solidFill>
               </a:rPr>
-              <a:t>Jean Mathieu shows increasing </a:t>
-            </a:r>
-            <a:r>
-              <a:rPr lang="en-US" dirty="0" err="1" smtClean="0">
-                <a:solidFill>
-                  <a:schemeClr val="bg1"/>
-                </a:solidFill>
-              </a:rPr>
-              <a:t>catchability</a:t>
-            </a:r>
-            <a:r>
-              <a:rPr lang="en-US" dirty="0" smtClean="0">
-                <a:solidFill>
-                  <a:schemeClr val="bg1"/>
-                </a:solidFill>
-              </a:rPr>
-              <a:t> trend.</a:t>
-            </a:r>
-          </a:p>
-          <a:p>
-            <a:pPr marL="285750" indent="-285750">
-              <a:buFont typeface="Arial"/>
-              <a:buChar char="•"/>
-            </a:pPr>
+              <a:t>Overall trend subject to bias, </a:t>
+            </a:r>
             <a:endParaRPr lang="en-US" dirty="0">
               <a:solidFill>
-                <a:schemeClr val="bg1"/>
+                <a:srgbClr val="FFFFFF"/>
               </a:solidFill>
             </a:endParaRPr>
-          </a:p>
-        </p:txBody>
-      </p:sp>
-      <p:sp>
-        <p:nvSpPr>
-          <p:cNvPr id="7" name="Rectangle 6"/>
-          <p:cNvSpPr/>
-          <p:nvPr/>
-        </p:nvSpPr>
-        <p:spPr>
-          <a:xfrm>
-            <a:off x="387649" y="5623827"/>
-            <a:ext cx="8221934" cy="923330"/>
-          </a:xfrm>
-          <a:prstGeom prst="rect">
-            <a:avLst/>
-          </a:prstGeom>
-        </p:spPr>
-        <p:txBody>
-          <a:bodyPr wrap="square">
-            <a:spAutoFit/>
-          </a:bodyPr>
-          <a:lstStyle/>
-          <a:p>
-            <a:pPr marL="285750" indent="-285750">
-              <a:buFont typeface="Arial"/>
-              <a:buChar char="•"/>
-            </a:pPr>
-            <a:r>
-              <a:rPr lang="en-US" dirty="0" smtClean="0">
-                <a:solidFill>
-                  <a:schemeClr val="bg1"/>
-                </a:solidFill>
-              </a:rPr>
-              <a:t>Marco Michel (2006-2012) and Avalon Voyager II (2019-2020) </a:t>
-            </a:r>
-            <a:r>
-              <a:rPr lang="en-US" i="1" dirty="0" smtClean="0">
-                <a:solidFill>
-                  <a:schemeClr val="bg1"/>
-                </a:solidFill>
-              </a:rPr>
-              <a:t>seem</a:t>
-            </a:r>
-            <a:r>
-              <a:rPr lang="en-US" dirty="0" smtClean="0">
-                <a:solidFill>
-                  <a:schemeClr val="bg1"/>
-                </a:solidFill>
-              </a:rPr>
-              <a:t> to have comparable levels, but changes across a wide time interval are probably unreliable.</a:t>
-            </a:r>
-          </a:p>
-        </p:txBody>
-      </p:sp>
-      <p:sp>
-        <p:nvSpPr>
-          <p:cNvPr id="3" name="TextBox 2"/>
-          <p:cNvSpPr txBox="1"/>
-          <p:nvPr/>
-        </p:nvSpPr>
-        <p:spPr>
-          <a:xfrm>
-            <a:off x="586964" y="4216457"/>
-            <a:ext cx="7823304" cy="1200329"/>
-          </a:xfrm>
-          <a:prstGeom prst="rect">
-            <a:avLst/>
-          </a:prstGeom>
-          <a:noFill/>
-        </p:spPr>
-        <p:txBody>
-          <a:bodyPr wrap="square" rtlCol="0">
-            <a:spAutoFit/>
-          </a:bodyPr>
-          <a:lstStyle/>
-          <a:p>
-            <a:r>
-              <a:rPr lang="fr-CA" dirty="0" err="1" smtClean="0"/>
-              <a:t>Though</a:t>
-            </a:r>
-            <a:r>
-              <a:rPr lang="fr-CA" dirty="0" smtClean="0"/>
-              <a:t> </a:t>
-            </a:r>
-            <a:r>
-              <a:rPr lang="fr-CA" dirty="0" err="1" smtClean="0"/>
-              <a:t>decreases</a:t>
-            </a:r>
-            <a:r>
-              <a:rPr lang="fr-CA" dirty="0" smtClean="0"/>
-              <a:t> in </a:t>
-            </a:r>
-            <a:r>
-              <a:rPr lang="fr-CA" dirty="0" err="1" smtClean="0"/>
-              <a:t>year</a:t>
-            </a:r>
-            <a:r>
-              <a:rPr lang="fr-CA" dirty="0" smtClean="0"/>
-              <a:t> </a:t>
-            </a:r>
-            <a:r>
-              <a:rPr lang="fr-CA" dirty="0" err="1" smtClean="0"/>
-              <a:t>effect</a:t>
-            </a:r>
-            <a:r>
-              <a:rPr lang="fr-CA" dirty="0" smtClean="0"/>
-              <a:t> </a:t>
-            </a:r>
-            <a:r>
-              <a:rPr lang="fr-CA" dirty="0" err="1" smtClean="0"/>
-              <a:t>can</a:t>
-            </a:r>
-            <a:r>
-              <a:rPr lang="fr-CA" dirty="0" smtClean="0"/>
-              <a:t> </a:t>
-            </a:r>
-            <a:r>
-              <a:rPr lang="fr-CA" dirty="0" err="1" smtClean="0"/>
-              <a:t>be</a:t>
-            </a:r>
-            <a:r>
-              <a:rPr lang="fr-CA" dirty="0"/>
-              <a:t> </a:t>
-            </a:r>
-            <a:r>
-              <a:rPr lang="fr-CA" dirty="0" err="1" smtClean="0"/>
-              <a:t>explained</a:t>
-            </a:r>
-            <a:r>
-              <a:rPr lang="fr-CA" dirty="0" smtClean="0"/>
-              <a:t> by an </a:t>
-            </a:r>
-            <a:r>
-              <a:rPr lang="fr-CA" dirty="0" err="1" smtClean="0"/>
-              <a:t>increase</a:t>
-            </a:r>
-            <a:r>
-              <a:rPr lang="fr-CA" dirty="0" smtClean="0"/>
-              <a:t> in </a:t>
-            </a:r>
-            <a:r>
-              <a:rPr lang="fr-CA" dirty="0" err="1" smtClean="0"/>
-              <a:t>mortality</a:t>
-            </a:r>
-            <a:r>
-              <a:rPr lang="fr-CA" dirty="0" smtClean="0"/>
-              <a:t> for all sizes, </a:t>
-            </a:r>
-          </a:p>
-          <a:p>
-            <a:r>
-              <a:rPr lang="fr-CA" dirty="0" err="1" smtClean="0"/>
-              <a:t>increases</a:t>
-            </a:r>
-            <a:r>
-              <a:rPr lang="fr-CA" dirty="0" smtClean="0"/>
-              <a:t> </a:t>
-            </a:r>
-            <a:r>
-              <a:rPr lang="fr-CA" dirty="0" err="1" smtClean="0"/>
-              <a:t>such</a:t>
-            </a:r>
-            <a:r>
-              <a:rPr lang="fr-CA" dirty="0" smtClean="0"/>
-              <a:t> as </a:t>
-            </a:r>
-            <a:r>
-              <a:rPr lang="fr-CA" dirty="0" err="1" smtClean="0"/>
-              <a:t>that</a:t>
-            </a:r>
-            <a:r>
-              <a:rPr lang="fr-CA" dirty="0" smtClean="0"/>
-              <a:t> </a:t>
-            </a:r>
-            <a:r>
-              <a:rPr lang="fr-CA" dirty="0" err="1" smtClean="0"/>
-              <a:t>observed</a:t>
-            </a:r>
-            <a:r>
-              <a:rPr lang="fr-CA" dirty="0" smtClean="0"/>
-              <a:t> in 2019 </a:t>
-            </a:r>
-            <a:r>
-              <a:rPr lang="fr-CA" dirty="0" err="1" smtClean="0"/>
-              <a:t>strongly</a:t>
-            </a:r>
-            <a:r>
-              <a:rPr lang="fr-CA" dirty="0" smtClean="0"/>
-              <a:t> signal an </a:t>
-            </a:r>
-            <a:r>
-              <a:rPr lang="fr-CA" dirty="0" err="1" smtClean="0"/>
-              <a:t>increase</a:t>
-            </a:r>
-            <a:r>
-              <a:rPr lang="fr-CA" dirty="0" smtClean="0"/>
-              <a:t> in </a:t>
-            </a:r>
-            <a:r>
-              <a:rPr lang="fr-CA" dirty="0" err="1" smtClean="0"/>
-              <a:t>catchability</a:t>
-            </a:r>
-            <a:r>
-              <a:rPr lang="fr-CA" dirty="0" smtClean="0"/>
-              <a:t>.</a:t>
-            </a:r>
-            <a:endParaRPr lang="en-CA" dirty="0"/>
           </a:p>
         </p:txBody>
       </p:sp>
@@ -7314,14 +7352,66 @@
             <p:ph type="title"/>
           </p:nvPr>
         </p:nvSpPr>
-        <p:spPr/>
+        <p:spPr>
+          <a:xfrm>
+            <a:off x="470564" y="395860"/>
+            <a:ext cx="7583487" cy="553820"/>
+          </a:xfrm>
+        </p:spPr>
         <p:txBody>
           <a:bodyPr/>
           <a:lstStyle/>
           <a:p>
             <a:r>
+              <a:rPr lang="fr-CA" sz="3200" b="1" dirty="0" err="1" smtClean="0"/>
+              <a:t>Further</a:t>
+            </a:r>
+            <a:r>
+              <a:rPr lang="fr-CA" sz="3200" b="1" dirty="0" smtClean="0"/>
+              <a:t> </a:t>
+            </a:r>
+            <a:r>
+              <a:rPr lang="fr-CA" sz="3200" b="1" dirty="0" err="1" smtClean="0"/>
+              <a:t>results</a:t>
+            </a:r>
+            <a:r>
+              <a:rPr lang="fr-CA" sz="3200" b="1" dirty="0" smtClean="0"/>
+              <a:t>:</a:t>
+            </a:r>
+            <a:endParaRPr lang="en-CA" sz="3200" b="1" dirty="0"/>
+          </a:p>
+        </p:txBody>
+      </p:sp>
+      <p:sp>
+        <p:nvSpPr>
+          <p:cNvPr id="3" name="Content Placeholder 2"/>
+          <p:cNvSpPr>
+            <a:spLocks noGrp="1"/>
+          </p:cNvSpPr>
+          <p:nvPr>
+            <p:ph idx="1"/>
+          </p:nvPr>
+        </p:nvSpPr>
+        <p:spPr>
+          <a:xfrm>
+            <a:off x="470564" y="1577077"/>
+            <a:ext cx="5032426" cy="539677"/>
+          </a:xfrm>
+        </p:spPr>
+        <p:txBody>
+          <a:bodyPr/>
+          <a:lstStyle/>
+          <a:p>
+            <a:pPr marL="0" indent="0">
+              <a:buNone/>
+            </a:pPr>
+            <a:r>
+              <a:rPr lang="fr-CA" dirty="0" smtClean="0"/>
+              <a:t>Natural </a:t>
+            </a:r>
+            <a:r>
               <a:rPr lang="fr-CA" dirty="0" err="1" smtClean="0"/>
-              <a:t>Other</a:t>
+              <a:t>mortality</a:t>
             </a:r>
             <a:r>
               <a:rPr lang="fr-CA" dirty="0" smtClean="0"/>
@@ -7329,7 +7419,7 @@
             </a:r>
             <a:r>
               <a:rPr lang="fr-CA" dirty="0" err="1" smtClean="0"/>
-              <a:t>results</a:t>
+              <a:t>estimates</a:t>
             </a:r>
             <a:r>
               <a:rPr lang="fr-CA" dirty="0" smtClean="0"/>
@@ -7339,164 +7429,198 @@
           </a:p>
         </p:txBody>
       </p:sp>
-      <p:sp>
-        <p:nvSpPr>
-          <p:cNvPr id="3" name="Content Placeholder 2"/>
-          <p:cNvSpPr>
-            <a:spLocks noGrp="1"/>
-          </p:cNvSpPr>
-          <p:nvPr>
-            <p:ph idx="1"/>
-          </p:nvPr>
-        </p:nvSpPr>
-        <p:spPr/>
-        <p:txBody>
-          <a:bodyPr/>
-          <a:lstStyle/>
-          <a:p>
-            <a:r>
-              <a:rPr lang="fr-CA" dirty="0" smtClean="0"/>
-              <a:t>Natural </a:t>
-            </a:r>
-            <a:r>
-              <a:rPr lang="fr-CA" dirty="0" err="1" smtClean="0"/>
-              <a:t>mortality</a:t>
-            </a:r>
-            <a:r>
-              <a:rPr lang="fr-CA" dirty="0" smtClean="0"/>
-              <a:t> </a:t>
-            </a:r>
-            <a:r>
-              <a:rPr lang="fr-CA" dirty="0" err="1" smtClean="0"/>
-              <a:t>estimates</a:t>
-            </a:r>
-            <a:r>
-              <a:rPr lang="fr-CA" dirty="0" smtClean="0"/>
-              <a:t>:</a:t>
-            </a:r>
-            <a:endParaRPr lang="en-CA" dirty="0"/>
-          </a:p>
-        </p:txBody>
-      </p:sp>
-      <p:sp>
-        <p:nvSpPr>
-          <p:cNvPr id="4" name="TextBox 3"/>
-          <p:cNvSpPr txBox="1"/>
-          <p:nvPr/>
-        </p:nvSpPr>
-        <p:spPr>
-          <a:xfrm>
-            <a:off x="476250" y="2712482"/>
-            <a:ext cx="8115299" cy="369332"/>
-          </a:xfrm>
-          <a:prstGeom prst="rect">
-            <a:avLst/>
-          </a:prstGeom>
-          <a:noFill/>
-        </p:spPr>
-        <p:txBody>
-          <a:bodyPr wrap="square" rtlCol="0">
-            <a:spAutoFit/>
-          </a:bodyPr>
-          <a:lstStyle/>
-          <a:p>
-            <a:r>
-              <a:rPr lang="fr-CA" dirty="0" smtClean="0"/>
-              <a:t>Show sexes </a:t>
-            </a:r>
-            <a:r>
-              <a:rPr lang="fr-CA" dirty="0" err="1" smtClean="0"/>
-              <a:t>side</a:t>
-            </a:r>
-            <a:r>
-              <a:rPr lang="fr-CA" dirty="0" smtClean="0"/>
-              <a:t> by </a:t>
-            </a:r>
-            <a:r>
-              <a:rPr lang="fr-CA" dirty="0" err="1" smtClean="0"/>
-              <a:t>side</a:t>
-            </a:r>
-            <a:r>
-              <a:rPr lang="fr-CA" dirty="0" smtClean="0"/>
-              <a:t>, </a:t>
-            </a:r>
-            <a:r>
-              <a:rPr lang="fr-CA" dirty="0" err="1" smtClean="0"/>
-              <a:t>along</a:t>
-            </a:r>
-            <a:r>
-              <a:rPr lang="fr-CA" dirty="0" smtClean="0"/>
-              <a:t> </a:t>
-            </a:r>
-            <a:r>
-              <a:rPr lang="fr-CA" dirty="0" err="1" smtClean="0"/>
-              <a:t>with</a:t>
-            </a:r>
-            <a:r>
-              <a:rPr lang="fr-CA" dirty="0" smtClean="0"/>
-              <a:t> </a:t>
-            </a:r>
-            <a:r>
-              <a:rPr lang="fr-CA" dirty="0" err="1" smtClean="0"/>
-              <a:t>comparisons</a:t>
-            </a:r>
-            <a:r>
-              <a:rPr lang="fr-CA" dirty="0" smtClean="0"/>
-              <a:t> </a:t>
-            </a:r>
-            <a:r>
-              <a:rPr lang="fr-CA" dirty="0" err="1" smtClean="0"/>
-              <a:t>from</a:t>
-            </a:r>
-            <a:r>
-              <a:rPr lang="fr-CA" dirty="0" smtClean="0"/>
-              <a:t> SSR </a:t>
-            </a:r>
-            <a:r>
-              <a:rPr lang="fr-CA" dirty="0" err="1" smtClean="0"/>
-              <a:t>where</a:t>
-            </a:r>
-            <a:r>
-              <a:rPr lang="fr-CA" dirty="0" smtClean="0"/>
-              <a:t> relevant</a:t>
-            </a:r>
-          </a:p>
-        </p:txBody>
-      </p:sp>
-      <p:sp>
-        <p:nvSpPr>
-          <p:cNvPr id="5" name="TextBox 4"/>
-          <p:cNvSpPr txBox="1"/>
-          <p:nvPr/>
-        </p:nvSpPr>
-        <p:spPr>
-          <a:xfrm>
-            <a:off x="1285875" y="4000500"/>
-            <a:ext cx="1736373" cy="369332"/>
-          </a:xfrm>
-          <a:prstGeom prst="rect">
-            <a:avLst/>
-          </a:prstGeom>
-          <a:noFill/>
-        </p:spPr>
-        <p:txBody>
-          <a:bodyPr wrap="none" rtlCol="0">
-            <a:spAutoFit/>
-          </a:bodyPr>
-          <a:lstStyle/>
-          <a:p>
-            <a:r>
-              <a:rPr lang="fr-CA" dirty="0" err="1" smtClean="0"/>
-              <a:t>Summary</a:t>
-            </a:r>
-            <a:r>
-              <a:rPr lang="fr-CA" dirty="0" smtClean="0"/>
-              <a:t> table</a:t>
-            </a:r>
-            <a:endParaRPr lang="en-CA" dirty="0"/>
-          </a:p>
-        </p:txBody>
-      </p:sp>
+      <p:graphicFrame>
+        <p:nvGraphicFramePr>
+          <p:cNvPr id="6" name="Table 5"/>
+          <p:cNvGraphicFramePr>
+            <a:graphicFrameLocks noGrp="1"/>
+          </p:cNvGraphicFramePr>
+          <p:nvPr>
+            <p:extLst>
+              <p:ext uri="{D42A27DB-BD31-4B8C-83A1-F6EECF244321}">
+                <p14:modId xmlns:p14="http://schemas.microsoft.com/office/powerpoint/2010/main" val="2570768832"/>
+              </p:ext>
+            </p:extLst>
+          </p:nvPr>
+        </p:nvGraphicFramePr>
+        <p:xfrm>
+          <a:off x="1246493" y="2136446"/>
+          <a:ext cx="6984338" cy="1112520"/>
+        </p:xfrm>
+        <a:graphic>
+          <a:graphicData uri="http://schemas.openxmlformats.org/drawingml/2006/table">
+            <a:tbl>
+              <a:tblPr firstRow="1" bandRow="1">
+                <a:tableStyleId>{5C22544A-7EE6-4342-B048-85BDC9FD1C3A}</a:tableStyleId>
+              </a:tblPr>
+              <a:tblGrid>
+                <a:gridCol w="1368522"/>
+                <a:gridCol w="1362563"/>
+                <a:gridCol w="1900180"/>
+                <a:gridCol w="2353073"/>
+              </a:tblGrid>
+              <a:tr h="370840">
+                <a:tc>
+                  <a:txBody>
+                    <a:bodyPr/>
+                    <a:lstStyle/>
+                    <a:p>
+                      <a:r>
+                        <a:rPr lang="en-US" dirty="0" smtClean="0"/>
+                        <a:t>Sex</a:t>
+                      </a:r>
+                      <a:endParaRPr lang="en-US" dirty="0"/>
+                    </a:p>
+                  </a:txBody>
+                  <a:tcPr/>
+                </a:tc>
+                <a:tc>
+                  <a:txBody>
+                    <a:bodyPr/>
+                    <a:lstStyle/>
+                    <a:p>
+                      <a:r>
+                        <a:rPr lang="en-US" dirty="0" smtClean="0"/>
+                        <a:t>Immature</a:t>
+                      </a:r>
+                      <a:endParaRPr lang="en-US" dirty="0"/>
+                    </a:p>
+                  </a:txBody>
+                  <a:tcPr/>
+                </a:tc>
+                <a:tc>
+                  <a:txBody>
+                    <a:bodyPr/>
+                    <a:lstStyle/>
+                    <a:p>
+                      <a:r>
+                        <a:rPr lang="en-US" dirty="0" smtClean="0"/>
+                        <a:t>Mature recruits</a:t>
+                      </a:r>
+                      <a:endParaRPr lang="en-US" dirty="0"/>
+                    </a:p>
+                  </a:txBody>
+                  <a:tcPr/>
+                </a:tc>
+                <a:tc>
+                  <a:txBody>
+                    <a:bodyPr/>
+                    <a:lstStyle/>
+                    <a:p>
+                      <a:r>
+                        <a:rPr lang="en-US" dirty="0" smtClean="0"/>
+                        <a:t>Mature</a:t>
+                      </a:r>
+                      <a:r>
+                        <a:rPr lang="en-US" baseline="0" dirty="0" smtClean="0"/>
+                        <a:t> o</a:t>
+                      </a:r>
+                      <a:r>
+                        <a:rPr lang="en-US" dirty="0" smtClean="0"/>
+                        <a:t>ld-shelled</a:t>
+                      </a:r>
+                      <a:endParaRPr lang="en-US" dirty="0"/>
+                    </a:p>
+                  </a:txBody>
+                  <a:tcPr/>
+                </a:tc>
+              </a:tr>
+              <a:tr h="370840">
+                <a:tc>
+                  <a:txBody>
+                    <a:bodyPr/>
+                    <a:lstStyle/>
+                    <a:p>
+                      <a:r>
+                        <a:rPr lang="en-US" dirty="0" smtClean="0"/>
+                        <a:t>male</a:t>
+                      </a:r>
+                      <a:endParaRPr lang="en-US" dirty="0"/>
+                    </a:p>
+                  </a:txBody>
+                  <a:tcPr/>
+                </a:tc>
+                <a:tc>
+                  <a:txBody>
+                    <a:bodyPr/>
+                    <a:lstStyle/>
+                    <a:p>
+                      <a:endParaRPr lang="en-US" dirty="0"/>
+                    </a:p>
+                  </a:txBody>
+                  <a:tcPr/>
+                </a:tc>
+                <a:tc>
+                  <a:txBody>
+                    <a:bodyPr/>
+                    <a:lstStyle/>
+                    <a:p>
+                      <a:endParaRPr lang="en-US"/>
+                    </a:p>
+                  </a:txBody>
+                  <a:tcPr/>
+                </a:tc>
+                <a:tc>
+                  <a:txBody>
+                    <a:bodyPr/>
+                    <a:lstStyle/>
+                    <a:p>
+                      <a:endParaRPr lang="en-US"/>
+                    </a:p>
+                  </a:txBody>
+                  <a:tcPr/>
+                </a:tc>
+              </a:tr>
+              <a:tr h="370840">
+                <a:tc>
+                  <a:txBody>
+                    <a:bodyPr/>
+                    <a:lstStyle/>
+                    <a:p>
+                      <a:r>
+                        <a:rPr lang="en-US" dirty="0" smtClean="0"/>
+                        <a:t>female</a:t>
+                      </a:r>
+                      <a:endParaRPr lang="en-US" dirty="0"/>
+                    </a:p>
+                  </a:txBody>
+                  <a:tcPr/>
+                </a:tc>
+                <a:tc>
+                  <a:txBody>
+                    <a:bodyPr/>
+                    <a:lstStyle/>
+                    <a:p>
+                      <a:endParaRPr lang="en-US"/>
+                    </a:p>
+                  </a:txBody>
+                  <a:tcPr/>
+                </a:tc>
+                <a:tc>
+                  <a:txBody>
+                    <a:bodyPr/>
+                    <a:lstStyle/>
+                    <a:p>
+                      <a:endParaRPr lang="en-US" dirty="0"/>
+                    </a:p>
+                  </a:txBody>
+                  <a:tcPr/>
+                </a:tc>
+                <a:tc>
+                  <a:txBody>
+                    <a:bodyPr/>
+                    <a:lstStyle/>
+                    <a:p>
+                      <a:endParaRPr lang="en-US" dirty="0"/>
+                    </a:p>
+                  </a:txBody>
+                  <a:tcPr/>
+                </a:tc>
+              </a:tr>
+            </a:tbl>
+          </a:graphicData>
+        </a:graphic>
+      </p:graphicFrame>
     </p:spTree>
     <p:extLst>
       <p:ext uri="{BB962C8B-B14F-4D97-AF65-F5344CB8AC3E}">
@@ -7539,110 +7663,96 @@
         </p:nvSpPr>
         <p:spPr>
           <a:xfrm>
-            <a:off x="779463" y="1200460"/>
-            <a:ext cx="7583487" cy="4837270"/>
+            <a:off x="700699" y="1405892"/>
+            <a:ext cx="7583487" cy="4006136"/>
+          </a:xfrm>
+        </p:spPr>
+        <p:txBody>
+          <a:bodyPr>
+            <a:normAutofit/>
+          </a:bodyPr>
+          <a:lstStyle/>
+          <a:p>
+            <a:r>
+              <a:rPr lang="en-US" sz="2400" dirty="0" smtClean="0"/>
+              <a:t>Errors tend to propagate through time, i.e. overall trends may be unreliable and tend to drift off.</a:t>
+            </a:r>
+            <a:endParaRPr lang="en-US" sz="2400" dirty="0" smtClean="0"/>
+          </a:p>
+          <a:p>
+            <a:r>
+              <a:rPr lang="en-US" sz="2400" dirty="0" smtClean="0"/>
+              <a:t>Instars IV</a:t>
+            </a:r>
+            <a:r>
+              <a:rPr lang="en-US" sz="2400" dirty="0" smtClean="0"/>
+              <a:t>-VIII </a:t>
+            </a:r>
+            <a:r>
+              <a:rPr lang="en-US" sz="2400" dirty="0" smtClean="0"/>
+              <a:t>can </a:t>
+            </a:r>
+            <a:r>
+              <a:rPr lang="en-US" sz="2400" dirty="0" err="1" smtClean="0"/>
+              <a:t>moult</a:t>
+            </a:r>
+            <a:r>
+              <a:rPr lang="en-US" sz="2400" dirty="0" smtClean="0"/>
+              <a:t> multiple times per year.</a:t>
+            </a:r>
+          </a:p>
+          <a:p>
+            <a:r>
+              <a:rPr lang="en-US" sz="2400" dirty="0" smtClean="0"/>
+              <a:t>Mortality </a:t>
+            </a:r>
+            <a:r>
+              <a:rPr lang="en-US" sz="2400" dirty="0" smtClean="0"/>
+              <a:t>treated as constant through </a:t>
+            </a:r>
+            <a:r>
+              <a:rPr lang="en-US" sz="2400" dirty="0" smtClean="0"/>
+              <a:t>time</a:t>
+            </a:r>
+            <a:r>
+              <a:rPr lang="en-US" sz="2400" dirty="0" smtClean="0"/>
+              <a:t>.</a:t>
+            </a:r>
+          </a:p>
+          <a:p>
+            <a:r>
+              <a:rPr lang="en-US" sz="2400" dirty="0" smtClean="0"/>
+              <a:t>Survey size-selectivity suggests that 50mm CW crab caught with the same probability as 100 mm CW crab. </a:t>
+            </a:r>
+            <a:endParaRPr lang="en-US" sz="2400" dirty="0"/>
+          </a:p>
+        </p:txBody>
+      </p:sp>
+      <p:sp>
+        <p:nvSpPr>
+          <p:cNvPr id="5" name="Title 1"/>
+          <p:cNvSpPr>
+            <a:spLocks noGrp="1"/>
+          </p:cNvSpPr>
+          <p:nvPr>
+            <p:ph type="title"/>
+          </p:nvPr>
+        </p:nvSpPr>
+        <p:spPr>
+          <a:xfrm>
+            <a:off x="540529" y="483977"/>
+            <a:ext cx="7583487" cy="492062"/>
           </a:xfrm>
         </p:spPr>
         <p:txBody>
           <a:bodyPr/>
           <a:lstStyle/>
           <a:p>
-            <a:pPr marL="0" indent="0">
-              <a:buNone/>
-            </a:pPr>
-            <a:r>
-              <a:rPr lang="en-US" b="1" dirty="0" smtClean="0"/>
-              <a:t>Population Trends:</a:t>
-            </a:r>
-          </a:p>
-          <a:p>
-            <a:r>
-              <a:rPr lang="en-US" dirty="0" smtClean="0"/>
-              <a:t>Propagation of errors means that large-scale population trends can be very uncertain </a:t>
-            </a:r>
-            <a:r>
-              <a:rPr lang="mr-IN" dirty="0" smtClean="0"/>
-              <a:t>…</a:t>
-            </a:r>
-            <a:r>
-              <a:rPr lang="en-CA" dirty="0" smtClean="0"/>
-              <a:t> can lead to global increase or decrease in the global trend, without much change in model fit to the indices.</a:t>
-            </a:r>
-            <a:r>
-              <a:rPr lang="en-US" dirty="0" smtClean="0"/>
-              <a:t> </a:t>
-            </a:r>
-            <a:endParaRPr lang="en-US" dirty="0" smtClean="0"/>
-          </a:p>
-          <a:p>
-            <a:r>
-              <a:rPr lang="en-US" sz="2000" dirty="0" smtClean="0"/>
-              <a:t>Year-to-year </a:t>
-            </a:r>
-            <a:r>
-              <a:rPr lang="en-US" sz="2000" dirty="0"/>
-              <a:t>relationships tend to accumulate errors (i.e. drift off</a:t>
-            </a:r>
-            <a:r>
-              <a:rPr lang="en-US" sz="2000" dirty="0" smtClean="0"/>
-              <a:t>)</a:t>
-            </a:r>
-          </a:p>
-          <a:p>
-            <a:r>
-              <a:rPr lang="en-US" sz="2000" dirty="0" err="1" smtClean="0"/>
-              <a:t>Moult</a:t>
-            </a:r>
-            <a:r>
-              <a:rPr lang="en-US" sz="2000" dirty="0" smtClean="0"/>
-              <a:t> frequency for small instars IV-VIII are underestimated : these can </a:t>
-            </a:r>
-            <a:r>
-              <a:rPr lang="en-US" sz="2000" dirty="0" err="1" smtClean="0"/>
-              <a:t>moult</a:t>
-            </a:r>
-            <a:r>
-              <a:rPr lang="en-US" sz="2000" dirty="0" smtClean="0"/>
-              <a:t> multiple times per year.</a:t>
-            </a:r>
-          </a:p>
-          <a:p>
-            <a:r>
-              <a:rPr lang="en-US" sz="2000" dirty="0" smtClean="0"/>
-              <a:t>Mortality held as fixed through time.</a:t>
-            </a:r>
-            <a:endParaRPr lang="en-US" sz="2000" dirty="0"/>
-          </a:p>
-          <a:p>
-            <a:endParaRPr lang="en-US" dirty="0" smtClean="0"/>
-          </a:p>
-        </p:txBody>
-      </p:sp>
-      <p:sp>
-        <p:nvSpPr>
-          <p:cNvPr id="5" name="Title 1"/>
-          <p:cNvSpPr>
-            <a:spLocks noGrp="1"/>
-          </p:cNvSpPr>
-          <p:nvPr>
-            <p:ph type="title"/>
-          </p:nvPr>
-        </p:nvSpPr>
-        <p:spPr>
-          <a:xfrm>
-            <a:off x="779463" y="381000"/>
-            <a:ext cx="7583487" cy="492062"/>
-          </a:xfrm>
-        </p:spPr>
-        <p:txBody>
-          <a:bodyPr/>
-          <a:lstStyle/>
-          <a:p>
-            <a:r>
-              <a:rPr lang="en-US" sz="2800" b="1" dirty="0" smtClean="0"/>
+            <a:r>
+              <a:rPr lang="en-US" sz="3200" b="1" dirty="0" smtClean="0"/>
               <a:t>Model Issues:</a:t>
             </a:r>
-            <a:endParaRPr lang="en-US" sz="2800" b="1" dirty="0"/>
+            <a:endParaRPr lang="en-US" sz="3200" b="1" dirty="0"/>
           </a:p>
         </p:txBody>
       </p:sp>
@@ -7696,13 +7806,14 @@
           <a:bodyPr/>
           <a:lstStyle/>
           <a:p>
+            <a:pPr marL="0" indent="0"/>
             <a:r>
               <a:rPr lang="en-US" sz="3200" b="1" dirty="0"/>
-              <a:t>P</a:t>
+              <a:t>Long-</a:t>
             </a:r>
             <a:r>
               <a:rPr lang="en-US" sz="3200" b="1" dirty="0" smtClean="0"/>
-              <a:t>opulation Model in Stock Assessment:</a:t>
+              <a:t>term goals:</a:t>
             </a:r>
             <a:endParaRPr lang="en-US" sz="3200" b="1" dirty="0"/>
           </a:p>
@@ -7730,34 +7841,37 @@
           </a:bodyPr>
           <a:lstStyle/>
           <a:p>
-            <a:pPr marL="0" indent="0">
-              <a:buNone/>
-            </a:pPr>
             <a:r>
               <a:rPr lang="en-US" sz="2800" dirty="0" smtClean="0"/>
-              <a:t>Long-term:</a:t>
-            </a:r>
-          </a:p>
-          <a:p>
+              <a:t>Standardize </a:t>
+            </a:r>
             <a:r>
               <a:rPr lang="en-US" sz="2800" dirty="0" smtClean="0"/>
-              <a:t>Standardize abundance or biomass indices (retroactive).</a:t>
+              <a:t>abundance or biomass indices (retroactive).</a:t>
             </a:r>
           </a:p>
           <a:p>
             <a:r>
               <a:rPr lang="en-US" sz="2800" dirty="0" smtClean="0"/>
-              <a:t>Growth </a:t>
+              <a:t>Estimate temporal </a:t>
             </a:r>
             <a:r>
               <a:rPr lang="en-US" sz="2800" dirty="0" smtClean="0"/>
-              <a:t>variation</a:t>
-            </a:r>
-          </a:p>
-          <a:p>
+              <a:t>variation in g</a:t>
+            </a:r>
             <a:r>
               <a:rPr lang="en-US" sz="2800" dirty="0" smtClean="0"/>
-              <a:t>Improved understanding of population dynamics can then be linked to environmental changes.</a:t>
+              <a:t>rowth.</a:t>
+            </a:r>
+          </a:p>
+          <a:p>
+            <a:r>
+              <a:rPr lang="en-US" sz="2800" dirty="0" smtClean="0"/>
+              <a:t>Explore link between temporal dynamics and environmental </a:t>
+            </a:r>
+            <a:r>
+              <a:rPr lang="en-US" sz="2800" dirty="0" smtClean="0"/>
+              <a:t>changes.</a:t>
             </a:r>
           </a:p>
           <a:p>
@@ -7765,7 +7879,6 @@
               <a:rPr lang="en-US" sz="2800" dirty="0" smtClean="0"/>
               <a:t>Build spatially-referenced model: examine how model varies at a local scale.</a:t>
             </a:r>
-            <a:endParaRPr lang="en-US" sz="2800" dirty="0" smtClean="0"/>
           </a:p>
         </p:txBody>
       </p:sp>
@@ -7811,8 +7924,8 @@
         </p:nvSpPr>
         <p:spPr>
           <a:xfrm>
-            <a:off x="643745" y="381000"/>
-            <a:ext cx="6830439" cy="492062"/>
+            <a:off x="779463" y="381000"/>
+            <a:ext cx="7583487" cy="580121"/>
           </a:xfrm>
         </p:spPr>
         <p:txBody>
@@ -7820,10 +7933,10 @@
           <a:lstStyle/>
           <a:p>
             <a:r>
-              <a:rPr lang="en-US" sz="3200" b="1" dirty="0" smtClean="0"/>
-              <a:t>Approach:</a:t>
-            </a:r>
-            <a:endParaRPr lang="en-US" sz="3200" b="1" dirty="0"/>
+              <a:rPr lang="en-US" dirty="0" smtClean="0"/>
+              <a:t>Summary:</a:t>
+            </a:r>
+            <a:endParaRPr lang="en-US" dirty="0"/>
           </a:p>
         </p:txBody>
       </p:sp>
@@ -7837,123 +7950,19 @@
             <p:ph idx="1"/>
           </p:nvPr>
         </p:nvSpPr>
-        <p:spPr>
-          <a:xfrm>
-            <a:off x="643745" y="1644621"/>
-            <a:ext cx="7583487" cy="4763773"/>
-          </a:xfrm>
-        </p:spPr>
-        <p:txBody>
-          <a:bodyPr>
-            <a:normAutofit fontScale="92500" lnSpcReduction="10000"/>
-          </a:bodyPr>
-          <a:lstStyle/>
-          <a:p>
-            <a:r>
-              <a:rPr lang="en-US" dirty="0" smtClean="0"/>
-              <a:t>There are all these processes changing through time </a:t>
-            </a:r>
-            <a:r>
-              <a:rPr lang="mr-IN" dirty="0" smtClean="0"/>
-              <a:t>…</a:t>
-            </a:r>
-            <a:r>
-              <a:rPr lang="en-CA" dirty="0" smtClean="0"/>
-              <a:t> so how do we resolve them? i.e. how do we tease each of them out so that we can draw informative inferences?</a:t>
-            </a:r>
-          </a:p>
-          <a:p>
-            <a:r>
-              <a:rPr lang="en-CA" dirty="0" smtClean="0"/>
-              <a:t>The approach is to be as informative about the different processes as possible, but not so much that we are forced to make unreasonable assumptions. </a:t>
-            </a:r>
-          </a:p>
-          <a:p>
-            <a:pPr lvl="1"/>
-            <a:r>
-              <a:rPr lang="en-CA" dirty="0" smtClean="0"/>
-              <a:t>Informative: </a:t>
-            </a:r>
-          </a:p>
-          <a:p>
-            <a:pPr lvl="2"/>
-            <a:r>
-              <a:rPr lang="en-CA" dirty="0" smtClean="0"/>
-              <a:t>structural information i.e. how the model is put together, </a:t>
-            </a:r>
-          </a:p>
-          <a:p>
-            <a:pPr lvl="2"/>
-            <a:r>
-              <a:rPr lang="en-CA" dirty="0" smtClean="0"/>
-              <a:t>Informative parameters: prior constraints (fixed, distributions, ranges).</a:t>
-            </a:r>
-          </a:p>
-          <a:p>
-            <a:r>
-              <a:rPr lang="en-CA" dirty="0" smtClean="0"/>
-              <a:t>Hopefully most of these processes are predictable, i.e. sufficiently stable that they can be used as a baseline for processes that we are interested in, e.g. </a:t>
-            </a:r>
-            <a:r>
-              <a:rPr lang="en-CA" dirty="0" err="1" smtClean="0"/>
-              <a:t>catchability</a:t>
-            </a:r>
-            <a:r>
-              <a:rPr lang="en-CA" dirty="0" smtClean="0"/>
-              <a:t> and mortality.</a:t>
-            </a:r>
-          </a:p>
-        </p:txBody>
-      </p:sp>
-      <p:sp>
-        <p:nvSpPr>
-          <p:cNvPr id="4" name="Rectangle 3"/>
-          <p:cNvSpPr/>
-          <p:nvPr/>
-        </p:nvSpPr>
-        <p:spPr>
-          <a:xfrm>
-            <a:off x="643745" y="1062959"/>
-            <a:ext cx="2562120" cy="461665"/>
-          </a:xfrm>
-          <a:prstGeom prst="rect">
-            <a:avLst/>
-          </a:prstGeom>
-        </p:spPr>
-        <p:txBody>
-          <a:bodyPr wrap="none">
-            <a:spAutoFit/>
-          </a:bodyPr>
-          <a:lstStyle/>
-          <a:p>
-            <a:r>
-              <a:rPr lang="en-US" sz="2400" b="1" dirty="0">
-                <a:solidFill>
-                  <a:srgbClr val="FFFFFF"/>
-                </a:solidFill>
-              </a:rPr>
-              <a:t>U</a:t>
-            </a:r>
-            <a:r>
-              <a:rPr lang="en-US" sz="2400" b="1" dirty="0" smtClean="0">
-                <a:solidFill>
-                  <a:srgbClr val="FFFFFF"/>
-                </a:solidFill>
-              </a:rPr>
-              <a:t>nderlying idea:</a:t>
-            </a:r>
-            <a:endParaRPr lang="en-US" sz="2400" b="1" dirty="0">
-              <a:solidFill>
-                <a:srgbClr val="FFFFFF"/>
-              </a:solidFill>
-            </a:endParaRPr>
+        <p:spPr/>
+        <p:txBody>
+          <a:bodyPr/>
+          <a:lstStyle/>
+          <a:p>
+            <a:endParaRPr lang="en-US" dirty="0"/>
           </a:p>
         </p:txBody>
       </p:sp>
     </p:spTree>
     <p:extLst>
       <p:ext uri="{BB962C8B-B14F-4D97-AF65-F5344CB8AC3E}">
-        <p14:creationId xmlns:p14="http://schemas.microsoft.com/office/powerpoint/2010/main" val="815537326"/>
+        <p14:creationId xmlns:p14="http://schemas.microsoft.com/office/powerpoint/2010/main" val="3734770853"/>
       </p:ext>
     </p:extLst>
   </p:cSld>
@@ -7992,8 +8001,8 @@
         </p:nvSpPr>
         <p:spPr>
           <a:xfrm>
-            <a:off x="506648" y="381000"/>
-            <a:ext cx="7583487" cy="550333"/>
+            <a:off x="643745" y="381000"/>
+            <a:ext cx="6830439" cy="492062"/>
           </a:xfrm>
         </p:spPr>
         <p:txBody>
@@ -8002,7 +8011,7 @@
           <a:p>
             <a:r>
               <a:rPr lang="en-US" sz="3200" b="1" dirty="0" smtClean="0"/>
-              <a:t>Perspective:</a:t>
+              <a:t>Approach:</a:t>
             </a:r>
             <a:endParaRPr lang="en-US" sz="3200" b="1" dirty="0"/>
           </a:p>
@@ -8020,50 +8029,121 @@
         </p:nvSpPr>
         <p:spPr>
           <a:xfrm>
-            <a:off x="506648" y="1461912"/>
-            <a:ext cx="8129352" cy="4208930"/>
-          </a:xfrm>
-        </p:spPr>
-        <p:txBody>
-          <a:bodyPr/>
-          <a:lstStyle/>
-          <a:p>
-            <a:r>
-              <a:rPr lang="en-US" dirty="0"/>
-              <a:t>Models are developed, different versions are examined and tested using diagnostics. They are not </a:t>
-            </a:r>
-            <a:r>
-              <a:rPr lang="en-US" i="1" dirty="0"/>
-              <a:t>true</a:t>
-            </a:r>
-            <a:r>
-              <a:rPr lang="en-US" dirty="0"/>
-              <a:t>, but they can be </a:t>
-            </a:r>
-            <a:r>
-              <a:rPr lang="en-US" i="1" dirty="0"/>
-              <a:t>useful</a:t>
-            </a:r>
-            <a:r>
-              <a:rPr lang="en-US" dirty="0"/>
-              <a:t>. Knowing the limits of their reliability is key. A model should be used insofar that it is useful and objective for the purposes it is being used. i.e. different objectives = different models.</a:t>
-            </a:r>
-          </a:p>
-          <a:p>
-            <a:r>
-              <a:rPr lang="en-US" dirty="0"/>
-              <a:t>When key processes are well modeled, they can allow for a contextualized assessment of quantities of interest (idea of signal and noise).</a:t>
-            </a:r>
-          </a:p>
-          <a:p>
-            <a:endParaRPr lang="en-US" dirty="0"/>
+            <a:off x="643745" y="1644621"/>
+            <a:ext cx="7583487" cy="4763773"/>
+          </a:xfrm>
+        </p:spPr>
+        <p:txBody>
+          <a:bodyPr>
+            <a:normAutofit fontScale="92500" lnSpcReduction="10000"/>
+          </a:bodyPr>
+          <a:lstStyle/>
+          <a:p>
+            <a:r>
+              <a:rPr lang="en-US" dirty="0" smtClean="0"/>
+              <a:t>There are all these processes changing through time </a:t>
+            </a:r>
+            <a:r>
+              <a:rPr lang="mr-IN" dirty="0" smtClean="0"/>
+              <a:t>…</a:t>
+            </a:r>
+            <a:r>
+              <a:rPr lang="en-CA" dirty="0" smtClean="0"/>
+              <a:t> so how do we resolve them? i.e. how do we tease each of them out so that we can draw informative inferences?</a:t>
+            </a:r>
+          </a:p>
+          <a:p>
+            <a:r>
+              <a:rPr lang="en-CA" dirty="0" smtClean="0"/>
+              <a:t>The approach is to be as informative about the different processes as possible, but not so much that we are forced to make unreasonable assumptions. </a:t>
+            </a:r>
+          </a:p>
+          <a:p>
+            <a:pPr lvl="1"/>
+            <a:r>
+              <a:rPr lang="en-CA" dirty="0" smtClean="0"/>
+              <a:t>Informative: </a:t>
+            </a:r>
+          </a:p>
+          <a:p>
+            <a:pPr lvl="2"/>
+            <a:r>
+              <a:rPr lang="en-CA" dirty="0" smtClean="0"/>
+              <a:t>structural information i.e. how the model is put together, </a:t>
+            </a:r>
+          </a:p>
+          <a:p>
+            <a:pPr lvl="2"/>
+            <a:r>
+              <a:rPr lang="en-CA" dirty="0" smtClean="0"/>
+              <a:t>Informative parameters: prior constraints (fixed, distributions, ranges).</a:t>
+            </a:r>
+          </a:p>
+          <a:p>
+            <a:r>
+              <a:rPr lang="en-CA" dirty="0" smtClean="0"/>
+              <a:t>Hopefully most of these processes are predictable, i.e. sufficiently stable that they can be used as a baseline for processes that we are interested in, e.g. </a:t>
+            </a:r>
+            <a:r>
+              <a:rPr lang="en-CA" dirty="0" err="1" smtClean="0"/>
+              <a:t>catchability</a:t>
+            </a:r>
+            <a:r>
+              <a:rPr lang="en-CA" dirty="0" smtClean="0"/>
+              <a:t> and mortality.</a:t>
+            </a:r>
+          </a:p>
+        </p:txBody>
+      </p:sp>
+      <p:sp>
+        <p:nvSpPr>
+          <p:cNvPr id="4" name="Rectangle 3"/>
+          <p:cNvSpPr/>
+          <p:nvPr/>
+        </p:nvSpPr>
+        <p:spPr>
+          <a:xfrm>
+            <a:off x="643745" y="1062959"/>
+            <a:ext cx="2562120" cy="461665"/>
+          </a:xfrm>
+          <a:prstGeom prst="rect">
+            <a:avLst/>
+          </a:prstGeom>
+        </p:spPr>
+        <p:txBody>
+          <a:bodyPr wrap="none">
+            <a:spAutoFit/>
+          </a:bodyPr>
+          <a:lstStyle/>
+          <a:p>
+            <a:r>
+              <a:rPr lang="en-US" sz="2400" b="1" dirty="0">
+                <a:solidFill>
+                  <a:srgbClr val="FFFFFF"/>
+                </a:solidFill>
+              </a:rPr>
+              <a:t>U</a:t>
+            </a:r>
+            <a:r>
+              <a:rPr lang="en-US" sz="2400" b="1" dirty="0" smtClean="0">
+                <a:solidFill>
+                  <a:srgbClr val="FFFFFF"/>
+                </a:solidFill>
+              </a:rPr>
+              <a:t>nderlying idea:</a:t>
+            </a:r>
+            <a:endParaRPr lang="en-US" sz="2400" b="1" dirty="0">
+              <a:solidFill>
+                <a:srgbClr val="FFFFFF"/>
+              </a:solidFill>
+            </a:endParaRPr>
           </a:p>
         </p:txBody>
       </p:sp>
     </p:spTree>
     <p:extLst>
       <p:ext uri="{BB962C8B-B14F-4D97-AF65-F5344CB8AC3E}">
-        <p14:creationId xmlns:p14="http://schemas.microsoft.com/office/powerpoint/2010/main" val="448692763"/>
+        <p14:creationId xmlns:p14="http://schemas.microsoft.com/office/powerpoint/2010/main" val="815537326"/>
       </p:ext>
     </p:extLst>
   </p:cSld>
@@ -8102,8 +8182,8 @@
         </p:nvSpPr>
         <p:spPr>
           <a:xfrm>
-            <a:off x="779463" y="381000"/>
-            <a:ext cx="7583487" cy="492062"/>
+            <a:off x="506648" y="381000"/>
+            <a:ext cx="7583487" cy="550333"/>
           </a:xfrm>
         </p:spPr>
         <p:txBody>
@@ -8111,14 +8191,10 @@
           <a:lstStyle/>
           <a:p>
             <a:r>
-              <a:rPr lang="en-US" sz="2800" b="1" dirty="0" smtClean="0"/>
-              <a:t>Specific Model </a:t>
-            </a:r>
-            <a:r>
-              <a:rPr lang="en-US" sz="2800" b="1" dirty="0" smtClean="0"/>
-              <a:t>Issues:</a:t>
-            </a:r>
-            <a:endParaRPr lang="en-US" sz="2800" b="1" dirty="0"/>
+              <a:rPr lang="en-US" sz="3200" b="1" dirty="0" smtClean="0"/>
+              <a:t>Perspective:</a:t>
+            </a:r>
+            <a:endParaRPr lang="en-US" sz="3200" b="1" dirty="0"/>
           </a:p>
         </p:txBody>
       </p:sp>
@@ -8134,67 +8210,40 @@
         </p:nvSpPr>
         <p:spPr>
           <a:xfrm>
-            <a:off x="779463" y="1121091"/>
-            <a:ext cx="7583487" cy="4916639"/>
-          </a:xfrm>
-        </p:spPr>
-        <p:txBody>
-          <a:bodyPr>
-            <a:normAutofit/>
-          </a:bodyPr>
-          <a:lstStyle/>
-          <a:p>
-            <a:pPr marL="0" indent="0">
-              <a:buNone/>
-            </a:pPr>
-            <a:r>
-              <a:rPr lang="en-CA" dirty="0" smtClean="0"/>
-              <a:t>Examples of processes that are often confounded:</a:t>
-            </a:r>
-          </a:p>
-          <a:p>
-            <a:r>
-              <a:rPr lang="en-CA" dirty="0" smtClean="0"/>
-              <a:t>Trawl </a:t>
-            </a:r>
-            <a:r>
-              <a:rPr lang="en-CA" dirty="0" smtClean="0"/>
-              <a:t>size selectivity and size or instar-based mortality.</a:t>
-            </a:r>
-          </a:p>
-          <a:p>
-            <a:r>
-              <a:rPr lang="en-CA" dirty="0" smtClean="0"/>
-              <a:t>Instar size structure is hard to infer for larger sizes, especially in males.</a:t>
-            </a:r>
-          </a:p>
-          <a:p>
-            <a:endParaRPr lang="en-CA" dirty="0" smtClean="0"/>
-          </a:p>
-          <a:p>
-            <a:pPr marL="0" indent="0">
-              <a:buNone/>
-            </a:pPr>
-            <a:r>
-              <a:rPr lang="en-US" dirty="0" smtClean="0"/>
-              <a:t>Model </a:t>
-            </a:r>
+            <a:off x="506648" y="1461912"/>
+            <a:ext cx="8129352" cy="4208930"/>
+          </a:xfrm>
+        </p:spPr>
+        <p:txBody>
+          <a:bodyPr/>
+          <a:lstStyle/>
+          <a:p>
             <a:r>
               <a:rPr lang="en-US" dirty="0"/>
-              <a:t>correlations can flatten some effects or processes into irrelevance.</a:t>
-            </a:r>
-          </a:p>
-          <a:p>
-            <a:pPr marL="0" indent="0">
-              <a:buNone/>
-            </a:pPr>
+              <a:t>Models are developed, different versions are examined and tested using diagnostics. They are not </a:t>
+            </a:r>
+            <a:r>
+              <a:rPr lang="en-US" i="1" dirty="0"/>
+              <a:t>true</a:t>
+            </a:r>
             <a:r>
               <a:rPr lang="en-US" dirty="0"/>
-              <a:t>Models can be so obtuse that it is very difficult to properly evaluate its performance.</a:t>
-            </a:r>
-          </a:p>
-          <a:p>
-            <a:endParaRPr lang="en-CA" dirty="0" smtClean="0"/>
+              <a:t>, but they can be </a:t>
+            </a:r>
+            <a:r>
+              <a:rPr lang="en-US" i="1" dirty="0"/>
+              <a:t>useful</a:t>
+            </a:r>
+            <a:r>
+              <a:rPr lang="en-US" dirty="0"/>
+              <a:t>. Knowing the limits of their reliability is key. A model should be used insofar that it is useful and objective for the purposes it is being used. i.e. different objectives = different models.</a:t>
+            </a:r>
+          </a:p>
+          <a:p>
+            <a:r>
+              <a:rPr lang="en-US" dirty="0"/>
+              <a:t>When key processes are well modeled, they can allow for a contextualized assessment of quantities of interest (idea of signal and noise).</a:t>
+            </a:r>
           </a:p>
           <a:p>
             <a:endParaRPr lang="en-US" dirty="0"/>
@@ -8204,7 +8253,7 @@
     </p:spTree>
     <p:extLst>
       <p:ext uri="{BB962C8B-B14F-4D97-AF65-F5344CB8AC3E}">
-        <p14:creationId xmlns:p14="http://schemas.microsoft.com/office/powerpoint/2010/main" val="3865280399"/>
+        <p14:creationId xmlns:p14="http://schemas.microsoft.com/office/powerpoint/2010/main" val="448692763"/>
       </p:ext>
     </p:extLst>
   </p:cSld>
@@ -8253,11 +8302,7 @@
           <a:p>
             <a:r>
               <a:rPr lang="en-US" sz="3200" b="1" dirty="0" smtClean="0"/>
-              <a:t>Why </a:t>
-            </a:r>
-            <a:r>
-              <a:rPr lang="en-US" sz="3200" b="1" dirty="0" smtClean="0"/>
-              <a:t>Population Models?</a:t>
+              <a:t>Why Population Models?</a:t>
             </a:r>
             <a:endParaRPr lang="en-US" sz="3200" b="1" dirty="0"/>
           </a:p>
@@ -8287,11 +8332,7 @@
           <a:p>
             <a:r>
               <a:rPr lang="en-US" sz="2400" dirty="0" smtClean="0"/>
-              <a:t>Mathematical model applied to the study of how populations change through time</a:t>
-            </a:r>
-            <a:r>
-              <a:rPr lang="en-US" sz="2400" dirty="0" smtClean="0"/>
-              <a:t>.</a:t>
+              <a:t>Mathematical model applied to the study of how populations change through time.</a:t>
             </a:r>
           </a:p>
           <a:p>
@@ -8344,39 +8385,7 @@
           <a:p>
             <a:r>
               <a:rPr lang="en-US" sz="2400" dirty="0" smtClean="0"/>
-              <a:t>Models </a:t>
-            </a:r>
-            <a:r>
-              <a:rPr lang="en-US" sz="2400" dirty="0" smtClean="0"/>
-              <a:t>are approximations of </a:t>
-            </a:r>
-            <a:r>
-              <a:rPr lang="en-US" sz="2400" dirty="0" smtClean="0"/>
-              <a:t>reality which </a:t>
-            </a:r>
-            <a:r>
-              <a:rPr lang="en-US" sz="2400" dirty="0" smtClean="0"/>
-              <a:t>can </a:t>
-            </a:r>
-            <a:r>
-              <a:rPr lang="en-US" sz="2400" dirty="0" smtClean="0"/>
-              <a:t>be used </a:t>
-            </a:r>
-            <a:r>
-              <a:rPr lang="en-US" sz="2400" dirty="0" smtClean="0"/>
-              <a:t>to explore </a:t>
-            </a:r>
-            <a:r>
-              <a:rPr lang="en-US" sz="2400" dirty="0" smtClean="0"/>
-              <a:t>how </a:t>
-            </a:r>
-            <a:r>
-              <a:rPr lang="en-US" sz="2400" dirty="0" smtClean="0"/>
-              <a:t>different processes </a:t>
-            </a:r>
-            <a:r>
-              <a:rPr lang="en-US" sz="2400" dirty="0" smtClean="0"/>
-              <a:t>work and interact.</a:t>
+              <a:t>Models are approximations of reality which can be used to explore how different processes work and interact.</a:t>
             </a:r>
           </a:p>
         </p:txBody>
@@ -8423,6 +8432,139 @@
         </p:nvSpPr>
         <p:spPr>
           <a:xfrm>
+            <a:off x="779463" y="381000"/>
+            <a:ext cx="7583487" cy="492062"/>
+          </a:xfrm>
+        </p:spPr>
+        <p:txBody>
+          <a:bodyPr/>
+          <a:lstStyle/>
+          <a:p>
+            <a:r>
+              <a:rPr lang="en-US" sz="2800" b="1" dirty="0" smtClean="0"/>
+              <a:t>Specific Model Issues:</a:t>
+            </a:r>
+            <a:endParaRPr lang="en-US" sz="2800" b="1" dirty="0"/>
+          </a:p>
+        </p:txBody>
+      </p:sp>
+      <p:sp>
+        <p:nvSpPr>
+          <p:cNvPr id="3" name="Content Placeholder 2"/>
+          <p:cNvSpPr>
+            <a:spLocks noGrp="1"/>
+          </p:cNvSpPr>
+          <p:nvPr>
+            <p:ph idx="1"/>
+          </p:nvPr>
+        </p:nvSpPr>
+        <p:spPr>
+          <a:xfrm>
+            <a:off x="779463" y="1121091"/>
+            <a:ext cx="7583487" cy="4916639"/>
+          </a:xfrm>
+        </p:spPr>
+        <p:txBody>
+          <a:bodyPr>
+            <a:normAutofit/>
+          </a:bodyPr>
+          <a:lstStyle/>
+          <a:p>
+            <a:pPr marL="0" indent="0">
+              <a:buNone/>
+            </a:pPr>
+            <a:r>
+              <a:rPr lang="en-CA" dirty="0" smtClean="0"/>
+              <a:t>Examples of processes that are often confounded:</a:t>
+            </a:r>
+          </a:p>
+          <a:p>
+            <a:r>
+              <a:rPr lang="en-CA" dirty="0" smtClean="0"/>
+              <a:t>Trawl size selectivity and size or instar-based mortality.</a:t>
+            </a:r>
+          </a:p>
+          <a:p>
+            <a:r>
+              <a:rPr lang="en-CA" dirty="0" smtClean="0"/>
+              <a:t>Instar size structure is hard to infer for larger sizes, especially in males.</a:t>
+            </a:r>
+          </a:p>
+          <a:p>
+            <a:endParaRPr lang="en-CA" dirty="0" smtClean="0"/>
+          </a:p>
+          <a:p>
+            <a:pPr marL="0" indent="0">
+              <a:buNone/>
+            </a:pPr>
+            <a:r>
+              <a:rPr lang="en-US" dirty="0" smtClean="0"/>
+              <a:t>Model </a:t>
+            </a:r>
+            <a:r>
+              <a:rPr lang="en-US" dirty="0"/>
+              <a:t>correlations can flatten some effects or processes into irrelevance.</a:t>
+            </a:r>
+          </a:p>
+          <a:p>
+            <a:pPr marL="0" indent="0">
+              <a:buNone/>
+            </a:pPr>
+            <a:r>
+              <a:rPr lang="en-US" dirty="0"/>
+              <a:t>Models can be so obtuse that it is very difficult to properly evaluate its performance.</a:t>
+            </a:r>
+          </a:p>
+          <a:p>
+            <a:endParaRPr lang="en-CA" dirty="0" smtClean="0"/>
+          </a:p>
+          <a:p>
+            <a:endParaRPr lang="en-US" dirty="0"/>
+          </a:p>
+        </p:txBody>
+      </p:sp>
+    </p:spTree>
+    <p:extLst>
+      <p:ext uri="{BB962C8B-B14F-4D97-AF65-F5344CB8AC3E}">
+        <p14:creationId xmlns:p14="http://schemas.microsoft.com/office/powerpoint/2010/main" val="3865280399"/>
+      </p:ext>
+    </p:extLst>
+  </p:cSld>
+  <p:clrMapOvr>
+    <a:masterClrMapping/>
+  </p:clrMapOvr>
+</p:sld>
+</file>
+
+<file path=ppt/slides/slide21.xml><?xml version="1.0" encoding="utf-8"?>
+<p:sld xmlns:a="http://schemas.openxmlformats.org/drawingml/2006/main" xmlns:r="http://schemas.openxmlformats.org/officeDocument/2006/relationships" xmlns:p="http://schemas.openxmlformats.org/presentationml/2006/main">
+  <p:cSld>
+    <p:spTree>
+      <p:nvGrpSpPr>
+        <p:cNvPr id="1" name=""/>
+        <p:cNvGrpSpPr/>
+        <p:nvPr/>
+      </p:nvGrpSpPr>
+      <p:grpSpPr>
+        <a:xfrm>
+          <a:off x="0" y="0"/>
+          <a:ext cx="0" cy="0"/>
+          <a:chOff x="0" y="0"/>
+          <a:chExt cx="0" cy="0"/>
+        </a:xfrm>
+      </p:grpSpPr>
+      <p:sp>
+        <p:nvSpPr>
+          <p:cNvPr id="2" name="Title 1"/>
+          <p:cNvSpPr>
+            <a:spLocks noGrp="1"/>
+          </p:cNvSpPr>
+          <p:nvPr>
+            <p:ph type="title"/>
+          </p:nvPr>
+        </p:nvSpPr>
+        <p:spPr>
+          <a:xfrm>
             <a:off x="531423" y="448865"/>
             <a:ext cx="7583487" cy="551589"/>
           </a:xfrm>
@@ -8662,119 +8804,174 @@
         </p:nvSpPr>
         <p:spPr>
           <a:xfrm>
-            <a:off x="521501" y="1486206"/>
-            <a:ext cx="8172048" cy="4219422"/>
+            <a:off x="521501" y="1215871"/>
+            <a:ext cx="8172048" cy="5065742"/>
           </a:xfrm>
         </p:spPr>
         <p:txBody>
           <a:bodyPr>
-            <a:normAutofit/>
+            <a:normAutofit fontScale="92500" lnSpcReduction="10000"/>
           </a:bodyPr>
           <a:lstStyle/>
+          <a:p>
+            <a:pPr marL="514350" indent="-514350">
+              <a:buFont typeface="+mj-lt"/>
+              <a:buAutoNum type="arabicPeriod"/>
+            </a:pPr>
+            <a:r>
+              <a:rPr lang="en-US" sz="2600" dirty="0" smtClean="0"/>
+              <a:t>Replace </a:t>
+            </a:r>
+            <a:r>
+              <a:rPr lang="en-US" sz="2600" dirty="0" smtClean="0"/>
+              <a:t>prediction model:</a:t>
+            </a:r>
+          </a:p>
+          <a:p>
+            <a:pPr lvl="1"/>
+            <a:r>
+              <a:rPr lang="en-US" dirty="0" smtClean="0"/>
+              <a:t>Incorporate skip</a:t>
+            </a:r>
+            <a:r>
+              <a:rPr lang="en-US" dirty="0" smtClean="0"/>
+              <a:t>-</a:t>
+            </a:r>
+            <a:r>
+              <a:rPr lang="en-US" dirty="0" err="1" smtClean="0"/>
+              <a:t>moulting</a:t>
+            </a:r>
+            <a:endParaRPr lang="en-US" dirty="0" smtClean="0"/>
+          </a:p>
+          <a:p>
+            <a:pPr lvl="1"/>
+            <a:r>
+              <a:rPr lang="en-US" dirty="0" smtClean="0"/>
+              <a:t>Improve </a:t>
+            </a:r>
+            <a:r>
+              <a:rPr lang="en-US" dirty="0" smtClean="0"/>
+              <a:t>characterization of </a:t>
+            </a:r>
+            <a:r>
+              <a:rPr lang="en-US" dirty="0" smtClean="0"/>
+              <a:t>fishery recruitment</a:t>
+            </a:r>
+            <a:endParaRPr lang="en-US" dirty="0" smtClean="0"/>
+          </a:p>
+          <a:p>
+            <a:pPr lvl="1"/>
+            <a:r>
+              <a:rPr lang="en-US" dirty="0" smtClean="0"/>
+              <a:t>Reduce reliance on shell condition identification</a:t>
+            </a:r>
+          </a:p>
+          <a:p>
+            <a:pPr lvl="1"/>
+            <a:r>
+              <a:rPr lang="en-US" dirty="0" smtClean="0"/>
+              <a:t>Account for survey </a:t>
+            </a:r>
+            <a:r>
+              <a:rPr lang="en-US" dirty="0" err="1"/>
+              <a:t>c</a:t>
+            </a:r>
+            <a:r>
+              <a:rPr lang="en-US" dirty="0" err="1" smtClean="0"/>
+              <a:t>atchability</a:t>
+            </a:r>
+            <a:endParaRPr lang="en-US" dirty="0" smtClean="0"/>
+          </a:p>
+          <a:p>
+            <a:pPr marL="739775" lvl="1" indent="-457200">
+              <a:buFont typeface="+mj-lt"/>
+              <a:buAutoNum type="arabicPeriod"/>
+            </a:pPr>
+            <a:endParaRPr lang="en-US" dirty="0" smtClean="0"/>
+          </a:p>
+          <a:p>
+            <a:pPr marL="514350" indent="-514350">
+              <a:buFont typeface="+mj-lt"/>
+              <a:buAutoNum type="arabicPeriod"/>
+            </a:pPr>
+            <a:r>
+              <a:rPr lang="en-US" sz="2600" dirty="0" smtClean="0"/>
+              <a:t>Refine mortality estimates:</a:t>
+            </a:r>
+          </a:p>
+          <a:p>
+            <a:pPr lvl="1"/>
+            <a:r>
+              <a:rPr lang="en-US" dirty="0"/>
+              <a:t>Reduce reliance on shell condition identification</a:t>
+            </a:r>
+          </a:p>
+          <a:p>
+            <a:pPr lvl="1"/>
+            <a:r>
+              <a:rPr lang="en-US" dirty="0"/>
+              <a:t>Account for survey </a:t>
+            </a:r>
+            <a:r>
+              <a:rPr lang="en-US" dirty="0" err="1"/>
+              <a:t>catchability</a:t>
+            </a:r>
+            <a:endParaRPr lang="en-US" dirty="0"/>
+          </a:p>
+          <a:p>
+            <a:pPr lvl="1"/>
+            <a:r>
+              <a:rPr lang="en-US" dirty="0" smtClean="0"/>
+              <a:t>Separate commercial crab mortality into </a:t>
+            </a:r>
+            <a:r>
+              <a:rPr lang="en-US" dirty="0" smtClean="0"/>
+              <a:t>natural mortality, discard mortality and fishing mortality</a:t>
+            </a:r>
+            <a:r>
+              <a:rPr lang="en-US" dirty="0" smtClean="0"/>
+              <a:t>.</a:t>
+            </a:r>
+          </a:p>
+          <a:p>
+            <a:pPr lvl="1"/>
+            <a:endParaRPr lang="en-US" dirty="0" smtClean="0"/>
+          </a:p>
+          <a:p>
+            <a:pPr marL="457200" indent="-457200">
+              <a:buFont typeface="+mj-lt"/>
+              <a:buAutoNum type="arabicPeriod"/>
+            </a:pPr>
+            <a:r>
+              <a:rPr lang="en-US" sz="2600" dirty="0" smtClean="0"/>
+              <a:t>Provide insight </a:t>
+            </a:r>
+            <a:r>
+              <a:rPr lang="en-US" sz="2600" dirty="0"/>
+              <a:t>on </a:t>
+            </a:r>
+            <a:r>
+              <a:rPr lang="en-US" sz="2600" dirty="0" smtClean="0"/>
+              <a:t>changes </a:t>
+            </a:r>
+            <a:r>
+              <a:rPr lang="en-US" sz="2600" dirty="0"/>
+              <a:t>in survey </a:t>
+            </a:r>
+            <a:r>
+              <a:rPr lang="en-US" sz="2600" dirty="0" err="1"/>
+              <a:t>catchability</a:t>
+            </a:r>
+            <a:r>
+              <a:rPr lang="en-US" sz="2600" dirty="0"/>
+              <a:t>.</a:t>
+            </a:r>
+          </a:p>
           <a:p>
             <a:pPr marL="0" indent="0">
               <a:buNone/>
             </a:pPr>
-            <a:r>
-              <a:rPr lang="en-US" sz="2600" dirty="0" smtClean="0"/>
-              <a:t>Replace </a:t>
-            </a:r>
-            <a:r>
-              <a:rPr lang="en-US" sz="2600" dirty="0" smtClean="0"/>
-              <a:t>prediction </a:t>
-            </a:r>
-            <a:r>
-              <a:rPr lang="en-US" sz="2600" dirty="0" smtClean="0"/>
-              <a:t>model:</a:t>
-            </a:r>
-          </a:p>
-          <a:p>
-            <a:pPr lvl="1"/>
-            <a:r>
-              <a:rPr lang="en-US" dirty="0" smtClean="0"/>
-              <a:t>Skip-</a:t>
-            </a:r>
-            <a:r>
-              <a:rPr lang="en-US" dirty="0" err="1" smtClean="0"/>
-              <a:t>moulting</a:t>
-            </a:r>
             <a:endParaRPr lang="en-US" dirty="0" smtClean="0"/>
-          </a:p>
-          <a:p>
-            <a:pPr lvl="1"/>
-            <a:r>
-              <a:rPr lang="en-US" dirty="0" smtClean="0"/>
-              <a:t>Better characterization of recruits</a:t>
-            </a:r>
-          </a:p>
-          <a:p>
-            <a:pPr lvl="1"/>
-            <a:r>
-              <a:rPr lang="en-US" dirty="0" smtClean="0"/>
-              <a:t>Reduce reliance on shell condition identification</a:t>
-            </a:r>
-          </a:p>
-          <a:p>
-            <a:pPr lvl="1"/>
-            <a:r>
-              <a:rPr lang="en-US" dirty="0"/>
-              <a:t>Survey </a:t>
-            </a:r>
-            <a:r>
-              <a:rPr lang="en-US" dirty="0" smtClean="0"/>
-              <a:t>Catchability</a:t>
-            </a:r>
-            <a:endParaRPr lang="en-US" dirty="0" smtClean="0"/>
-          </a:p>
-          <a:p>
-            <a:pPr marL="0" indent="0">
-              <a:buNone/>
-            </a:pPr>
-            <a:r>
-              <a:rPr lang="en-US" sz="2600" dirty="0" smtClean="0"/>
-              <a:t>Refine </a:t>
-            </a:r>
-            <a:r>
-              <a:rPr lang="en-US" sz="2600" dirty="0" smtClean="0"/>
-              <a:t>mortality estimates:</a:t>
-            </a:r>
-          </a:p>
-          <a:p>
-            <a:pPr lvl="1"/>
-            <a:r>
-              <a:rPr lang="en-US" dirty="0" smtClean="0"/>
-              <a:t>Shell </a:t>
-            </a:r>
-            <a:r>
-              <a:rPr lang="en-US" dirty="0"/>
-              <a:t>condition </a:t>
-            </a:r>
-            <a:r>
-              <a:rPr lang="en-US" dirty="0" smtClean="0"/>
-              <a:t>uncertainty</a:t>
-            </a:r>
-          </a:p>
-          <a:p>
-            <a:pPr lvl="1"/>
-            <a:r>
-              <a:rPr lang="en-US" dirty="0"/>
-              <a:t>Survey c</a:t>
-            </a:r>
-            <a:r>
-              <a:rPr lang="en-US" dirty="0" smtClean="0"/>
-              <a:t>atchability</a:t>
-            </a:r>
-          </a:p>
-          <a:p>
-            <a:pPr lvl="1"/>
-            <a:r>
-              <a:rPr lang="en-US" dirty="0" smtClean="0"/>
-              <a:t>Partition </a:t>
-            </a:r>
-            <a:r>
-              <a:rPr lang="en-US" dirty="0" smtClean="0"/>
-              <a:t>commercial mortality by natural mortality, discard mortality and fishing mortality.</a:t>
-            </a:r>
           </a:p>
           <a:p>
             <a:pPr marL="0" indent="0">
@@ -8826,7 +9023,7 @@
         </p:nvSpPr>
         <p:spPr>
           <a:xfrm>
-            <a:off x="531423" y="381001"/>
+            <a:off x="531423" y="469602"/>
             <a:ext cx="7583487" cy="511904"/>
           </a:xfrm>
         </p:spPr>
@@ -8836,11 +9033,7 @@
           <a:p>
             <a:r>
               <a:rPr lang="en-US" sz="3200" b="1" dirty="0" smtClean="0"/>
-              <a:t>Model </a:t>
-            </a:r>
-            <a:r>
-              <a:rPr lang="en-US" sz="3200" b="1" dirty="0" smtClean="0"/>
-              <a:t>overview:</a:t>
+              <a:t>Model overview:</a:t>
             </a:r>
             <a:endParaRPr lang="en-US" sz="3200" b="1" dirty="0"/>
           </a:p>
@@ -8883,7 +9076,6 @@
               <a:rPr lang="en-US" dirty="0" smtClean="0"/>
               <a:t>Recruitment</a:t>
             </a:r>
-            <a:endParaRPr lang="en-US" dirty="0" smtClean="0"/>
           </a:p>
           <a:p>
             <a:pPr lvl="1"/>
@@ -9209,7 +9401,7 @@
           <a:p>
             <a:r>
               <a:rPr lang="en-US" sz="3200" b="1" dirty="0" smtClean="0"/>
-              <a:t>Heads up: Warning</a:t>
+              <a:t>Cautionary points:</a:t>
             </a:r>
             <a:endParaRPr lang="en-US" sz="3200" b="1" dirty="0"/>
           </a:p>
@@ -9223,8 +9415,8 @@
         </p:nvSpPr>
         <p:spPr>
           <a:xfrm>
-            <a:off x="693348" y="1404695"/>
-            <a:ext cx="7825073" cy="1200329"/>
+            <a:off x="531423" y="1276715"/>
+            <a:ext cx="8181837" cy="1200328"/>
           </a:xfrm>
           <a:prstGeom prst="rect">
             <a:avLst/>
@@ -9236,6 +9428,10 @@
           </a:bodyPr>
           <a:lstStyle/>
           <a:p>
+            <a:pPr marL="342900" indent="-342900">
+              <a:buFont typeface="Arial"/>
+              <a:buChar char="•"/>
+            </a:pPr>
             <a:r>
               <a:rPr lang="en-US" sz="2400" dirty="0" smtClean="0">
                 <a:solidFill>
@@ -9258,15 +9454,7 @@
                   <a:srgbClr val="FFFFFF"/>
                 </a:solidFill>
               </a:rPr>
-              <a:t>but because lots </a:t>
-            </a:r>
-            <a:r>
-              <a:rPr lang="en-US" sz="2400" dirty="0">
-                <a:solidFill>
-                  <a:srgbClr val="FFFFFF"/>
-                </a:solidFill>
-              </a:rPr>
-              <a:t>of interaction </a:t>
+              <a:t>but </a:t>
             </a:r>
             <a:r>
               <a:rPr lang="en-US" sz="2400" dirty="0" smtClean="0">
@@ -9274,24 +9462,14 @@
                   <a:srgbClr val="FFFFFF"/>
                 </a:solidFill>
               </a:rPr>
-              <a:t>between </a:t>
-            </a:r>
-            <a:r>
-              <a:rPr lang="en-US" sz="2400" dirty="0">
-                <a:solidFill>
-                  <a:srgbClr val="FFFFFF"/>
-                </a:solidFill>
-              </a:rPr>
-              <a:t>different components of the </a:t>
-            </a:r>
-            <a:r>
-              <a:rPr lang="en-US" sz="2400" dirty="0" smtClean="0">
-                <a:solidFill>
-                  <a:srgbClr val="FFFFFF"/>
-                </a:solidFill>
-              </a:rPr>
-              <a:t>model: </a:t>
-            </a:r>
+              <a:t>having a lot of interacting components can lead to complications.</a:t>
+            </a:r>
+          </a:p>
+          <a:p>
+            <a:pPr marL="800100" lvl="1" indent="-342900">
+              <a:buFont typeface="Arial"/>
+              <a:buChar char="•"/>
+            </a:pPr>
             <a:endParaRPr lang="en-CA" sz="2400" dirty="0"/>
           </a:p>
         </p:txBody>
@@ -9430,7 +9608,7 @@
         </p:nvSpPr>
         <p:spPr>
           <a:xfrm>
-            <a:off x="598488" y="504825"/>
+            <a:off x="392554" y="504825"/>
             <a:ext cx="7583487" cy="466725"/>
           </a:xfrm>
         </p:spPr>
@@ -9439,38 +9617,30 @@
           <a:lstStyle/>
           <a:p>
             <a:r>
-              <a:rPr lang="fr-CA" sz="3200" dirty="0" err="1" smtClean="0"/>
-              <a:t>Trawl</a:t>
-            </a:r>
-            <a:r>
-              <a:rPr lang="fr-CA" sz="3200" dirty="0" smtClean="0"/>
-              <a:t> (</a:t>
-            </a:r>
-            <a:r>
-              <a:rPr lang="fr-CA" sz="3200" dirty="0" err="1" smtClean="0"/>
-              <a:t>fishing</a:t>
-            </a:r>
-            <a:r>
-              <a:rPr lang="fr-CA" sz="3200" dirty="0" smtClean="0"/>
-              <a:t>?) </a:t>
-            </a:r>
-            <a:r>
-              <a:rPr lang="fr-CA" sz="3200" dirty="0" err="1" smtClean="0"/>
+              <a:rPr lang="fr-CA" sz="3200" b="1" dirty="0" smtClean="0"/>
+              <a:t>Survey </a:t>
+            </a:r>
+            <a:r>
+              <a:rPr lang="fr-CA" sz="3200" b="1" dirty="0" err="1"/>
+              <a:t>t</a:t>
+            </a:r>
+            <a:r>
+              <a:rPr lang="fr-CA" sz="3200" b="1" dirty="0" err="1" smtClean="0"/>
+              <a:t>rawl</a:t>
+            </a:r>
+            <a:r>
+              <a:rPr lang="fr-CA" sz="3200" b="1" dirty="0" smtClean="0"/>
+              <a:t> </a:t>
+            </a:r>
+            <a:r>
+              <a:rPr lang="fr-CA" sz="3200" b="1" dirty="0" err="1" smtClean="0"/>
               <a:t>selectivity</a:t>
             </a:r>
             <a:r>
-              <a:rPr lang="fr-CA" sz="3200" dirty="0" smtClean="0"/>
-              <a:t> </a:t>
-            </a:r>
-            <a:r>
-              <a:rPr lang="fr-CA" sz="3200" dirty="0" err="1" smtClean="0"/>
-              <a:t>function</a:t>
-            </a:r>
-            <a:r>
-              <a:rPr lang="fr-CA" sz="3200" dirty="0" smtClean="0"/>
+              <a:rPr lang="fr-CA" sz="3200" b="1" dirty="0" smtClean="0"/>
               <a:t>:</a:t>
             </a:r>
-            <a:endParaRPr lang="en-CA" sz="3200" dirty="0"/>
+            <a:endParaRPr lang="en-CA" sz="3200" b="1" dirty="0"/>
           </a:p>
         </p:txBody>
       </p:sp>
@@ -9484,7 +9654,12 @@
             <p:ph idx="1"/>
           </p:nvPr>
         </p:nvSpPr>
-        <p:spPr/>
+        <p:spPr>
+          <a:xfrm>
+            <a:off x="392554" y="1618836"/>
+            <a:ext cx="3546016" cy="4208930"/>
+          </a:xfrm>
+        </p:spPr>
         <p:txBody>
           <a:bodyPr/>
           <a:lstStyle/>
@@ -9497,100 +9672,169 @@
               <a:rPr lang="fr-CA" dirty="0" err="1" smtClean="0"/>
               <a:t>based</a:t>
             </a:r>
-            <a:endParaRPr lang="fr-CA" dirty="0" smtClean="0"/>
-          </a:p>
-          <a:p>
-            <a:r>
-              <a:rPr lang="fr-CA" dirty="0" err="1" smtClean="0"/>
-              <a:t>Logistic</a:t>
-            </a:r>
             <a:r>
               <a:rPr lang="fr-CA" dirty="0" smtClean="0"/>
               <a:t> </a:t>
             </a:r>
             <a:r>
               <a:rPr lang="fr-CA" dirty="0" err="1" smtClean="0"/>
+              <a:t>logistic</a:t>
+            </a:r>
+            <a:r>
+              <a:rPr lang="fr-CA" dirty="0" smtClean="0"/>
+              <a:t> </a:t>
+            </a:r>
+            <a:r>
+              <a:rPr lang="fr-CA" dirty="0" err="1" smtClean="0"/>
               <a:t>curve</a:t>
             </a:r>
-            <a:endParaRPr lang="en-CA" dirty="0"/>
-          </a:p>
-        </p:txBody>
-      </p:sp>
-      <p:pic>
-        <p:nvPicPr>
-          <p:cNvPr id="4" name="Picture 3" descr="Macintosh HD:Users:crustacean:Desktop:gulf-population-modelling:snow crab:female.trawl.selectivity.pdf"/>
-          <p:cNvPicPr/>
+            <a:endParaRPr lang="fr-CA" dirty="0" smtClean="0"/>
+          </a:p>
+          <a:p>
+            <a:r>
+              <a:rPr lang="fr-CA" dirty="0" smtClean="0"/>
+              <a:t>The proportion of </a:t>
+            </a:r>
+            <a:r>
+              <a:rPr lang="fr-CA" dirty="0" err="1" smtClean="0"/>
+              <a:t>crab</a:t>
+            </a:r>
+            <a:r>
+              <a:rPr lang="fr-CA" dirty="0" smtClean="0"/>
+              <a:t> </a:t>
+            </a:r>
+            <a:r>
+              <a:rPr lang="fr-CA" dirty="0" err="1" smtClean="0"/>
+              <a:t>that</a:t>
+            </a:r>
+            <a:r>
+              <a:rPr lang="fr-CA" dirty="0" smtClean="0"/>
+              <a:t> are </a:t>
+            </a:r>
+            <a:r>
+              <a:rPr lang="fr-CA" dirty="0" err="1" smtClean="0"/>
+              <a:t>caught</a:t>
+            </a:r>
+            <a:r>
+              <a:rPr lang="fr-CA" dirty="0" smtClean="0"/>
+              <a:t>/</a:t>
+            </a:r>
+            <a:r>
+              <a:rPr lang="fr-CA" dirty="0" err="1" smtClean="0"/>
+              <a:t>retained</a:t>
+            </a:r>
+            <a:r>
+              <a:rPr lang="fr-CA" dirty="0" smtClean="0"/>
+              <a:t> by the </a:t>
+            </a:r>
+            <a:r>
+              <a:rPr lang="fr-CA" dirty="0" err="1" smtClean="0"/>
+              <a:t>survey</a:t>
+            </a:r>
+            <a:r>
+              <a:rPr lang="fr-CA" dirty="0" smtClean="0"/>
+              <a:t> </a:t>
+            </a:r>
+            <a:r>
+              <a:rPr lang="fr-CA" dirty="0" err="1" smtClean="0"/>
+              <a:t>trawl</a:t>
+            </a:r>
+            <a:endParaRPr lang="fr-CA" dirty="0" smtClean="0"/>
+          </a:p>
+        </p:txBody>
+      </p:sp>
+      <p:grpSp>
+        <p:nvGrpSpPr>
+          <p:cNvPr id="8" name="Group 7"/>
+          <p:cNvGrpSpPr/>
           <p:nvPr/>
-        </p:nvPicPr>
-        <p:blipFill>
-          <a:blip r:embed="rId2">
-            <a:extLst>
-              <a:ext uri="{28A0092B-C50C-407E-A947-70E740481C1C}">
-                <a14:useLocalDpi xmlns:a14="http://schemas.microsoft.com/office/drawing/2010/main" val="0"/>
-              </a:ext>
-            </a:extLst>
-          </a:blip>
-          <a:srcRect/>
-          <a:stretch>
-            <a:fillRect/>
-          </a:stretch>
-        </p:blipFill>
-        <p:spPr bwMode="auto">
-          <a:xfrm>
-            <a:off x="3668030" y="2015010"/>
-            <a:ext cx="4805045" cy="4229100"/>
-          </a:xfrm>
-          <a:prstGeom prst="rect">
-            <a:avLst/>
-          </a:prstGeom>
-          <a:noFill/>
-          <a:ln>
+        </p:nvGrpSpPr>
+        <p:grpSpPr>
+          <a:xfrm>
+            <a:off x="3938570" y="1264121"/>
+            <a:ext cx="4862088" cy="4773609"/>
+            <a:chOff x="3500862" y="1727714"/>
+            <a:chExt cx="4862088" cy="4773609"/>
+          </a:xfrm>
+        </p:grpSpPr>
+        <p:sp>
+          <p:nvSpPr>
+            <p:cNvPr id="7" name="Rectangle 6"/>
+            <p:cNvSpPr/>
+            <p:nvPr/>
+          </p:nvSpPr>
+          <p:spPr>
+            <a:xfrm>
+              <a:off x="3500862" y="2082429"/>
+              <a:ext cx="4862088" cy="4325045"/>
+            </a:xfrm>
+            <a:prstGeom prst="rect">
+              <a:avLst/>
+            </a:prstGeom>
+            <a:solidFill>
+              <a:schemeClr val="bg2">
+                <a:lumMod val="20000"/>
+                <a:lumOff val="80000"/>
+              </a:schemeClr>
+            </a:solidFill>
+          </p:spPr>
+          <p:style>
+            <a:lnRef idx="1">
+              <a:schemeClr val="accent1"/>
+            </a:lnRef>
+            <a:fillRef idx="3">
+              <a:schemeClr val="accent1"/>
+            </a:fillRef>
+            <a:effectRef idx="2">
+              <a:schemeClr val="accent1"/>
+            </a:effectRef>
+            <a:fontRef idx="minor">
+              <a:schemeClr val="lt1"/>
+            </a:fontRef>
+          </p:style>
+          <p:txBody>
+            <a:bodyPr rtlCol="0" anchor="ctr"/>
+            <a:lstStyle/>
+            <a:p>
+              <a:pPr algn="ctr"/>
+              <a:endParaRPr lang="en-US"/>
+            </a:p>
+          </p:txBody>
+        </p:sp>
+        <p:pic>
+          <p:nvPicPr>
+            <p:cNvPr id="6" name="Picture 5" descr="Macintosh HD:Users:crustacean:Desktop:gulf-population-modelling:snow crab:female_trawl_selectivity.pdf"/>
+            <p:cNvPicPr/>
+            <p:nvPr/>
+          </p:nvPicPr>
+          <p:blipFill>
+            <a:blip r:embed="rId2">
+              <a:extLst>
+                <a:ext uri="{28A0092B-C50C-407E-A947-70E740481C1C}">
+                  <a14:useLocalDpi xmlns:a14="http://schemas.microsoft.com/office/drawing/2010/main" val="0"/>
+                </a:ext>
+              </a:extLst>
+            </a:blip>
+            <a:srcRect/>
+            <a:stretch>
+              <a:fillRect/>
+            </a:stretch>
+          </p:blipFill>
+          <p:spPr bwMode="auto">
+            <a:xfrm>
+              <a:off x="3618230" y="1727714"/>
+              <a:ext cx="4744720" cy="4773609"/>
+            </a:xfrm>
+            <a:prstGeom prst="rect">
+              <a:avLst/>
+            </a:prstGeom>
             <a:noFill/>
-          </a:ln>
-        </p:spPr>
-      </p:pic>
-      <p:sp>
-        <p:nvSpPr>
-          <p:cNvPr id="5" name="TextBox 4"/>
-          <p:cNvSpPr txBox="1"/>
-          <p:nvPr/>
-        </p:nvSpPr>
-        <p:spPr>
-          <a:xfrm>
-            <a:off x="4627562" y="1358382"/>
-            <a:ext cx="2725426" cy="369332"/>
-          </a:xfrm>
-          <a:prstGeom prst="rect">
-            <a:avLst/>
-          </a:prstGeom>
-          <a:noFill/>
-        </p:spPr>
-        <p:txBody>
-          <a:bodyPr wrap="none" rtlCol="0">
-            <a:spAutoFit/>
-          </a:bodyPr>
-          <a:lstStyle/>
-          <a:p>
-            <a:r>
-              <a:rPr lang="fr-CA" dirty="0" err="1" smtClean="0"/>
-              <a:t>Improve</a:t>
-            </a:r>
-            <a:r>
-              <a:rPr lang="fr-CA" dirty="0" smtClean="0"/>
-              <a:t> figure </a:t>
-            </a:r>
-            <a:r>
-              <a:rPr lang="fr-CA" dirty="0" err="1" smtClean="0"/>
-              <a:t>visibility</a:t>
-            </a:r>
-            <a:r>
-              <a:rPr lang="fr-CA" dirty="0" smtClean="0"/>
-              <a:t>:</a:t>
-            </a:r>
-            <a:endParaRPr lang="en-CA" dirty="0"/>
-          </a:p>
-        </p:txBody>
-      </p:sp>
+            <a:ln>
+              <a:noFill/>
+            </a:ln>
+          </p:spPr>
+        </p:pic>
+      </p:grpSp>
     </p:spTree>
     <p:extLst>
       <p:ext uri="{BB962C8B-B14F-4D97-AF65-F5344CB8AC3E}">
@@ -9773,11 +10017,7 @@
             <a:pPr algn="ctr"/>
             <a:r>
               <a:rPr lang="en-US" dirty="0" smtClean="0"/>
-              <a:t>Instar </a:t>
-            </a:r>
-            <a:r>
-              <a:rPr lang="en-US" dirty="0" smtClean="0"/>
-              <a:t>VIII</a:t>
+              <a:t>Instar VIII</a:t>
             </a:r>
             <a:endParaRPr lang="en-US" dirty="0"/>
           </a:p>
@@ -9819,11 +10059,7 @@
             <a:pPr algn="ctr"/>
             <a:r>
               <a:rPr lang="en-US" dirty="0" smtClean="0"/>
-              <a:t>Instar </a:t>
-            </a:r>
-            <a:r>
-              <a:rPr lang="en-US" dirty="0" smtClean="0"/>
-              <a:t>IX</a:t>
+              <a:t>Instar IX</a:t>
             </a:r>
             <a:endParaRPr lang="en-US" dirty="0"/>
           </a:p>
@@ -9981,11 +10217,7 @@
             <a:pPr algn="ctr"/>
             <a:r>
               <a:rPr lang="en-US" dirty="0" smtClean="0"/>
-              <a:t>Instar </a:t>
-            </a:r>
-            <a:r>
-              <a:rPr lang="en-US" dirty="0" smtClean="0"/>
-              <a:t>IX</a:t>
+              <a:t>Instar IX</a:t>
             </a:r>
             <a:endParaRPr lang="en-US" dirty="0"/>
           </a:p>
@@ -10361,15 +10593,7 @@
                   <a:srgbClr val="FFFFFF"/>
                 </a:solidFill>
               </a:rPr>
-              <a:t>     	: </a:t>
-            </a:r>
-            <a:r>
-              <a:rPr lang="en-US" dirty="0" smtClean="0">
-                <a:solidFill>
-                  <a:srgbClr val="FFFFFF"/>
-                </a:solidFill>
-              </a:rPr>
-              <a:t>male instars IX-XII</a:t>
+              <a:t>     	: male instars IX-XII</a:t>
             </a:r>
           </a:p>
           <a:p>
@@ -10403,19 +10627,50 @@
                   <a:srgbClr val="FFFFFF"/>
                 </a:solidFill>
               </a:rPr>
-              <a:t>: </a:t>
-            </a:r>
-            <a:r>
-              <a:rPr lang="en-US" dirty="0" smtClean="0">
-                <a:solidFill>
-                  <a:srgbClr val="FFFFFF"/>
-                </a:solidFill>
-              </a:rPr>
-              <a:t>female instars VIII and IX and male instars VIII-XII</a:t>
+              <a:t>: female instars VIII and IX and male instars VIII-XII</a:t>
             </a:r>
             <a:endParaRPr lang="en-US" dirty="0">
               <a:solidFill>
                 <a:srgbClr val="FFFFFF"/>
+              </a:solidFill>
+            </a:endParaRPr>
+          </a:p>
+        </p:txBody>
+      </p:sp>
+      <p:sp>
+        <p:nvSpPr>
+          <p:cNvPr id="3" name="TextBox 2"/>
+          <p:cNvSpPr txBox="1"/>
+          <p:nvPr/>
+        </p:nvSpPr>
+        <p:spPr>
+          <a:xfrm>
+            <a:off x="6649719" y="4383311"/>
+            <a:ext cx="1435426" cy="669770"/>
+          </a:xfrm>
+          <a:prstGeom prst="rect">
+            <a:avLst/>
+          </a:prstGeom>
+          <a:noFill/>
+        </p:spPr>
+        <p:txBody>
+          <a:bodyPr wrap="square" rtlCol="0">
+            <a:spAutoFit/>
+          </a:bodyPr>
+          <a:lstStyle/>
+          <a:p>
+            <a:pPr algn="ctr"/>
+            <a:r>
+              <a:rPr lang="en-US" i="1" dirty="0" smtClean="0">
+                <a:solidFill>
+                  <a:schemeClr val="bg1"/>
+                </a:solidFill>
+              </a:rPr>
+              <a:t>No further growth</a:t>
+            </a:r>
+            <a:endParaRPr lang="en-US" i="1" dirty="0">
+              <a:solidFill>
+                <a:schemeClr val="bg1"/>
               </a:solidFill>
             </a:endParaRPr>
           </a:p>
@@ -10434,7 +10689,7 @@
   <p:timing>
     <p:tnLst>
       <p:par>
-        <p:cTn id="1" dur="indefinite" restart="never" nodeType="tmRoot"/>
+        <p:cTn xmlns:p14="http://schemas.microsoft.com/office/powerpoint/2010/main" id="1" dur="indefinite" restart="never" nodeType="tmRoot"/>
       </p:par>
     </p:tnLst>
   </p:timing>
@@ -10495,20 +10750,20 @@
           <p:nvPr>
             <p:extLst>
               <p:ext uri="{D42A27DB-BD31-4B8C-83A1-F6EECF244321}">
-                <p14:modId xmlns:p14="http://schemas.microsoft.com/office/powerpoint/2010/main" val="1693265219"/>
+                <p14:modId xmlns:p14="http://schemas.microsoft.com/office/powerpoint/2010/main" val="3574136458"/>
               </p:ext>
             </p:extLst>
           </p:nvPr>
         </p:nvGraphicFramePr>
         <p:xfrm>
-          <a:off x="1659729" y="4791816"/>
+          <a:off x="1659729" y="4952003"/>
           <a:ext cx="5943600" cy="1257300"/>
         </p:xfrm>
         <a:graphic>
           <a:graphicData uri="http://schemas.openxmlformats.org/presentationml/2006/ole">
             <mc:AlternateContent xmlns:mc="http://schemas.openxmlformats.org/markup-compatibility/2006">
               <mc:Choice xmlns:v="urn:schemas-microsoft-com:vml" Requires="v">
-                <p:oleObj spid="_x0000_s1193" name="Document" r:id="rId3" imgW="5943600" imgH="1257300" progId="Word.Document.12">
+                <p:oleObj spid="_x0000_s1278" name="Document" r:id="rId3" imgW="5943600" imgH="1257300" progId="Word.Document.12">
                   <p:embed/>
                 </p:oleObj>
               </mc:Choice>
@@ -10529,7 +10784,7 @@
                     </p:blipFill>
                     <p:spPr>
                       <a:xfrm>
-                        <a:off x="1659729" y="4791816"/>
+                        <a:off x="1659729" y="4952003"/>
                         <a:ext cx="5943600" cy="1257300"/>
                       </a:xfrm>
                       <a:prstGeom prst="rect">
@@ -10551,8 +10806,8 @@
         </p:nvSpPr>
         <p:spPr>
           <a:xfrm>
-            <a:off x="769541" y="4345248"/>
-            <a:ext cx="2387154" cy="369332"/>
+            <a:off x="531422" y="4537413"/>
+            <a:ext cx="2631875" cy="400110"/>
           </a:xfrm>
           <a:prstGeom prst="rect">
             <a:avLst/>
@@ -10566,14 +10821,14 @@
           <a:lstStyle/>
           <a:p>
             <a:r>
-              <a:rPr lang="en-US" dirty="0" smtClean="0">
+              <a:rPr lang="en-US" sz="2000" dirty="0" smtClean="0">
                 <a:solidFill>
                   <a:srgbClr val="FFFFFF"/>
                 </a:solidFill>
               </a:rPr>
               <a:t>Population dynamics:</a:t>
             </a:r>
-            <a:endParaRPr lang="en-US" dirty="0">
+            <a:endParaRPr lang="en-US" sz="2000" dirty="0">
               <a:solidFill>
                 <a:srgbClr val="FFFFFF"/>
               </a:solidFill>
@@ -10603,7 +10858,7 @@
           <a:graphicData uri="http://schemas.openxmlformats.org/presentationml/2006/ole">
             <mc:AlternateContent xmlns:mc="http://schemas.openxmlformats.org/markup-compatibility/2006">
               <mc:Choice xmlns:v="urn:schemas-microsoft-com:vml" Requires="v">
-                <p:oleObj spid="_x0000_s1194" name="Document" r:id="rId5" imgW="5943600" imgH="584200" progId="Word.Document.12">
+                <p:oleObj spid="_x0000_s1279" name="Document" r:id="rId5" imgW="5943600" imgH="584200" progId="Word.Document.12">
                   <p:embed/>
                 </p:oleObj>
               </mc:Choice>
@@ -10660,7 +10915,7 @@
           <a:graphicData uri="http://schemas.openxmlformats.org/presentationml/2006/ole">
             <mc:AlternateContent xmlns:mc="http://schemas.openxmlformats.org/markup-compatibility/2006">
               <mc:Choice xmlns:v="urn:schemas-microsoft-com:vml" Requires="v">
-                <p:oleObj spid="_x0000_s1195" name="Document" r:id="rId7" imgW="5943600" imgH="584200" progId="Word.Document.12">
+                <p:oleObj spid="_x0000_s1280" name="Document" r:id="rId7" imgW="5943600" imgH="584200" progId="Word.Document.12">
                   <p:embed/>
                 </p:oleObj>
               </mc:Choice>
@@ -10704,20 +10959,20 @@
           <p:nvPr>
             <p:extLst>
               <p:ext uri="{D42A27DB-BD31-4B8C-83A1-F6EECF244321}">
-                <p14:modId xmlns:p14="http://schemas.microsoft.com/office/powerpoint/2010/main" val="3389734115"/>
+                <p14:modId xmlns:p14="http://schemas.microsoft.com/office/powerpoint/2010/main" val="2562663628"/>
               </p:ext>
             </p:extLst>
           </p:nvPr>
         </p:nvGraphicFramePr>
         <p:xfrm>
-          <a:off x="1600200" y="3671345"/>
+          <a:off x="1479201" y="3487556"/>
           <a:ext cx="5943600" cy="571500"/>
         </p:xfrm>
         <a:graphic>
           <a:graphicData uri="http://schemas.openxmlformats.org/presentationml/2006/ole">
             <mc:AlternateContent xmlns:mc="http://schemas.openxmlformats.org/markup-compatibility/2006">
               <mc:Choice xmlns:v="urn:schemas-microsoft-com:vml" Requires="v">
-                <p:oleObj spid="_x0000_s1196" name="Document" r:id="rId9" imgW="5943600" imgH="571500" progId="Word.Document.12">
+                <p:oleObj spid="_x0000_s1281" name="Document" r:id="rId9" imgW="5943600" imgH="571500" progId="Word.Document.12">
                   <p:embed/>
                 </p:oleObj>
               </mc:Choice>
@@ -10738,7 +10993,7 @@
                     </p:blipFill>
                     <p:spPr>
                       <a:xfrm>
-                        <a:off x="1600200" y="3671345"/>
+                        <a:off x="1479201" y="3487556"/>
                         <a:ext cx="5943600" cy="571500"/>
                       </a:xfrm>
                       <a:prstGeom prst="rect">
@@ -10760,8 +11015,8 @@
         </p:nvSpPr>
         <p:spPr>
           <a:xfrm>
-            <a:off x="837648" y="1254018"/>
-            <a:ext cx="1644162" cy="369332"/>
+            <a:off x="531422" y="1162483"/>
+            <a:ext cx="1806329" cy="400110"/>
           </a:xfrm>
           <a:prstGeom prst="rect">
             <a:avLst/>
@@ -10775,14 +11030,14 @@
           <a:lstStyle/>
           <a:p>
             <a:r>
-              <a:rPr lang="en-US" dirty="0" smtClean="0">
+              <a:rPr lang="en-US" sz="2000" dirty="0" smtClean="0">
                 <a:solidFill>
                   <a:srgbClr val="FFFFFF"/>
                 </a:solidFill>
               </a:rPr>
               <a:t>Instar growth:</a:t>
             </a:r>
-            <a:endParaRPr lang="en-US" dirty="0">
+            <a:endParaRPr lang="en-US" sz="2000" dirty="0">
               <a:solidFill>
                 <a:srgbClr val="FFFFFF"/>
               </a:solidFill>
@@ -10798,8 +11053,8 @@
         </p:nvSpPr>
         <p:spPr>
           <a:xfrm>
-            <a:off x="778119" y="3272112"/>
-            <a:ext cx="1967644" cy="369332"/>
+            <a:off x="531422" y="3087446"/>
+            <a:ext cx="2165752" cy="400110"/>
           </a:xfrm>
           <a:prstGeom prst="rect">
             <a:avLst/>
@@ -10813,14 +11068,14 @@
           <a:lstStyle/>
           <a:p>
             <a:r>
-              <a:rPr lang="en-US" dirty="0" smtClean="0">
+              <a:rPr lang="en-US" sz="2000" dirty="0" smtClean="0">
                 <a:solidFill>
                   <a:srgbClr val="FFFFFF"/>
                 </a:solidFill>
               </a:rPr>
               <a:t>Trawl selectivity:</a:t>
             </a:r>
-            <a:endParaRPr lang="en-US" dirty="0">
+            <a:endParaRPr lang="en-US" sz="2000" dirty="0">
               <a:solidFill>
                 <a:srgbClr val="FFFFFF"/>
               </a:solidFill>
@@ -10908,7 +11163,7 @@
           <a:graphicData uri="http://schemas.openxmlformats.org/presentationml/2006/ole">
             <mc:AlternateContent xmlns:mc="http://schemas.openxmlformats.org/markup-compatibility/2006">
               <mc:Choice xmlns:v="urn:schemas-microsoft-com:vml" Requires="v">
-                <p:oleObj spid="_x0000_s2170" name="Document" r:id="rId3" imgW="5943600" imgH="571500" progId="Word.Document.12">
+                <p:oleObj spid="_x0000_s2234" name="Document" r:id="rId3" imgW="5943600" imgH="571500" progId="Word.Document.12">
                   <p:embed/>
                 </p:oleObj>
               </mc:Choice>
@@ -11003,7 +11258,7 @@
           <a:graphicData uri="http://schemas.openxmlformats.org/presentationml/2006/ole">
             <mc:AlternateContent xmlns:mc="http://schemas.openxmlformats.org/markup-compatibility/2006">
               <mc:Choice xmlns:v="urn:schemas-microsoft-com:vml" Requires="v">
-                <p:oleObj spid="_x0000_s2171" name="Document" r:id="rId5" imgW="5943600" imgH="1282700" progId="Word.Document.12">
+                <p:oleObj spid="_x0000_s2235" name="Document" r:id="rId5" imgW="5943600" imgH="1282700" progId="Word.Document.12">
                   <p:embed/>
                 </p:oleObj>
               </mc:Choice>
@@ -11098,7 +11353,7 @@
           <a:graphicData uri="http://schemas.openxmlformats.org/presentationml/2006/ole">
             <mc:AlternateContent xmlns:mc="http://schemas.openxmlformats.org/markup-compatibility/2006">
               <mc:Choice xmlns:v="urn:schemas-microsoft-com:vml" Requires="v">
-                <p:oleObj spid="_x0000_s2172" name="Document" r:id="rId7" imgW="5943600" imgH="304800" progId="Word.Document.12">
+                <p:oleObj spid="_x0000_s2236" name="Document" r:id="rId7" imgW="5943600" imgH="304800" progId="Word.Document.12">
                   <p:embed/>
                 </p:oleObj>
               </mc:Choice>
@@ -11168,44 +11423,6 @@
                 <a:srgbClr val="FFFFFF"/>
               </a:solidFill>
             </a:endParaRPr>
-          </a:p>
-        </p:txBody>
-      </p:sp>
-      <p:sp>
-        <p:nvSpPr>
-          <p:cNvPr id="5" name="TextBox 4"/>
-          <p:cNvSpPr txBox="1"/>
-          <p:nvPr/>
-        </p:nvSpPr>
-        <p:spPr>
-          <a:xfrm>
-            <a:off x="3829050" y="1238250"/>
-            <a:ext cx="933269" cy="369332"/>
-          </a:xfrm>
-          <a:prstGeom prst="rect">
-            <a:avLst/>
-          </a:prstGeom>
-          <a:noFill/>
-        </p:spPr>
-        <p:txBody>
-          <a:bodyPr wrap="none" rtlCol="0">
-            <a:spAutoFit/>
-          </a:bodyPr>
-          <a:lstStyle/>
-          <a:p>
-            <a:r>
-              <a:rPr lang="fr-CA" dirty="0" err="1" smtClean="0"/>
-              <a:t>Fix</a:t>
-            </a:r>
-            <a:r>
-              <a:rPr lang="fr-CA" dirty="0" smtClean="0"/>
-              <a:t> </a:t>
-            </a:r>
-            <a:r>
-              <a:rPr lang="fr-CA" dirty="0" err="1" smtClean="0"/>
-              <a:t>this</a:t>
-            </a:r>
-            <a:endParaRPr lang="en-CA" dirty="0"/>
           </a:p>
         </p:txBody>
       </p:sp>
